--- a/01 Classes/Aula 11 - Algoritmos e Complexidade - Divisão e Conquista.pptx
+++ b/01 Classes/Aula 11 - Algoritmos e Complexidade - Divisão e Conquista.pptx
@@ -3935,12 +3935,12 @@
               </a:rPr>
             </a:br>
             <a:r>
-              <a:rPr lang="pt-BR" b="1">
+              <a:rPr lang="pt-BR" b="1" dirty="0">
                 <a:solidFill>
                   <a:schemeClr val="bg1"/>
                 </a:solidFill>
               </a:rPr>
-              <a:t>Aula 10</a:t>
+              <a:t>Aula 11</a:t>
             </a:r>
             <a:br>
               <a:rPr lang="pt-BR" b="1" dirty="0">
@@ -3963,7 +3963,7 @@
                   <a:schemeClr val="bg1"/>
                 </a:solidFill>
               </a:rPr>
-              <a:t>Contextualização</a:t>
+              <a:t>Divisão e Conquista</a:t>
             </a:r>
           </a:p>
         </p:txBody>
@@ -4360,7 +4360,23 @@
                   <a:srgbClr val="0070C0"/>
                 </a:solidFill>
               </a:rPr>
-              <a:t>Contextualização</a:t>
+              <a:t>Divisão</a:t>
+            </a:r>
+            <a:r>
+              <a:rPr lang="en-US" b="1" dirty="0">
+                <a:solidFill>
+                  <a:srgbClr val="0070C0"/>
+                </a:solidFill>
+              </a:rPr>
+              <a:t> </a:t>
+            </a:r>
+            <a:r>
+              <a:rPr lang="en-US" b="1">
+                <a:solidFill>
+                  <a:srgbClr val="0070C0"/>
+                </a:solidFill>
+              </a:rPr>
+              <a:t>e Conquista</a:t>
             </a:r>
             <a:endParaRPr lang="en-US" b="1" dirty="0">
               <a:solidFill>

--- a/01 Classes/Aula 11 - Algoritmos e Complexidade - Divisão e Conquista.pptx
+++ b/01 Classes/Aula 11 - Algoritmos e Complexidade - Divisão e Conquista.pptx
@@ -5,17 +5,24 @@
     <p:sldMasterId id="2147483648" r:id="rId1"/>
   </p:sldMasterIdLst>
   <p:notesMasterIdLst>
-    <p:notesMasterId r:id="rId10"/>
+    <p:notesMasterId r:id="rId17"/>
   </p:notesMasterIdLst>
   <p:sldIdLst>
     <p:sldId id="256" r:id="rId2"/>
     <p:sldId id="291" r:id="rId3"/>
     <p:sldId id="331" r:id="rId4"/>
-    <p:sldId id="333" r:id="rId5"/>
-    <p:sldId id="323" r:id="rId6"/>
-    <p:sldId id="334" r:id="rId7"/>
-    <p:sldId id="337" r:id="rId8"/>
-    <p:sldId id="309" r:id="rId9"/>
+    <p:sldId id="338" r:id="rId5"/>
+    <p:sldId id="339" r:id="rId6"/>
+    <p:sldId id="340" r:id="rId7"/>
+    <p:sldId id="341" r:id="rId8"/>
+    <p:sldId id="342" r:id="rId9"/>
+    <p:sldId id="343" r:id="rId10"/>
+    <p:sldId id="344" r:id="rId11"/>
+    <p:sldId id="333" r:id="rId12"/>
+    <p:sldId id="323" r:id="rId13"/>
+    <p:sldId id="334" r:id="rId14"/>
+    <p:sldId id="337" r:id="rId15"/>
+    <p:sldId id="309" r:id="rId16"/>
   </p:sldIdLst>
   <p:sldSz cx="9144000" cy="5143500" type="screen16x9"/>
   <p:notesSz cx="6858000" cy="9144000"/>
@@ -562,6 +569,270 @@
 </p:notes>
 </file>
 
+<file path=ppt/notesSlides/notesSlide10.xml><?xml version="1.0" encoding="utf-8"?>
+<p:notes xmlns:a="http://schemas.openxmlformats.org/drawingml/2006/main" xmlns:r="http://schemas.openxmlformats.org/officeDocument/2006/relationships" xmlns:p="http://schemas.openxmlformats.org/presentationml/2006/main">
+  <p:cSld>
+    <p:spTree>
+      <p:nvGrpSpPr>
+        <p:cNvPr id="1" name=""/>
+        <p:cNvGrpSpPr/>
+        <p:nvPr/>
+      </p:nvGrpSpPr>
+      <p:grpSpPr>
+        <a:xfrm>
+          <a:off x="0" y="0"/>
+          <a:ext cx="0" cy="0"/>
+          <a:chOff x="0" y="0"/>
+          <a:chExt cx="0" cy="0"/>
+        </a:xfrm>
+      </p:grpSpPr>
+      <p:sp>
+        <p:nvSpPr>
+          <p:cNvPr id="2" name="Espaço Reservado para Imagem de Slide 1"/>
+          <p:cNvSpPr>
+            <a:spLocks noGrp="1" noRot="1" noChangeAspect="1"/>
+          </p:cNvSpPr>
+          <p:nvPr>
+            <p:ph type="sldImg"/>
+          </p:nvPr>
+        </p:nvSpPr>
+        <p:spPr>
+          <a:xfrm>
+            <a:off x="381000" y="685800"/>
+            <a:ext cx="6096000" cy="3429000"/>
+          </a:xfrm>
+        </p:spPr>
+      </p:sp>
+      <p:sp>
+        <p:nvSpPr>
+          <p:cNvPr id="3" name="Espaço Reservado para Anotações 2"/>
+          <p:cNvSpPr>
+            <a:spLocks noGrp="1"/>
+          </p:cNvSpPr>
+          <p:nvPr>
+            <p:ph type="body" idx="1"/>
+          </p:nvPr>
+        </p:nvSpPr>
+        <p:spPr/>
+        <p:txBody>
+          <a:bodyPr/>
+          <a:lstStyle/>
+          <a:p>
+            <a:endParaRPr lang="pt-BR" dirty="0"/>
+          </a:p>
+        </p:txBody>
+      </p:sp>
+    </p:spTree>
+    <p:extLst>
+      <p:ext uri="{BB962C8B-B14F-4D97-AF65-F5344CB8AC3E}">
+        <p14:creationId xmlns:p14="http://schemas.microsoft.com/office/powerpoint/2010/main" val="585304384"/>
+      </p:ext>
+    </p:extLst>
+  </p:cSld>
+  <p:clrMapOvr>
+    <a:masterClrMapping/>
+  </p:clrMapOvr>
+</p:notes>
+</file>
+
+<file path=ppt/notesSlides/notesSlide11.xml><?xml version="1.0" encoding="utf-8"?>
+<p:notes xmlns:a="http://schemas.openxmlformats.org/drawingml/2006/main" xmlns:r="http://schemas.openxmlformats.org/officeDocument/2006/relationships" xmlns:p="http://schemas.openxmlformats.org/presentationml/2006/main">
+  <p:cSld>
+    <p:spTree>
+      <p:nvGrpSpPr>
+        <p:cNvPr id="1" name=""/>
+        <p:cNvGrpSpPr/>
+        <p:nvPr/>
+      </p:nvGrpSpPr>
+      <p:grpSpPr>
+        <a:xfrm>
+          <a:off x="0" y="0"/>
+          <a:ext cx="0" cy="0"/>
+          <a:chOff x="0" y="0"/>
+          <a:chExt cx="0" cy="0"/>
+        </a:xfrm>
+      </p:grpSpPr>
+      <p:sp>
+        <p:nvSpPr>
+          <p:cNvPr id="2" name="Espaço Reservado para Imagem de Slide 1"/>
+          <p:cNvSpPr>
+            <a:spLocks noGrp="1" noRot="1" noChangeAspect="1"/>
+          </p:cNvSpPr>
+          <p:nvPr>
+            <p:ph type="sldImg"/>
+          </p:nvPr>
+        </p:nvSpPr>
+        <p:spPr>
+          <a:xfrm>
+            <a:off x="381000" y="685800"/>
+            <a:ext cx="6096000" cy="3429000"/>
+          </a:xfrm>
+        </p:spPr>
+      </p:sp>
+      <p:sp>
+        <p:nvSpPr>
+          <p:cNvPr id="3" name="Espaço Reservado para Anotações 2"/>
+          <p:cNvSpPr>
+            <a:spLocks noGrp="1"/>
+          </p:cNvSpPr>
+          <p:nvPr>
+            <p:ph type="body" idx="1"/>
+          </p:nvPr>
+        </p:nvSpPr>
+        <p:spPr/>
+        <p:txBody>
+          <a:bodyPr/>
+          <a:lstStyle/>
+          <a:p>
+            <a:endParaRPr lang="pt-BR" dirty="0"/>
+          </a:p>
+        </p:txBody>
+      </p:sp>
+    </p:spTree>
+    <p:extLst>
+      <p:ext uri="{BB962C8B-B14F-4D97-AF65-F5344CB8AC3E}">
+        <p14:creationId xmlns:p14="http://schemas.microsoft.com/office/powerpoint/2010/main" val="2709569597"/>
+      </p:ext>
+    </p:extLst>
+  </p:cSld>
+  <p:clrMapOvr>
+    <a:masterClrMapping/>
+  </p:clrMapOvr>
+</p:notes>
+</file>
+
+<file path=ppt/notesSlides/notesSlide12.xml><?xml version="1.0" encoding="utf-8"?>
+<p:notes xmlns:a="http://schemas.openxmlformats.org/drawingml/2006/main" xmlns:r="http://schemas.openxmlformats.org/officeDocument/2006/relationships" xmlns:p="http://schemas.openxmlformats.org/presentationml/2006/main">
+  <p:cSld>
+    <p:spTree>
+      <p:nvGrpSpPr>
+        <p:cNvPr id="1" name=""/>
+        <p:cNvGrpSpPr/>
+        <p:nvPr/>
+      </p:nvGrpSpPr>
+      <p:grpSpPr>
+        <a:xfrm>
+          <a:off x="0" y="0"/>
+          <a:ext cx="0" cy="0"/>
+          <a:chOff x="0" y="0"/>
+          <a:chExt cx="0" cy="0"/>
+        </a:xfrm>
+      </p:grpSpPr>
+      <p:sp>
+        <p:nvSpPr>
+          <p:cNvPr id="2" name="Espaço Reservado para Imagem de Slide 1"/>
+          <p:cNvSpPr>
+            <a:spLocks noGrp="1" noRot="1" noChangeAspect="1"/>
+          </p:cNvSpPr>
+          <p:nvPr>
+            <p:ph type="sldImg"/>
+          </p:nvPr>
+        </p:nvSpPr>
+        <p:spPr>
+          <a:xfrm>
+            <a:off x="381000" y="685800"/>
+            <a:ext cx="6096000" cy="3429000"/>
+          </a:xfrm>
+        </p:spPr>
+      </p:sp>
+      <p:sp>
+        <p:nvSpPr>
+          <p:cNvPr id="3" name="Espaço Reservado para Anotações 2"/>
+          <p:cNvSpPr>
+            <a:spLocks noGrp="1"/>
+          </p:cNvSpPr>
+          <p:nvPr>
+            <p:ph type="body" idx="1"/>
+          </p:nvPr>
+        </p:nvSpPr>
+        <p:spPr/>
+        <p:txBody>
+          <a:bodyPr/>
+          <a:lstStyle/>
+          <a:p>
+            <a:endParaRPr lang="pt-BR" dirty="0"/>
+          </a:p>
+        </p:txBody>
+      </p:sp>
+    </p:spTree>
+    <p:extLst>
+      <p:ext uri="{BB962C8B-B14F-4D97-AF65-F5344CB8AC3E}">
+        <p14:creationId xmlns:p14="http://schemas.microsoft.com/office/powerpoint/2010/main" val="2296249050"/>
+      </p:ext>
+    </p:extLst>
+  </p:cSld>
+  <p:clrMapOvr>
+    <a:masterClrMapping/>
+  </p:clrMapOvr>
+</p:notes>
+</file>
+
+<file path=ppt/notesSlides/notesSlide13.xml><?xml version="1.0" encoding="utf-8"?>
+<p:notes xmlns:a="http://schemas.openxmlformats.org/drawingml/2006/main" xmlns:r="http://schemas.openxmlformats.org/officeDocument/2006/relationships" xmlns:p="http://schemas.openxmlformats.org/presentationml/2006/main">
+  <p:cSld>
+    <p:spTree>
+      <p:nvGrpSpPr>
+        <p:cNvPr id="1" name=""/>
+        <p:cNvGrpSpPr/>
+        <p:nvPr/>
+      </p:nvGrpSpPr>
+      <p:grpSpPr>
+        <a:xfrm>
+          <a:off x="0" y="0"/>
+          <a:ext cx="0" cy="0"/>
+          <a:chOff x="0" y="0"/>
+          <a:chExt cx="0" cy="0"/>
+        </a:xfrm>
+      </p:grpSpPr>
+      <p:sp>
+        <p:nvSpPr>
+          <p:cNvPr id="2" name="Espaço Reservado para Imagem de Slide 1"/>
+          <p:cNvSpPr>
+            <a:spLocks noGrp="1" noRot="1" noChangeAspect="1"/>
+          </p:cNvSpPr>
+          <p:nvPr>
+            <p:ph type="sldImg"/>
+          </p:nvPr>
+        </p:nvSpPr>
+        <p:spPr>
+          <a:xfrm>
+            <a:off x="381000" y="685800"/>
+            <a:ext cx="6096000" cy="3429000"/>
+          </a:xfrm>
+        </p:spPr>
+      </p:sp>
+      <p:sp>
+        <p:nvSpPr>
+          <p:cNvPr id="3" name="Espaço Reservado para Anotações 2"/>
+          <p:cNvSpPr>
+            <a:spLocks noGrp="1"/>
+          </p:cNvSpPr>
+          <p:nvPr>
+            <p:ph type="body" idx="1"/>
+          </p:nvPr>
+        </p:nvSpPr>
+        <p:spPr/>
+        <p:txBody>
+          <a:bodyPr/>
+          <a:lstStyle/>
+          <a:p>
+            <a:endParaRPr lang="pt-BR" dirty="0"/>
+          </a:p>
+        </p:txBody>
+      </p:sp>
+    </p:spTree>
+    <p:extLst>
+      <p:ext uri="{BB962C8B-B14F-4D97-AF65-F5344CB8AC3E}">
+        <p14:creationId xmlns:p14="http://schemas.microsoft.com/office/powerpoint/2010/main" val="4290351292"/>
+      </p:ext>
+    </p:extLst>
+  </p:cSld>
+  <p:clrMapOvr>
+    <a:masterClrMapping/>
+  </p:clrMapOvr>
+</p:notes>
+</file>
+
 <file path=ppt/notesSlides/notesSlide2.xml><?xml version="1.0" encoding="utf-8"?>
 <p:notes xmlns:a="http://schemas.openxmlformats.org/drawingml/2006/main" xmlns:r="http://schemas.openxmlformats.org/officeDocument/2006/relationships" xmlns:p="http://schemas.openxmlformats.org/presentationml/2006/main">
   <p:cSld>
@@ -633,7 +904,13 @@
   <p:cSld>
     <p:spTree>
       <p:nvGrpSpPr>
-        <p:cNvPr id="1" name=""/>
+        <p:cNvPr id="1" name="">
+          <a:extLst>
+            <a:ext uri="{FF2B5EF4-FFF2-40B4-BE49-F238E27FC236}">
+              <a16:creationId xmlns:a16="http://schemas.microsoft.com/office/drawing/2014/main" id="{9DB9B9E9-2E0A-8F18-2268-1405A8F3B947}"/>
+            </a:ext>
+          </a:extLst>
+        </p:cNvPr>
         <p:cNvGrpSpPr/>
         <p:nvPr/>
       </p:nvGrpSpPr>
@@ -647,7 +924,13 @@
       </p:grpSpPr>
       <p:sp>
         <p:nvSpPr>
-          <p:cNvPr id="2" name="Espaço Reservado para Imagem de Slide 1"/>
+          <p:cNvPr id="2" name="Espaço Reservado para Imagem de Slide 1">
+            <a:extLst>
+              <a:ext uri="{FF2B5EF4-FFF2-40B4-BE49-F238E27FC236}">
+                <a16:creationId xmlns:a16="http://schemas.microsoft.com/office/drawing/2014/main" id="{30C85548-8979-4B66-C980-8A051ED7DF59}"/>
+              </a:ext>
+            </a:extLst>
+          </p:cNvPr>
           <p:cNvSpPr>
             <a:spLocks noGrp="1" noRot="1" noChangeAspect="1"/>
           </p:cNvSpPr>
@@ -664,7 +947,13 @@
       </p:sp>
       <p:sp>
         <p:nvSpPr>
-          <p:cNvPr id="3" name="Espaço Reservado para Anotações 2"/>
+          <p:cNvPr id="3" name="Espaço Reservado para Anotações 2">
+            <a:extLst>
+              <a:ext uri="{FF2B5EF4-FFF2-40B4-BE49-F238E27FC236}">
+                <a16:creationId xmlns:a16="http://schemas.microsoft.com/office/drawing/2014/main" id="{BBBC9E17-D9DE-3669-534F-3BFC69228AF7}"/>
+              </a:ext>
+            </a:extLst>
+          </p:cNvPr>
           <p:cNvSpPr>
             <a:spLocks noGrp="1"/>
           </p:cNvSpPr>
@@ -684,7 +973,7 @@
     </p:spTree>
     <p:extLst>
       <p:ext uri="{BB962C8B-B14F-4D97-AF65-F5344CB8AC3E}">
-        <p14:creationId xmlns:p14="http://schemas.microsoft.com/office/powerpoint/2010/main" val="585304384"/>
+        <p14:creationId xmlns:p14="http://schemas.microsoft.com/office/powerpoint/2010/main" val="3288269467"/>
       </p:ext>
     </p:extLst>
   </p:cSld>
@@ -699,7 +988,13 @@
   <p:cSld>
     <p:spTree>
       <p:nvGrpSpPr>
-        <p:cNvPr id="1" name=""/>
+        <p:cNvPr id="1" name="">
+          <a:extLst>
+            <a:ext uri="{FF2B5EF4-FFF2-40B4-BE49-F238E27FC236}">
+              <a16:creationId xmlns:a16="http://schemas.microsoft.com/office/drawing/2014/main" id="{0CAE0744-8136-F759-D476-9BB515671C47}"/>
+            </a:ext>
+          </a:extLst>
+        </p:cNvPr>
         <p:cNvGrpSpPr/>
         <p:nvPr/>
       </p:nvGrpSpPr>
@@ -713,7 +1008,13 @@
       </p:grpSpPr>
       <p:sp>
         <p:nvSpPr>
-          <p:cNvPr id="2" name="Espaço Reservado para Imagem de Slide 1"/>
+          <p:cNvPr id="2" name="Espaço Reservado para Imagem de Slide 1">
+            <a:extLst>
+              <a:ext uri="{FF2B5EF4-FFF2-40B4-BE49-F238E27FC236}">
+                <a16:creationId xmlns:a16="http://schemas.microsoft.com/office/drawing/2014/main" id="{B8877AF5-C073-F140-A778-C020FC8C80A2}"/>
+              </a:ext>
+            </a:extLst>
+          </p:cNvPr>
           <p:cNvSpPr>
             <a:spLocks noGrp="1" noRot="1" noChangeAspect="1"/>
           </p:cNvSpPr>
@@ -730,7 +1031,13 @@
       </p:sp>
       <p:sp>
         <p:nvSpPr>
-          <p:cNvPr id="3" name="Espaço Reservado para Anotações 2"/>
+          <p:cNvPr id="3" name="Espaço Reservado para Anotações 2">
+            <a:extLst>
+              <a:ext uri="{FF2B5EF4-FFF2-40B4-BE49-F238E27FC236}">
+                <a16:creationId xmlns:a16="http://schemas.microsoft.com/office/drawing/2014/main" id="{B4EAFC87-778D-C693-99C0-54BE68982042}"/>
+              </a:ext>
+            </a:extLst>
+          </p:cNvPr>
           <p:cNvSpPr>
             <a:spLocks noGrp="1"/>
           </p:cNvSpPr>
@@ -750,7 +1057,7 @@
     </p:spTree>
     <p:extLst>
       <p:ext uri="{BB962C8B-B14F-4D97-AF65-F5344CB8AC3E}">
-        <p14:creationId xmlns:p14="http://schemas.microsoft.com/office/powerpoint/2010/main" val="2709569597"/>
+        <p14:creationId xmlns:p14="http://schemas.microsoft.com/office/powerpoint/2010/main" val="4000133027"/>
       </p:ext>
     </p:extLst>
   </p:cSld>
@@ -765,7 +1072,13 @@
   <p:cSld>
     <p:spTree>
       <p:nvGrpSpPr>
-        <p:cNvPr id="1" name=""/>
+        <p:cNvPr id="1" name="">
+          <a:extLst>
+            <a:ext uri="{FF2B5EF4-FFF2-40B4-BE49-F238E27FC236}">
+              <a16:creationId xmlns:a16="http://schemas.microsoft.com/office/drawing/2014/main" id="{05A6287D-2D14-F4ED-0263-F7EAEC36B5CE}"/>
+            </a:ext>
+          </a:extLst>
+        </p:cNvPr>
         <p:cNvGrpSpPr/>
         <p:nvPr/>
       </p:nvGrpSpPr>
@@ -779,7 +1092,13 @@
       </p:grpSpPr>
       <p:sp>
         <p:nvSpPr>
-          <p:cNvPr id="2" name="Espaço Reservado para Imagem de Slide 1"/>
+          <p:cNvPr id="2" name="Espaço Reservado para Imagem de Slide 1">
+            <a:extLst>
+              <a:ext uri="{FF2B5EF4-FFF2-40B4-BE49-F238E27FC236}">
+                <a16:creationId xmlns:a16="http://schemas.microsoft.com/office/drawing/2014/main" id="{B2FC84C4-8F43-5730-BD05-A13C30BE35C6}"/>
+              </a:ext>
+            </a:extLst>
+          </p:cNvPr>
           <p:cNvSpPr>
             <a:spLocks noGrp="1" noRot="1" noChangeAspect="1"/>
           </p:cNvSpPr>
@@ -796,7 +1115,13 @@
       </p:sp>
       <p:sp>
         <p:nvSpPr>
-          <p:cNvPr id="3" name="Espaço Reservado para Anotações 2"/>
+          <p:cNvPr id="3" name="Espaço Reservado para Anotações 2">
+            <a:extLst>
+              <a:ext uri="{FF2B5EF4-FFF2-40B4-BE49-F238E27FC236}">
+                <a16:creationId xmlns:a16="http://schemas.microsoft.com/office/drawing/2014/main" id="{CE8BF36F-8CFD-4C6A-784D-F93525D5EA63}"/>
+              </a:ext>
+            </a:extLst>
+          </p:cNvPr>
           <p:cNvSpPr>
             <a:spLocks noGrp="1"/>
           </p:cNvSpPr>
@@ -816,7 +1141,7 @@
     </p:spTree>
     <p:extLst>
       <p:ext uri="{BB962C8B-B14F-4D97-AF65-F5344CB8AC3E}">
-        <p14:creationId xmlns:p14="http://schemas.microsoft.com/office/powerpoint/2010/main" val="2296249050"/>
+        <p14:creationId xmlns:p14="http://schemas.microsoft.com/office/powerpoint/2010/main" val="3634788259"/>
       </p:ext>
     </p:extLst>
   </p:cSld>
@@ -831,7 +1156,13 @@
   <p:cSld>
     <p:spTree>
       <p:nvGrpSpPr>
-        <p:cNvPr id="1" name=""/>
+        <p:cNvPr id="1" name="">
+          <a:extLst>
+            <a:ext uri="{FF2B5EF4-FFF2-40B4-BE49-F238E27FC236}">
+              <a16:creationId xmlns:a16="http://schemas.microsoft.com/office/drawing/2014/main" id="{715DB5F5-D241-78AF-06F7-28D67180CEB3}"/>
+            </a:ext>
+          </a:extLst>
+        </p:cNvPr>
         <p:cNvGrpSpPr/>
         <p:nvPr/>
       </p:nvGrpSpPr>
@@ -845,7 +1176,13 @@
       </p:grpSpPr>
       <p:sp>
         <p:nvSpPr>
-          <p:cNvPr id="2" name="Espaço Reservado para Imagem de Slide 1"/>
+          <p:cNvPr id="2" name="Espaço Reservado para Imagem de Slide 1">
+            <a:extLst>
+              <a:ext uri="{FF2B5EF4-FFF2-40B4-BE49-F238E27FC236}">
+                <a16:creationId xmlns:a16="http://schemas.microsoft.com/office/drawing/2014/main" id="{6266CF32-3F45-4905-6E9E-71CA7B647B19}"/>
+              </a:ext>
+            </a:extLst>
+          </p:cNvPr>
           <p:cNvSpPr>
             <a:spLocks noGrp="1" noRot="1" noChangeAspect="1"/>
           </p:cNvSpPr>
@@ -862,7 +1199,13 @@
       </p:sp>
       <p:sp>
         <p:nvSpPr>
-          <p:cNvPr id="3" name="Espaço Reservado para Anotações 2"/>
+          <p:cNvPr id="3" name="Espaço Reservado para Anotações 2">
+            <a:extLst>
+              <a:ext uri="{FF2B5EF4-FFF2-40B4-BE49-F238E27FC236}">
+                <a16:creationId xmlns:a16="http://schemas.microsoft.com/office/drawing/2014/main" id="{BF6A5DA4-FF05-8DC9-BD65-5F7B17616220}"/>
+              </a:ext>
+            </a:extLst>
+          </p:cNvPr>
           <p:cNvSpPr>
             <a:spLocks noGrp="1"/>
           </p:cNvSpPr>
@@ -882,7 +1225,259 @@
     </p:spTree>
     <p:extLst>
       <p:ext uri="{BB962C8B-B14F-4D97-AF65-F5344CB8AC3E}">
-        <p14:creationId xmlns:p14="http://schemas.microsoft.com/office/powerpoint/2010/main" val="4290351292"/>
+        <p14:creationId xmlns:p14="http://schemas.microsoft.com/office/powerpoint/2010/main" val="504015555"/>
+      </p:ext>
+    </p:extLst>
+  </p:cSld>
+  <p:clrMapOvr>
+    <a:masterClrMapping/>
+  </p:clrMapOvr>
+</p:notes>
+</file>
+
+<file path=ppt/notesSlides/notesSlide7.xml><?xml version="1.0" encoding="utf-8"?>
+<p:notes xmlns:a="http://schemas.openxmlformats.org/drawingml/2006/main" xmlns:r="http://schemas.openxmlformats.org/officeDocument/2006/relationships" xmlns:p="http://schemas.openxmlformats.org/presentationml/2006/main">
+  <p:cSld>
+    <p:spTree>
+      <p:nvGrpSpPr>
+        <p:cNvPr id="1" name="">
+          <a:extLst>
+            <a:ext uri="{FF2B5EF4-FFF2-40B4-BE49-F238E27FC236}">
+              <a16:creationId xmlns:a16="http://schemas.microsoft.com/office/drawing/2014/main" id="{DAB811E7-01C2-5669-0553-737D19CE7DA6}"/>
+            </a:ext>
+          </a:extLst>
+        </p:cNvPr>
+        <p:cNvGrpSpPr/>
+        <p:nvPr/>
+      </p:nvGrpSpPr>
+      <p:grpSpPr>
+        <a:xfrm>
+          <a:off x="0" y="0"/>
+          <a:ext cx="0" cy="0"/>
+          <a:chOff x="0" y="0"/>
+          <a:chExt cx="0" cy="0"/>
+        </a:xfrm>
+      </p:grpSpPr>
+      <p:sp>
+        <p:nvSpPr>
+          <p:cNvPr id="2" name="Espaço Reservado para Imagem de Slide 1">
+            <a:extLst>
+              <a:ext uri="{FF2B5EF4-FFF2-40B4-BE49-F238E27FC236}">
+                <a16:creationId xmlns:a16="http://schemas.microsoft.com/office/drawing/2014/main" id="{ED1335AC-D0C0-C4D3-9CAB-9CAD949F256F}"/>
+              </a:ext>
+            </a:extLst>
+          </p:cNvPr>
+          <p:cNvSpPr>
+            <a:spLocks noGrp="1" noRot="1" noChangeAspect="1"/>
+          </p:cNvSpPr>
+          <p:nvPr>
+            <p:ph type="sldImg"/>
+          </p:nvPr>
+        </p:nvSpPr>
+        <p:spPr>
+          <a:xfrm>
+            <a:off x="381000" y="685800"/>
+            <a:ext cx="6096000" cy="3429000"/>
+          </a:xfrm>
+        </p:spPr>
+      </p:sp>
+      <p:sp>
+        <p:nvSpPr>
+          <p:cNvPr id="3" name="Espaço Reservado para Anotações 2">
+            <a:extLst>
+              <a:ext uri="{FF2B5EF4-FFF2-40B4-BE49-F238E27FC236}">
+                <a16:creationId xmlns:a16="http://schemas.microsoft.com/office/drawing/2014/main" id="{3B227E47-F4EF-2B9B-C139-816214786330}"/>
+              </a:ext>
+            </a:extLst>
+          </p:cNvPr>
+          <p:cNvSpPr>
+            <a:spLocks noGrp="1"/>
+          </p:cNvSpPr>
+          <p:nvPr>
+            <p:ph type="body" idx="1"/>
+          </p:nvPr>
+        </p:nvSpPr>
+        <p:spPr/>
+        <p:txBody>
+          <a:bodyPr/>
+          <a:lstStyle/>
+          <a:p>
+            <a:endParaRPr lang="pt-BR" dirty="0"/>
+          </a:p>
+        </p:txBody>
+      </p:sp>
+    </p:spTree>
+    <p:extLst>
+      <p:ext uri="{BB962C8B-B14F-4D97-AF65-F5344CB8AC3E}">
+        <p14:creationId xmlns:p14="http://schemas.microsoft.com/office/powerpoint/2010/main" val="2010238412"/>
+      </p:ext>
+    </p:extLst>
+  </p:cSld>
+  <p:clrMapOvr>
+    <a:masterClrMapping/>
+  </p:clrMapOvr>
+</p:notes>
+</file>
+
+<file path=ppt/notesSlides/notesSlide8.xml><?xml version="1.0" encoding="utf-8"?>
+<p:notes xmlns:a="http://schemas.openxmlformats.org/drawingml/2006/main" xmlns:r="http://schemas.openxmlformats.org/officeDocument/2006/relationships" xmlns:p="http://schemas.openxmlformats.org/presentationml/2006/main">
+  <p:cSld>
+    <p:spTree>
+      <p:nvGrpSpPr>
+        <p:cNvPr id="1" name="">
+          <a:extLst>
+            <a:ext uri="{FF2B5EF4-FFF2-40B4-BE49-F238E27FC236}">
+              <a16:creationId xmlns:a16="http://schemas.microsoft.com/office/drawing/2014/main" id="{AAA6BE28-EFF4-1867-2649-77C0CD05FED6}"/>
+            </a:ext>
+          </a:extLst>
+        </p:cNvPr>
+        <p:cNvGrpSpPr/>
+        <p:nvPr/>
+      </p:nvGrpSpPr>
+      <p:grpSpPr>
+        <a:xfrm>
+          <a:off x="0" y="0"/>
+          <a:ext cx="0" cy="0"/>
+          <a:chOff x="0" y="0"/>
+          <a:chExt cx="0" cy="0"/>
+        </a:xfrm>
+      </p:grpSpPr>
+      <p:sp>
+        <p:nvSpPr>
+          <p:cNvPr id="2" name="Espaço Reservado para Imagem de Slide 1">
+            <a:extLst>
+              <a:ext uri="{FF2B5EF4-FFF2-40B4-BE49-F238E27FC236}">
+                <a16:creationId xmlns:a16="http://schemas.microsoft.com/office/drawing/2014/main" id="{03F59C9D-9E74-6B51-F4E7-7C8F69A98CE8}"/>
+              </a:ext>
+            </a:extLst>
+          </p:cNvPr>
+          <p:cNvSpPr>
+            <a:spLocks noGrp="1" noRot="1" noChangeAspect="1"/>
+          </p:cNvSpPr>
+          <p:nvPr>
+            <p:ph type="sldImg"/>
+          </p:nvPr>
+        </p:nvSpPr>
+        <p:spPr>
+          <a:xfrm>
+            <a:off x="381000" y="685800"/>
+            <a:ext cx="6096000" cy="3429000"/>
+          </a:xfrm>
+        </p:spPr>
+      </p:sp>
+      <p:sp>
+        <p:nvSpPr>
+          <p:cNvPr id="3" name="Espaço Reservado para Anotações 2">
+            <a:extLst>
+              <a:ext uri="{FF2B5EF4-FFF2-40B4-BE49-F238E27FC236}">
+                <a16:creationId xmlns:a16="http://schemas.microsoft.com/office/drawing/2014/main" id="{210179A2-668D-83F9-F2F1-5E5F93A1532A}"/>
+              </a:ext>
+            </a:extLst>
+          </p:cNvPr>
+          <p:cNvSpPr>
+            <a:spLocks noGrp="1"/>
+          </p:cNvSpPr>
+          <p:nvPr>
+            <p:ph type="body" idx="1"/>
+          </p:nvPr>
+        </p:nvSpPr>
+        <p:spPr/>
+        <p:txBody>
+          <a:bodyPr/>
+          <a:lstStyle/>
+          <a:p>
+            <a:endParaRPr lang="pt-BR" dirty="0"/>
+          </a:p>
+        </p:txBody>
+      </p:sp>
+    </p:spTree>
+    <p:extLst>
+      <p:ext uri="{BB962C8B-B14F-4D97-AF65-F5344CB8AC3E}">
+        <p14:creationId xmlns:p14="http://schemas.microsoft.com/office/powerpoint/2010/main" val="2510804092"/>
+      </p:ext>
+    </p:extLst>
+  </p:cSld>
+  <p:clrMapOvr>
+    <a:masterClrMapping/>
+  </p:clrMapOvr>
+</p:notes>
+</file>
+
+<file path=ppt/notesSlides/notesSlide9.xml><?xml version="1.0" encoding="utf-8"?>
+<p:notes xmlns:a="http://schemas.openxmlformats.org/drawingml/2006/main" xmlns:r="http://schemas.openxmlformats.org/officeDocument/2006/relationships" xmlns:p="http://schemas.openxmlformats.org/presentationml/2006/main">
+  <p:cSld>
+    <p:spTree>
+      <p:nvGrpSpPr>
+        <p:cNvPr id="1" name="">
+          <a:extLst>
+            <a:ext uri="{FF2B5EF4-FFF2-40B4-BE49-F238E27FC236}">
+              <a16:creationId xmlns:a16="http://schemas.microsoft.com/office/drawing/2014/main" id="{064D00AF-85F6-A2B5-D7D1-A27AB9D0BFD2}"/>
+            </a:ext>
+          </a:extLst>
+        </p:cNvPr>
+        <p:cNvGrpSpPr/>
+        <p:nvPr/>
+      </p:nvGrpSpPr>
+      <p:grpSpPr>
+        <a:xfrm>
+          <a:off x="0" y="0"/>
+          <a:ext cx="0" cy="0"/>
+          <a:chOff x="0" y="0"/>
+          <a:chExt cx="0" cy="0"/>
+        </a:xfrm>
+      </p:grpSpPr>
+      <p:sp>
+        <p:nvSpPr>
+          <p:cNvPr id="2" name="Espaço Reservado para Imagem de Slide 1">
+            <a:extLst>
+              <a:ext uri="{FF2B5EF4-FFF2-40B4-BE49-F238E27FC236}">
+                <a16:creationId xmlns:a16="http://schemas.microsoft.com/office/drawing/2014/main" id="{DA14C8A2-69F4-EFA0-6528-AA50D03F5C98}"/>
+              </a:ext>
+            </a:extLst>
+          </p:cNvPr>
+          <p:cNvSpPr>
+            <a:spLocks noGrp="1" noRot="1" noChangeAspect="1"/>
+          </p:cNvSpPr>
+          <p:nvPr>
+            <p:ph type="sldImg"/>
+          </p:nvPr>
+        </p:nvSpPr>
+        <p:spPr>
+          <a:xfrm>
+            <a:off x="381000" y="685800"/>
+            <a:ext cx="6096000" cy="3429000"/>
+          </a:xfrm>
+        </p:spPr>
+      </p:sp>
+      <p:sp>
+        <p:nvSpPr>
+          <p:cNvPr id="3" name="Espaço Reservado para Anotações 2">
+            <a:extLst>
+              <a:ext uri="{FF2B5EF4-FFF2-40B4-BE49-F238E27FC236}">
+                <a16:creationId xmlns:a16="http://schemas.microsoft.com/office/drawing/2014/main" id="{EECDBBE0-8424-8653-A264-08877780FD5D}"/>
+              </a:ext>
+            </a:extLst>
+          </p:cNvPr>
+          <p:cNvSpPr>
+            <a:spLocks noGrp="1"/>
+          </p:cNvSpPr>
+          <p:nvPr>
+            <p:ph type="body" idx="1"/>
+          </p:nvPr>
+        </p:nvSpPr>
+        <p:spPr/>
+        <p:txBody>
+          <a:bodyPr/>
+          <a:lstStyle/>
+          <a:p>
+            <a:endParaRPr lang="pt-BR" dirty="0"/>
+          </a:p>
+        </p:txBody>
+      </p:sp>
+    </p:spTree>
+    <p:extLst>
+      <p:ext uri="{BB962C8B-B14F-4D97-AF65-F5344CB8AC3E}">
+        <p14:creationId xmlns:p14="http://schemas.microsoft.com/office/powerpoint/2010/main" val="3817690840"/>
       </p:ext>
     </p:extLst>
   </p:cSld>
@@ -3829,6 +4424,1966 @@
 </p:sld>
 </file>
 
+<file path=ppt/slides/slide10.xml><?xml version="1.0" encoding="utf-8"?>
+<p:sld xmlns:a="http://schemas.openxmlformats.org/drawingml/2006/main" xmlns:r="http://schemas.openxmlformats.org/officeDocument/2006/relationships" xmlns:p="http://schemas.openxmlformats.org/presentationml/2006/main">
+  <p:cSld>
+    <p:spTree>
+      <p:nvGrpSpPr>
+        <p:cNvPr id="1" name="">
+          <a:extLst>
+            <a:ext uri="{FF2B5EF4-FFF2-40B4-BE49-F238E27FC236}">
+              <a16:creationId xmlns:a16="http://schemas.microsoft.com/office/drawing/2014/main" id="{41CA2E28-6EAB-2B1D-4499-28A75A88EBB7}"/>
+            </a:ext>
+          </a:extLst>
+        </p:cNvPr>
+        <p:cNvGrpSpPr/>
+        <p:nvPr/>
+      </p:nvGrpSpPr>
+      <p:grpSpPr>
+        <a:xfrm>
+          <a:off x="0" y="0"/>
+          <a:ext cx="0" cy="0"/>
+          <a:chOff x="0" y="0"/>
+          <a:chExt cx="0" cy="0"/>
+        </a:xfrm>
+      </p:grpSpPr>
+      <p:sp>
+        <p:nvSpPr>
+          <p:cNvPr id="6" name="Title 1">
+            <a:extLst>
+              <a:ext uri="{FF2B5EF4-FFF2-40B4-BE49-F238E27FC236}">
+                <a16:creationId xmlns:a16="http://schemas.microsoft.com/office/drawing/2014/main" id="{39091DFE-1789-33D1-FF5B-2FBE39E334BA}"/>
+              </a:ext>
+            </a:extLst>
+          </p:cNvPr>
+          <p:cNvSpPr>
+            <a:spLocks noGrp="1"/>
+          </p:cNvSpPr>
+          <p:nvPr>
+            <p:ph type="title"/>
+          </p:nvPr>
+        </p:nvSpPr>
+        <p:spPr>
+          <a:xfrm>
+            <a:off x="457200" y="205980"/>
+            <a:ext cx="8229600" cy="857251"/>
+          </a:xfrm>
+        </p:spPr>
+        <p:txBody>
+          <a:bodyPr>
+            <a:normAutofit/>
+          </a:bodyPr>
+          <a:lstStyle/>
+          <a:p>
+            <a:r>
+              <a:rPr lang="en-US" b="1" dirty="0" err="1">
+                <a:solidFill>
+                  <a:srgbClr val="0070C0"/>
+                </a:solidFill>
+              </a:rPr>
+              <a:t>Divisão</a:t>
+            </a:r>
+            <a:r>
+              <a:rPr lang="en-US" b="1" dirty="0">
+                <a:solidFill>
+                  <a:srgbClr val="0070C0"/>
+                </a:solidFill>
+              </a:rPr>
+              <a:t> e Conquista – </a:t>
+            </a:r>
+            <a:r>
+              <a:rPr lang="en-US" b="1" dirty="0" err="1">
+                <a:solidFill>
+                  <a:srgbClr val="0070C0"/>
+                </a:solidFill>
+              </a:rPr>
+              <a:t>Aplicações</a:t>
+            </a:r>
+            <a:endParaRPr lang="en-US" b="1" dirty="0">
+              <a:solidFill>
+                <a:srgbClr val="0070C0"/>
+              </a:solidFill>
+            </a:endParaRPr>
+          </a:p>
+        </p:txBody>
+      </p:sp>
+      <p:sp>
+        <p:nvSpPr>
+          <p:cNvPr id="8" name="Text Placeholder 2">
+            <a:extLst>
+              <a:ext uri="{FF2B5EF4-FFF2-40B4-BE49-F238E27FC236}">
+                <a16:creationId xmlns:a16="http://schemas.microsoft.com/office/drawing/2014/main" id="{B0A6D580-58E0-2E95-1C54-0D806DC1D05F}"/>
+              </a:ext>
+            </a:extLst>
+          </p:cNvPr>
+          <p:cNvSpPr>
+            <a:spLocks noGrp="1"/>
+          </p:cNvSpPr>
+          <p:nvPr>
+            <p:ph type="body" sz="half" idx="1"/>
+          </p:nvPr>
+        </p:nvSpPr>
+        <p:spPr>
+          <a:xfrm>
+            <a:off x="142865" y="1200150"/>
+            <a:ext cx="8865056" cy="3737370"/>
+          </a:xfrm>
+        </p:spPr>
+        <p:txBody>
+          <a:bodyPr>
+            <a:noAutofit/>
+          </a:bodyPr>
+          <a:lstStyle/>
+          <a:p>
+            <a:pPr>
+              <a:buFont typeface="Wingdings" panose="05000000000000000000" pitchFamily="2" charset="2"/>
+              <a:buChar char="§"/>
+            </a:pPr>
+            <a:r>
+              <a:rPr lang="pt-BR" sz="2200" dirty="0">
+                <a:latin typeface="Times New Roman" panose="02020603050405020304" pitchFamily="18" charset="0"/>
+                <a:cs typeface="Times New Roman" panose="02020603050405020304" pitchFamily="18" charset="0"/>
+              </a:rPr>
+              <a:t>Ordenação (</a:t>
+            </a:r>
+            <a:r>
+              <a:rPr lang="pt-BR" sz="2200" b="1" dirty="0">
+                <a:solidFill>
+                  <a:srgbClr val="FF0000"/>
+                </a:solidFill>
+                <a:latin typeface="Times New Roman" panose="02020603050405020304" pitchFamily="18" charset="0"/>
+                <a:cs typeface="Times New Roman" panose="02020603050405020304" pitchFamily="18" charset="0"/>
+              </a:rPr>
+              <a:t>Merge </a:t>
+            </a:r>
+            <a:r>
+              <a:rPr lang="pt-BR" sz="2200" b="1" dirty="0" err="1">
+                <a:solidFill>
+                  <a:srgbClr val="FF0000"/>
+                </a:solidFill>
+                <a:latin typeface="Times New Roman" panose="02020603050405020304" pitchFamily="18" charset="0"/>
+                <a:cs typeface="Times New Roman" panose="02020603050405020304" pitchFamily="18" charset="0"/>
+              </a:rPr>
+              <a:t>Sort</a:t>
+            </a:r>
+            <a:r>
+              <a:rPr lang="pt-BR" sz="2200" b="1" dirty="0">
+                <a:solidFill>
+                  <a:srgbClr val="FF0000"/>
+                </a:solidFill>
+                <a:latin typeface="Times New Roman" panose="02020603050405020304" pitchFamily="18" charset="0"/>
+                <a:cs typeface="Times New Roman" panose="02020603050405020304" pitchFamily="18" charset="0"/>
+              </a:rPr>
+              <a:t>, Quick </a:t>
+            </a:r>
+            <a:r>
+              <a:rPr lang="pt-BR" sz="2200" b="1" dirty="0" err="1">
+                <a:solidFill>
+                  <a:srgbClr val="FF0000"/>
+                </a:solidFill>
+                <a:latin typeface="Times New Roman" panose="02020603050405020304" pitchFamily="18" charset="0"/>
+                <a:cs typeface="Times New Roman" panose="02020603050405020304" pitchFamily="18" charset="0"/>
+              </a:rPr>
+              <a:t>Sort</a:t>
+            </a:r>
+            <a:r>
+              <a:rPr lang="pt-BR" sz="2200" dirty="0">
+                <a:latin typeface="Times New Roman" panose="02020603050405020304" pitchFamily="18" charset="0"/>
+                <a:cs typeface="Times New Roman" panose="02020603050405020304" pitchFamily="18" charset="0"/>
+              </a:rPr>
+              <a:t>)</a:t>
+            </a:r>
+          </a:p>
+          <a:p>
+            <a:pPr>
+              <a:buFont typeface="Wingdings" panose="05000000000000000000" pitchFamily="2" charset="2"/>
+              <a:buChar char="§"/>
+            </a:pPr>
+            <a:endParaRPr lang="pt-BR" sz="2200" dirty="0">
+              <a:latin typeface="Times New Roman" panose="02020603050405020304" pitchFamily="18" charset="0"/>
+              <a:cs typeface="Times New Roman" panose="02020603050405020304" pitchFamily="18" charset="0"/>
+            </a:endParaRPr>
+          </a:p>
+          <a:p>
+            <a:pPr>
+              <a:buFont typeface="Wingdings" panose="05000000000000000000" pitchFamily="2" charset="2"/>
+              <a:buChar char="§"/>
+            </a:pPr>
+            <a:r>
+              <a:rPr lang="pt-BR" sz="2200" dirty="0">
+                <a:latin typeface="Times New Roman" panose="02020603050405020304" pitchFamily="18" charset="0"/>
+                <a:cs typeface="Times New Roman" panose="02020603050405020304" pitchFamily="18" charset="0"/>
+              </a:rPr>
+              <a:t>Pesquisa (</a:t>
+            </a:r>
+            <a:r>
+              <a:rPr lang="pt-BR" sz="2200" b="1" dirty="0">
+                <a:solidFill>
+                  <a:srgbClr val="FF0000"/>
+                </a:solidFill>
+                <a:latin typeface="Times New Roman" panose="02020603050405020304" pitchFamily="18" charset="0"/>
+                <a:cs typeface="Times New Roman" panose="02020603050405020304" pitchFamily="18" charset="0"/>
+              </a:rPr>
+              <a:t>Busca Binária</a:t>
+            </a:r>
+            <a:r>
+              <a:rPr lang="pt-BR" sz="2200" dirty="0">
+                <a:latin typeface="Times New Roman" panose="02020603050405020304" pitchFamily="18" charset="0"/>
+                <a:cs typeface="Times New Roman" panose="02020603050405020304" pitchFamily="18" charset="0"/>
+              </a:rPr>
+              <a:t>)</a:t>
+            </a:r>
+          </a:p>
+          <a:p>
+            <a:pPr>
+              <a:buFont typeface="Wingdings" panose="05000000000000000000" pitchFamily="2" charset="2"/>
+              <a:buChar char="§"/>
+            </a:pPr>
+            <a:endParaRPr lang="pt-BR" sz="2200" dirty="0">
+              <a:latin typeface="Times New Roman" panose="02020603050405020304" pitchFamily="18" charset="0"/>
+              <a:cs typeface="Times New Roman" panose="02020603050405020304" pitchFamily="18" charset="0"/>
+            </a:endParaRPr>
+          </a:p>
+          <a:p>
+            <a:pPr>
+              <a:buFont typeface="Wingdings" panose="05000000000000000000" pitchFamily="2" charset="2"/>
+              <a:buChar char="§"/>
+            </a:pPr>
+            <a:r>
+              <a:rPr lang="pt-BR" sz="2200" dirty="0">
+                <a:latin typeface="Times New Roman" panose="02020603050405020304" pitchFamily="18" charset="0"/>
+                <a:cs typeface="Times New Roman" panose="02020603050405020304" pitchFamily="18" charset="0"/>
+              </a:rPr>
+              <a:t>Processamento de imagens (</a:t>
+            </a:r>
+            <a:r>
+              <a:rPr lang="pt-BR" sz="2200" b="1" dirty="0">
+                <a:solidFill>
+                  <a:srgbClr val="FF0000"/>
+                </a:solidFill>
+                <a:latin typeface="Times New Roman" panose="02020603050405020304" pitchFamily="18" charset="0"/>
+                <a:cs typeface="Times New Roman" panose="02020603050405020304" pitchFamily="18" charset="0"/>
+              </a:rPr>
+              <a:t>divisão recursiva de regiões</a:t>
+            </a:r>
+            <a:r>
+              <a:rPr lang="pt-BR" sz="2200" dirty="0">
+                <a:latin typeface="Times New Roman" panose="02020603050405020304" pitchFamily="18" charset="0"/>
+                <a:cs typeface="Times New Roman" panose="02020603050405020304" pitchFamily="18" charset="0"/>
+              </a:rPr>
+              <a:t>)</a:t>
+            </a:r>
+          </a:p>
+          <a:p>
+            <a:pPr>
+              <a:buFont typeface="Wingdings" panose="05000000000000000000" pitchFamily="2" charset="2"/>
+              <a:buChar char="§"/>
+            </a:pPr>
+            <a:endParaRPr lang="pt-BR" sz="2200" dirty="0">
+              <a:latin typeface="Times New Roman" panose="02020603050405020304" pitchFamily="18" charset="0"/>
+              <a:cs typeface="Times New Roman" panose="02020603050405020304" pitchFamily="18" charset="0"/>
+            </a:endParaRPr>
+          </a:p>
+          <a:p>
+            <a:pPr>
+              <a:buFont typeface="Wingdings" panose="05000000000000000000" pitchFamily="2" charset="2"/>
+              <a:buChar char="§"/>
+            </a:pPr>
+            <a:r>
+              <a:rPr lang="pt-BR" sz="2200" dirty="0">
+                <a:latin typeface="Times New Roman" panose="02020603050405020304" pitchFamily="18" charset="0"/>
+                <a:cs typeface="Times New Roman" panose="02020603050405020304" pitchFamily="18" charset="0"/>
+              </a:rPr>
+              <a:t>Multiplicação de matrizes (</a:t>
+            </a:r>
+            <a:r>
+              <a:rPr lang="pt-BR" sz="2200" b="1" dirty="0" err="1">
+                <a:solidFill>
+                  <a:srgbClr val="FF0000"/>
+                </a:solidFill>
+                <a:latin typeface="Times New Roman" panose="02020603050405020304" pitchFamily="18" charset="0"/>
+                <a:cs typeface="Times New Roman" panose="02020603050405020304" pitchFamily="18" charset="0"/>
+              </a:rPr>
+              <a:t>Strassen</a:t>
+            </a:r>
+            <a:r>
+              <a:rPr lang="pt-BR" sz="2200" dirty="0">
+                <a:latin typeface="Times New Roman" panose="02020603050405020304" pitchFamily="18" charset="0"/>
+                <a:cs typeface="Times New Roman" panose="02020603050405020304" pitchFamily="18" charset="0"/>
+              </a:rPr>
+              <a:t>)</a:t>
+            </a:r>
+          </a:p>
+          <a:p>
+            <a:pPr>
+              <a:buFont typeface="Wingdings" panose="05000000000000000000" pitchFamily="2" charset="2"/>
+              <a:buChar char="§"/>
+            </a:pPr>
+            <a:endParaRPr lang="pt-BR" sz="2200" dirty="0">
+              <a:latin typeface="Times New Roman" panose="02020603050405020304" pitchFamily="18" charset="0"/>
+              <a:cs typeface="Times New Roman" panose="02020603050405020304" pitchFamily="18" charset="0"/>
+            </a:endParaRPr>
+          </a:p>
+          <a:p>
+            <a:pPr>
+              <a:buFont typeface="Wingdings" panose="05000000000000000000" pitchFamily="2" charset="2"/>
+              <a:buChar char="§"/>
+            </a:pPr>
+            <a:r>
+              <a:rPr lang="pt-BR" sz="2200" dirty="0">
+                <a:latin typeface="Times New Roman" panose="02020603050405020304" pitchFamily="18" charset="0"/>
+                <a:cs typeface="Times New Roman" panose="02020603050405020304" pitchFamily="18" charset="0"/>
+              </a:rPr>
+              <a:t>Algoritmos geométricos (</a:t>
+            </a:r>
+            <a:r>
+              <a:rPr lang="pt-BR" sz="2200" b="1" dirty="0">
+                <a:solidFill>
+                  <a:srgbClr val="FF0000"/>
+                </a:solidFill>
+                <a:latin typeface="Times New Roman" panose="02020603050405020304" pitchFamily="18" charset="0"/>
+                <a:cs typeface="Times New Roman" panose="02020603050405020304" pitchFamily="18" charset="0"/>
+              </a:rPr>
+              <a:t>Fecho convexo, </a:t>
+            </a:r>
+            <a:r>
+              <a:rPr lang="pt-BR" sz="2200" b="1" dirty="0" err="1">
+                <a:solidFill>
+                  <a:srgbClr val="FF0000"/>
+                </a:solidFill>
+                <a:latin typeface="Times New Roman" panose="02020603050405020304" pitchFamily="18" charset="0"/>
+                <a:cs typeface="Times New Roman" panose="02020603050405020304" pitchFamily="18" charset="0"/>
+              </a:rPr>
+              <a:t>Closest</a:t>
+            </a:r>
+            <a:r>
+              <a:rPr lang="pt-BR" sz="2200" b="1" dirty="0">
+                <a:solidFill>
+                  <a:srgbClr val="FF0000"/>
+                </a:solidFill>
+                <a:latin typeface="Times New Roman" panose="02020603050405020304" pitchFamily="18" charset="0"/>
+                <a:cs typeface="Times New Roman" panose="02020603050405020304" pitchFamily="18" charset="0"/>
+              </a:rPr>
+              <a:t> </a:t>
+            </a:r>
+            <a:r>
+              <a:rPr lang="pt-BR" sz="2200" b="1" dirty="0" err="1">
+                <a:solidFill>
+                  <a:srgbClr val="FF0000"/>
+                </a:solidFill>
+                <a:latin typeface="Times New Roman" panose="02020603050405020304" pitchFamily="18" charset="0"/>
+                <a:cs typeface="Times New Roman" panose="02020603050405020304" pitchFamily="18" charset="0"/>
+              </a:rPr>
+              <a:t>Pair</a:t>
+            </a:r>
+            <a:r>
+              <a:rPr lang="pt-BR" sz="2200" dirty="0">
+                <a:latin typeface="Times New Roman" panose="02020603050405020304" pitchFamily="18" charset="0"/>
+                <a:cs typeface="Times New Roman" panose="02020603050405020304" pitchFamily="18" charset="0"/>
+              </a:rPr>
+              <a:t>)</a:t>
+            </a:r>
+            <a:endParaRPr lang="pt-BR" sz="2200" dirty="0">
+              <a:solidFill>
+                <a:schemeClr val="tx1"/>
+              </a:solidFill>
+              <a:latin typeface="Times New Roman" panose="02020603050405020304" pitchFamily="18" charset="0"/>
+              <a:cs typeface="Times New Roman" panose="02020603050405020304" pitchFamily="18" charset="0"/>
+            </a:endParaRPr>
+          </a:p>
+        </p:txBody>
+      </p:sp>
+    </p:spTree>
+    <p:extLst>
+      <p:ext uri="{BB962C8B-B14F-4D97-AF65-F5344CB8AC3E}">
+        <p14:creationId xmlns:p14="http://schemas.microsoft.com/office/powerpoint/2010/main" val="1706550044"/>
+      </p:ext>
+    </p:extLst>
+  </p:cSld>
+  <p:clrMapOvr>
+    <a:masterClrMapping/>
+  </p:clrMapOvr>
+  <p:transition spd="med"/>
+</p:sld>
+</file>
+
+<file path=ppt/slides/slide11.xml><?xml version="1.0" encoding="utf-8"?>
+<p:sld xmlns:a="http://schemas.openxmlformats.org/drawingml/2006/main" xmlns:r="http://schemas.openxmlformats.org/officeDocument/2006/relationships" xmlns:p="http://schemas.openxmlformats.org/presentationml/2006/main">
+  <p:cSld>
+    <p:spTree>
+      <p:nvGrpSpPr>
+        <p:cNvPr id="1" name=""/>
+        <p:cNvGrpSpPr/>
+        <p:nvPr/>
+      </p:nvGrpSpPr>
+      <p:grpSpPr>
+        <a:xfrm>
+          <a:off x="0" y="0"/>
+          <a:ext cx="0" cy="0"/>
+          <a:chOff x="0" y="0"/>
+          <a:chExt cx="0" cy="0"/>
+        </a:xfrm>
+      </p:grpSpPr>
+      <p:sp>
+        <p:nvSpPr>
+          <p:cNvPr id="6" name="Title 1"/>
+          <p:cNvSpPr>
+            <a:spLocks noGrp="1"/>
+          </p:cNvSpPr>
+          <p:nvPr>
+            <p:ph type="title"/>
+          </p:nvPr>
+        </p:nvSpPr>
+        <p:spPr>
+          <a:xfrm>
+            <a:off x="457200" y="205980"/>
+            <a:ext cx="8229600" cy="857251"/>
+          </a:xfrm>
+        </p:spPr>
+        <p:txBody>
+          <a:bodyPr>
+            <a:normAutofit/>
+          </a:bodyPr>
+          <a:lstStyle/>
+          <a:p>
+            <a:r>
+              <a:rPr lang="en-US" b="1" dirty="0" err="1">
+                <a:solidFill>
+                  <a:srgbClr val="0070C0"/>
+                </a:solidFill>
+              </a:rPr>
+              <a:t>Leitura</a:t>
+            </a:r>
+            <a:r>
+              <a:rPr lang="en-US" b="1" dirty="0">
+                <a:solidFill>
+                  <a:srgbClr val="0070C0"/>
+                </a:solidFill>
+              </a:rPr>
+              <a:t> </a:t>
+            </a:r>
+            <a:r>
+              <a:rPr lang="en-US" b="1" dirty="0" err="1">
+                <a:solidFill>
+                  <a:srgbClr val="0070C0"/>
+                </a:solidFill>
+              </a:rPr>
+              <a:t>Específica</a:t>
+            </a:r>
+            <a:endParaRPr lang="en-US" b="1" dirty="0">
+              <a:solidFill>
+                <a:srgbClr val="0070C0"/>
+              </a:solidFill>
+            </a:endParaRPr>
+          </a:p>
+        </p:txBody>
+      </p:sp>
+      <p:sp>
+        <p:nvSpPr>
+          <p:cNvPr id="8" name="Text Placeholder 2"/>
+          <p:cNvSpPr>
+            <a:spLocks noGrp="1"/>
+          </p:cNvSpPr>
+          <p:nvPr>
+            <p:ph type="body" sz="half" idx="1"/>
+          </p:nvPr>
+        </p:nvSpPr>
+        <p:spPr>
+          <a:xfrm>
+            <a:off x="142865" y="1200150"/>
+            <a:ext cx="8865056" cy="3737369"/>
+          </a:xfrm>
+        </p:spPr>
+        <p:txBody>
+          <a:bodyPr>
+            <a:noAutofit/>
+          </a:bodyPr>
+          <a:lstStyle/>
+          <a:p>
+            <a:pPr marL="0" indent="0" algn="just">
+              <a:buNone/>
+            </a:pPr>
+            <a:r>
+              <a:rPr lang="pt-BR" sz="2200" dirty="0">
+                <a:latin typeface="Times New Roman" panose="02020603050405020304" pitchFamily="18" charset="0"/>
+                <a:cs typeface="Times New Roman" panose="02020603050405020304" pitchFamily="18" charset="0"/>
+              </a:rPr>
+              <a:t>[1] </a:t>
+            </a:r>
+            <a:r>
+              <a:rPr lang="pt-BR" sz="2200" b="1" dirty="0">
+                <a:latin typeface="Times New Roman" panose="02020603050405020304" pitchFamily="18" charset="0"/>
+                <a:cs typeface="Times New Roman" panose="02020603050405020304" pitchFamily="18" charset="0"/>
+              </a:rPr>
+              <a:t>“O método da divisão e conquista” (IME‑USP).</a:t>
+            </a:r>
+          </a:p>
+          <a:p>
+            <a:pPr marL="0" indent="0" algn="just">
+              <a:buNone/>
+            </a:pPr>
+            <a:r>
+              <a:rPr lang="pt-BR" sz="2200" b="1" dirty="0">
+                <a:solidFill>
+                  <a:srgbClr val="FF0000"/>
+                </a:solidFill>
+                <a:latin typeface="Times New Roman" panose="02020603050405020304" pitchFamily="18" charset="0"/>
+                <a:cs typeface="Times New Roman" panose="02020603050405020304" pitchFamily="18" charset="0"/>
+              </a:rPr>
+              <a:t>Disponível em: </a:t>
+            </a:r>
+            <a:r>
+              <a:rPr lang="pt-BR" sz="2200" dirty="0">
+                <a:solidFill>
+                  <a:srgbClr val="FF0000"/>
+                </a:solidFill>
+                <a:latin typeface="Times New Roman" panose="02020603050405020304" pitchFamily="18" charset="0"/>
+                <a:cs typeface="Times New Roman" panose="02020603050405020304" pitchFamily="18" charset="0"/>
+                <a:hlinkClick r:id="rId3"/>
+              </a:rPr>
+              <a:t>https://www.ime.usp.br/~pf/analise_de_algoritmos/aulas/divide-and-conquer.html?utm_source=chatgpt.com</a:t>
+            </a:r>
+            <a:r>
+              <a:rPr lang="pt-BR" sz="2200" dirty="0">
+                <a:solidFill>
+                  <a:srgbClr val="FF0000"/>
+                </a:solidFill>
+                <a:latin typeface="Times New Roman" panose="02020603050405020304" pitchFamily="18" charset="0"/>
+                <a:cs typeface="Times New Roman" panose="02020603050405020304" pitchFamily="18" charset="0"/>
+              </a:rPr>
+              <a:t> </a:t>
+            </a:r>
+          </a:p>
+          <a:p>
+            <a:pPr marL="0" indent="0" algn="just">
+              <a:buNone/>
+            </a:pPr>
+            <a:endParaRPr lang="pt-BR" sz="2200" dirty="0">
+              <a:latin typeface="Times New Roman" panose="02020603050405020304" pitchFamily="18" charset="0"/>
+              <a:cs typeface="Times New Roman" panose="02020603050405020304" pitchFamily="18" charset="0"/>
+            </a:endParaRPr>
+          </a:p>
+          <a:p>
+            <a:pPr marL="0" indent="0" algn="just">
+              <a:buNone/>
+            </a:pPr>
+            <a:endParaRPr lang="pt-BR" sz="2200" dirty="0">
+              <a:latin typeface="Times New Roman" panose="02020603050405020304" pitchFamily="18" charset="0"/>
+              <a:cs typeface="Times New Roman" panose="02020603050405020304" pitchFamily="18" charset="0"/>
+            </a:endParaRPr>
+          </a:p>
+          <a:p>
+            <a:pPr marL="0" indent="0" algn="just">
+              <a:buNone/>
+            </a:pPr>
+            <a:r>
+              <a:rPr lang="pt-BR" sz="2200" dirty="0">
+                <a:latin typeface="Times New Roman" panose="02020603050405020304" pitchFamily="18" charset="0"/>
+                <a:cs typeface="Times New Roman" panose="02020603050405020304" pitchFamily="18" charset="0"/>
+              </a:rPr>
+              <a:t>[2] </a:t>
+            </a:r>
+            <a:r>
+              <a:rPr lang="pt-BR" sz="2200" b="1" dirty="0">
+                <a:latin typeface="Times New Roman" panose="02020603050405020304" pitchFamily="18" charset="0"/>
+                <a:cs typeface="Times New Roman" panose="02020603050405020304" pitchFamily="18" charset="0"/>
+              </a:rPr>
+              <a:t>“Divide &amp; </a:t>
+            </a:r>
+            <a:r>
+              <a:rPr lang="pt-BR" sz="2200" b="1" dirty="0" err="1">
+                <a:latin typeface="Times New Roman" panose="02020603050405020304" pitchFamily="18" charset="0"/>
+                <a:cs typeface="Times New Roman" panose="02020603050405020304" pitchFamily="18" charset="0"/>
+              </a:rPr>
+              <a:t>Conquer</a:t>
+            </a:r>
+            <a:r>
+              <a:rPr lang="pt-BR" sz="2200" b="1" dirty="0">
+                <a:latin typeface="Times New Roman" panose="02020603050405020304" pitchFamily="18" charset="0"/>
+                <a:cs typeface="Times New Roman" panose="02020603050405020304" pitchFamily="18" charset="0"/>
+              </a:rPr>
+              <a:t> </a:t>
+            </a:r>
+            <a:r>
+              <a:rPr lang="pt-BR" sz="2200" b="1" dirty="0" err="1">
+                <a:latin typeface="Times New Roman" panose="02020603050405020304" pitchFamily="18" charset="0"/>
+                <a:cs typeface="Times New Roman" panose="02020603050405020304" pitchFamily="18" charset="0"/>
+              </a:rPr>
+              <a:t>Strategy</a:t>
+            </a:r>
+            <a:r>
+              <a:rPr lang="pt-BR" sz="2200" b="1" dirty="0">
+                <a:latin typeface="Times New Roman" panose="02020603050405020304" pitchFamily="18" charset="0"/>
+                <a:cs typeface="Times New Roman" panose="02020603050405020304" pitchFamily="18" charset="0"/>
+              </a:rPr>
+              <a:t> in </a:t>
+            </a:r>
+            <a:r>
+              <a:rPr lang="pt-BR" sz="2200" b="1" dirty="0" err="1">
+                <a:latin typeface="Times New Roman" panose="02020603050405020304" pitchFamily="18" charset="0"/>
+                <a:cs typeface="Times New Roman" panose="02020603050405020304" pitchFamily="18" charset="0"/>
+              </a:rPr>
+              <a:t>Algorithms</a:t>
+            </a:r>
+            <a:r>
+              <a:rPr lang="pt-BR" sz="2200" b="1" dirty="0">
+                <a:latin typeface="Times New Roman" panose="02020603050405020304" pitchFamily="18" charset="0"/>
+                <a:cs typeface="Times New Roman" panose="02020603050405020304" pitchFamily="18" charset="0"/>
+              </a:rPr>
+              <a:t>” (</a:t>
+            </a:r>
+            <a:r>
+              <a:rPr lang="pt-BR" sz="2200" b="1" dirty="0" err="1">
+                <a:latin typeface="Times New Roman" panose="02020603050405020304" pitchFamily="18" charset="0"/>
+                <a:cs typeface="Times New Roman" panose="02020603050405020304" pitchFamily="18" charset="0"/>
+              </a:rPr>
+              <a:t>Baeldung</a:t>
+            </a:r>
+            <a:r>
+              <a:rPr lang="pt-BR" sz="2200" b="1" dirty="0">
+                <a:latin typeface="Times New Roman" panose="02020603050405020304" pitchFamily="18" charset="0"/>
+                <a:cs typeface="Times New Roman" panose="02020603050405020304" pitchFamily="18" charset="0"/>
+              </a:rPr>
+              <a:t>). </a:t>
+            </a:r>
+          </a:p>
+          <a:p>
+            <a:pPr marL="0" indent="0" algn="just">
+              <a:buNone/>
+            </a:pPr>
+            <a:r>
+              <a:rPr lang="pt-BR" sz="2200" b="1" dirty="0">
+                <a:solidFill>
+                  <a:srgbClr val="FF0000"/>
+                </a:solidFill>
+                <a:latin typeface="Times New Roman" panose="02020603050405020304" pitchFamily="18" charset="0"/>
+                <a:cs typeface="Times New Roman" panose="02020603050405020304" pitchFamily="18" charset="0"/>
+              </a:rPr>
+              <a:t>Disponível em: </a:t>
+            </a:r>
+          </a:p>
+          <a:p>
+            <a:pPr marL="0" indent="0" algn="just">
+              <a:buNone/>
+            </a:pPr>
+            <a:r>
+              <a:rPr lang="pt-BR" sz="2200" dirty="0">
+                <a:solidFill>
+                  <a:srgbClr val="FF0000"/>
+                </a:solidFill>
+                <a:latin typeface="Times New Roman" panose="02020603050405020304" pitchFamily="18" charset="0"/>
+                <a:cs typeface="Times New Roman" panose="02020603050405020304" pitchFamily="18" charset="0"/>
+                <a:hlinkClick r:id="rId4"/>
+              </a:rPr>
+              <a:t>https://www.baeldung.com/cs/divide-and-conquer-strategy?utm_source=chatgpt.com</a:t>
+            </a:r>
+            <a:r>
+              <a:rPr lang="pt-BR" sz="2200" dirty="0">
+                <a:solidFill>
+                  <a:srgbClr val="FF0000"/>
+                </a:solidFill>
+                <a:latin typeface="Times New Roman" panose="02020603050405020304" pitchFamily="18" charset="0"/>
+                <a:cs typeface="Times New Roman" panose="02020603050405020304" pitchFamily="18" charset="0"/>
+              </a:rPr>
+              <a:t> </a:t>
+            </a:r>
+            <a:endParaRPr lang="pt-BR" sz="2200" dirty="0">
+              <a:latin typeface="Times New Roman" panose="02020603050405020304" pitchFamily="18" charset="0"/>
+              <a:cs typeface="Times New Roman" panose="02020603050405020304" pitchFamily="18" charset="0"/>
+            </a:endParaRPr>
+          </a:p>
+        </p:txBody>
+      </p:sp>
+    </p:spTree>
+    <p:extLst>
+      <p:ext uri="{BB962C8B-B14F-4D97-AF65-F5344CB8AC3E}">
+        <p14:creationId xmlns:p14="http://schemas.microsoft.com/office/powerpoint/2010/main" val="3680270425"/>
+      </p:ext>
+    </p:extLst>
+  </p:cSld>
+  <p:clrMapOvr>
+    <a:masterClrMapping/>
+  </p:clrMapOvr>
+  <p:transition spd="med"/>
+</p:sld>
+</file>
+
+<file path=ppt/slides/slide12.xml><?xml version="1.0" encoding="utf-8"?>
+<p:sld xmlns:a="http://schemas.openxmlformats.org/drawingml/2006/main" xmlns:r="http://schemas.openxmlformats.org/officeDocument/2006/relationships" xmlns:p="http://schemas.openxmlformats.org/presentationml/2006/main">
+  <p:cSld>
+    <p:spTree>
+      <p:nvGrpSpPr>
+        <p:cNvPr id="1" name=""/>
+        <p:cNvGrpSpPr/>
+        <p:nvPr/>
+      </p:nvGrpSpPr>
+      <p:grpSpPr>
+        <a:xfrm>
+          <a:off x="0" y="0"/>
+          <a:ext cx="0" cy="0"/>
+          <a:chOff x="0" y="0"/>
+          <a:chExt cx="0" cy="0"/>
+        </a:xfrm>
+      </p:grpSpPr>
+      <p:sp>
+        <p:nvSpPr>
+          <p:cNvPr id="6" name="Title 1"/>
+          <p:cNvSpPr>
+            <a:spLocks noGrp="1"/>
+          </p:cNvSpPr>
+          <p:nvPr>
+            <p:ph type="title"/>
+          </p:nvPr>
+        </p:nvSpPr>
+        <p:spPr>
+          <a:xfrm>
+            <a:off x="457200" y="205980"/>
+            <a:ext cx="8229600" cy="857251"/>
+          </a:xfrm>
+        </p:spPr>
+        <p:txBody>
+          <a:bodyPr>
+            <a:normAutofit/>
+          </a:bodyPr>
+          <a:lstStyle/>
+          <a:p>
+            <a:r>
+              <a:rPr lang="en-US" b="1" dirty="0" err="1">
+                <a:solidFill>
+                  <a:srgbClr val="0070C0"/>
+                </a:solidFill>
+              </a:rPr>
+              <a:t>Aprenda</a:t>
+            </a:r>
+            <a:r>
+              <a:rPr lang="en-US" b="1" dirty="0">
+                <a:solidFill>
+                  <a:srgbClr val="0070C0"/>
+                </a:solidFill>
+              </a:rPr>
+              <a:t>+</a:t>
+            </a:r>
+          </a:p>
+        </p:txBody>
+      </p:sp>
+      <p:sp>
+        <p:nvSpPr>
+          <p:cNvPr id="8" name="Text Placeholder 2"/>
+          <p:cNvSpPr>
+            <a:spLocks noGrp="1"/>
+          </p:cNvSpPr>
+          <p:nvPr>
+            <p:ph type="body" sz="half" idx="1"/>
+          </p:nvPr>
+        </p:nvSpPr>
+        <p:spPr>
+          <a:xfrm>
+            <a:off x="142865" y="1200150"/>
+            <a:ext cx="8865056" cy="3737370"/>
+          </a:xfrm>
+        </p:spPr>
+        <p:txBody>
+          <a:bodyPr>
+            <a:noAutofit/>
+          </a:bodyPr>
+          <a:lstStyle/>
+          <a:p>
+            <a:pPr marL="0" indent="0" algn="just">
+              <a:buNone/>
+            </a:pPr>
+            <a:endParaRPr lang="pt-BR" sz="2200" dirty="0">
+              <a:latin typeface="Times New Roman" panose="02020603050405020304" pitchFamily="18" charset="0"/>
+              <a:cs typeface="Times New Roman" panose="02020603050405020304" pitchFamily="18" charset="0"/>
+            </a:endParaRPr>
+          </a:p>
+          <a:p>
+            <a:pPr marL="0" indent="0" algn="just">
+              <a:buNone/>
+            </a:pPr>
+            <a:r>
+              <a:rPr lang="pt-BR" sz="2200" dirty="0">
+                <a:latin typeface="Times New Roman" panose="02020603050405020304" pitchFamily="18" charset="0"/>
+                <a:cs typeface="Times New Roman" panose="02020603050405020304" pitchFamily="18" charset="0"/>
+              </a:rPr>
+              <a:t>[1] </a:t>
+            </a:r>
+            <a:r>
+              <a:rPr lang="pt-BR" sz="2200" b="1" dirty="0">
+                <a:latin typeface="Times New Roman" panose="02020603050405020304" pitchFamily="18" charset="0"/>
+                <a:cs typeface="Times New Roman" panose="02020603050405020304" pitchFamily="18" charset="0"/>
+              </a:rPr>
+              <a:t>Paradigma de divisão e conquista + ordenação usando Merge </a:t>
+            </a:r>
+            <a:r>
+              <a:rPr lang="pt-BR" sz="2200" b="1" dirty="0" err="1">
+                <a:latin typeface="Times New Roman" panose="02020603050405020304" pitchFamily="18" charset="0"/>
+                <a:cs typeface="Times New Roman" panose="02020603050405020304" pitchFamily="18" charset="0"/>
+              </a:rPr>
+              <a:t>Sort</a:t>
+            </a:r>
+            <a:endParaRPr lang="pt-BR" sz="2200" b="1" dirty="0">
+              <a:latin typeface="Times New Roman" panose="02020603050405020304" pitchFamily="18" charset="0"/>
+              <a:cs typeface="Times New Roman" panose="02020603050405020304" pitchFamily="18" charset="0"/>
+            </a:endParaRPr>
+          </a:p>
+          <a:p>
+            <a:pPr marL="0" indent="0" algn="just">
+              <a:buNone/>
+            </a:pPr>
+            <a:r>
+              <a:rPr lang="pt-BR" sz="2200" b="1" dirty="0">
+                <a:solidFill>
+                  <a:srgbClr val="FF0000"/>
+                </a:solidFill>
+                <a:latin typeface="Times New Roman" panose="02020603050405020304" pitchFamily="18" charset="0"/>
+                <a:cs typeface="Times New Roman" panose="02020603050405020304" pitchFamily="18" charset="0"/>
+              </a:rPr>
+              <a:t>Disponível em: </a:t>
+            </a:r>
+            <a:r>
+              <a:rPr lang="pt-BR" sz="2200" dirty="0">
+                <a:latin typeface="Times New Roman" panose="02020603050405020304" pitchFamily="18" charset="0"/>
+                <a:cs typeface="Times New Roman" panose="02020603050405020304" pitchFamily="18" charset="0"/>
+                <a:hlinkClick r:id="rId3"/>
+              </a:rPr>
+              <a:t>https://youtu.be/eTYN65ap_cU</a:t>
+            </a:r>
+            <a:r>
+              <a:rPr lang="pt-BR" sz="2200" dirty="0">
+                <a:latin typeface="Times New Roman" panose="02020603050405020304" pitchFamily="18" charset="0"/>
+                <a:cs typeface="Times New Roman" panose="02020603050405020304" pitchFamily="18" charset="0"/>
+              </a:rPr>
+              <a:t> </a:t>
+            </a:r>
+          </a:p>
+          <a:p>
+            <a:pPr marL="0" indent="0" algn="just">
+              <a:buNone/>
+            </a:pPr>
+            <a:endParaRPr lang="pt-BR" sz="2200" dirty="0">
+              <a:latin typeface="Times New Roman" panose="02020603050405020304" pitchFamily="18" charset="0"/>
+              <a:cs typeface="Times New Roman" panose="02020603050405020304" pitchFamily="18" charset="0"/>
+            </a:endParaRPr>
+          </a:p>
+          <a:p>
+            <a:pPr marL="0" indent="0" algn="just">
+              <a:buNone/>
+            </a:pPr>
+            <a:endParaRPr lang="pt-BR" sz="2200" dirty="0">
+              <a:latin typeface="Times New Roman" panose="02020603050405020304" pitchFamily="18" charset="0"/>
+              <a:cs typeface="Times New Roman" panose="02020603050405020304" pitchFamily="18" charset="0"/>
+            </a:endParaRPr>
+          </a:p>
+          <a:p>
+            <a:pPr marL="0" indent="0" algn="just">
+              <a:buNone/>
+            </a:pPr>
+            <a:r>
+              <a:rPr lang="pt-BR" sz="2200" dirty="0">
+                <a:latin typeface="Times New Roman" panose="02020603050405020304" pitchFamily="18" charset="0"/>
+                <a:cs typeface="Times New Roman" panose="02020603050405020304" pitchFamily="18" charset="0"/>
+              </a:rPr>
+              <a:t>[2] </a:t>
+            </a:r>
+            <a:r>
+              <a:rPr lang="pt-BR" sz="2200" b="1" dirty="0">
+                <a:latin typeface="Times New Roman" panose="02020603050405020304" pitchFamily="18" charset="0"/>
+                <a:cs typeface="Times New Roman" panose="02020603050405020304" pitchFamily="18" charset="0"/>
+              </a:rPr>
+              <a:t>Paradigma “Divide &amp; </a:t>
+            </a:r>
+            <a:r>
+              <a:rPr lang="pt-BR" sz="2200" b="1" dirty="0" err="1">
+                <a:latin typeface="Times New Roman" panose="02020603050405020304" pitchFamily="18" charset="0"/>
+                <a:cs typeface="Times New Roman" panose="02020603050405020304" pitchFamily="18" charset="0"/>
+              </a:rPr>
+              <a:t>Conquer</a:t>
+            </a:r>
+            <a:r>
+              <a:rPr lang="pt-BR" sz="2200" b="1" dirty="0">
+                <a:latin typeface="Times New Roman" panose="02020603050405020304" pitchFamily="18" charset="0"/>
+                <a:cs typeface="Times New Roman" panose="02020603050405020304" pitchFamily="18" charset="0"/>
+              </a:rPr>
+              <a:t>” </a:t>
+            </a:r>
+          </a:p>
+          <a:p>
+            <a:pPr marL="0" indent="0" algn="just">
+              <a:buNone/>
+            </a:pPr>
+            <a:r>
+              <a:rPr lang="pt-BR" sz="2200" b="1" dirty="0">
+                <a:solidFill>
+                  <a:srgbClr val="FF0000"/>
+                </a:solidFill>
+                <a:latin typeface="Times New Roman" panose="02020603050405020304" pitchFamily="18" charset="0"/>
+                <a:cs typeface="Times New Roman" panose="02020603050405020304" pitchFamily="18" charset="0"/>
+              </a:rPr>
+              <a:t>Disponível em: </a:t>
+            </a:r>
+            <a:r>
+              <a:rPr lang="pt-BR" sz="2200" dirty="0">
+                <a:latin typeface="Times New Roman" panose="02020603050405020304" pitchFamily="18" charset="0"/>
+                <a:cs typeface="Times New Roman" panose="02020603050405020304" pitchFamily="18" charset="0"/>
+                <a:hlinkClick r:id="rId4"/>
+              </a:rPr>
+              <a:t>https://youtu.be/ib4BHvr5-Ao</a:t>
+            </a:r>
+            <a:r>
+              <a:rPr lang="pt-BR" sz="2200" dirty="0">
+                <a:latin typeface="Times New Roman" panose="02020603050405020304" pitchFamily="18" charset="0"/>
+                <a:cs typeface="Times New Roman" panose="02020603050405020304" pitchFamily="18" charset="0"/>
+              </a:rPr>
+              <a:t> </a:t>
+            </a:r>
+          </a:p>
+          <a:p>
+            <a:pPr marL="0" indent="0" algn="just">
+              <a:buNone/>
+            </a:pPr>
+            <a:endParaRPr lang="pt-BR" sz="2200" dirty="0">
+              <a:latin typeface="Times New Roman" panose="02020603050405020304" pitchFamily="18" charset="0"/>
+              <a:cs typeface="Times New Roman" panose="02020603050405020304" pitchFamily="18" charset="0"/>
+            </a:endParaRPr>
+          </a:p>
+        </p:txBody>
+      </p:sp>
+    </p:spTree>
+    <p:extLst>
+      <p:ext uri="{BB962C8B-B14F-4D97-AF65-F5344CB8AC3E}">
+        <p14:creationId xmlns:p14="http://schemas.microsoft.com/office/powerpoint/2010/main" val="2747596967"/>
+      </p:ext>
+    </p:extLst>
+  </p:cSld>
+  <p:clrMapOvr>
+    <a:masterClrMapping/>
+  </p:clrMapOvr>
+  <p:transition spd="med"/>
+</p:sld>
+</file>
+
+<file path=ppt/slides/slide13.xml><?xml version="1.0" encoding="utf-8"?>
+<p:sld xmlns:a="http://schemas.openxmlformats.org/drawingml/2006/main" xmlns:r="http://schemas.openxmlformats.org/officeDocument/2006/relationships" xmlns:p="http://schemas.openxmlformats.org/presentationml/2006/main">
+  <p:cSld>
+    <p:spTree>
+      <p:nvGrpSpPr>
+        <p:cNvPr id="1" name=""/>
+        <p:cNvGrpSpPr/>
+        <p:nvPr/>
+      </p:nvGrpSpPr>
+      <p:grpSpPr>
+        <a:xfrm>
+          <a:off x="0" y="0"/>
+          <a:ext cx="0" cy="0"/>
+          <a:chOff x="0" y="0"/>
+          <a:chExt cx="0" cy="0"/>
+        </a:xfrm>
+      </p:grpSpPr>
+      <p:sp>
+        <p:nvSpPr>
+          <p:cNvPr id="6" name="Title 1"/>
+          <p:cNvSpPr>
+            <a:spLocks noGrp="1"/>
+          </p:cNvSpPr>
+          <p:nvPr>
+            <p:ph type="title"/>
+          </p:nvPr>
+        </p:nvSpPr>
+        <p:spPr>
+          <a:xfrm>
+            <a:off x="457200" y="205980"/>
+            <a:ext cx="8229600" cy="857251"/>
+          </a:xfrm>
+        </p:spPr>
+        <p:txBody>
+          <a:bodyPr>
+            <a:normAutofit/>
+          </a:bodyPr>
+          <a:lstStyle/>
+          <a:p>
+            <a:r>
+              <a:rPr lang="en-US" b="1" dirty="0" err="1">
+                <a:solidFill>
+                  <a:srgbClr val="0070C0"/>
+                </a:solidFill>
+              </a:rPr>
+              <a:t>Dinâmica</a:t>
+            </a:r>
+            <a:endParaRPr lang="en-US" b="1" dirty="0">
+              <a:solidFill>
+                <a:srgbClr val="0070C0"/>
+              </a:solidFill>
+            </a:endParaRPr>
+          </a:p>
+        </p:txBody>
+      </p:sp>
+      <p:sp>
+        <p:nvSpPr>
+          <p:cNvPr id="8" name="Text Placeholder 2"/>
+          <p:cNvSpPr>
+            <a:spLocks noGrp="1"/>
+          </p:cNvSpPr>
+          <p:nvPr>
+            <p:ph type="body" sz="half" idx="1"/>
+          </p:nvPr>
+        </p:nvSpPr>
+        <p:spPr>
+          <a:xfrm>
+            <a:off x="139472" y="1063230"/>
+            <a:ext cx="8865056" cy="3874290"/>
+          </a:xfrm>
+        </p:spPr>
+        <p:txBody>
+          <a:bodyPr>
+            <a:noAutofit/>
+          </a:bodyPr>
+          <a:lstStyle/>
+          <a:p>
+            <a:pPr marL="0" indent="0" algn="just">
+              <a:buNone/>
+            </a:pPr>
+            <a:r>
+              <a:rPr lang="pt-BR" sz="2000" b="1" dirty="0">
+                <a:latin typeface="Times New Roman" panose="02020603050405020304" pitchFamily="18" charset="0"/>
+                <a:cs typeface="Times New Roman" panose="02020603050405020304" pitchFamily="18" charset="0"/>
+              </a:rPr>
+              <a:t>Problema</a:t>
+            </a:r>
+            <a:r>
+              <a:rPr lang="pt-BR" sz="2000" dirty="0">
+                <a:latin typeface="Times New Roman" panose="02020603050405020304" pitchFamily="18" charset="0"/>
+                <a:cs typeface="Times New Roman" panose="02020603050405020304" pitchFamily="18" charset="0"/>
+              </a:rPr>
+              <a:t>: Implementar o algoritmo </a:t>
+            </a:r>
+            <a:r>
+              <a:rPr lang="pt-BR" sz="2000" b="1" dirty="0">
+                <a:solidFill>
+                  <a:srgbClr val="FF0000"/>
+                </a:solidFill>
+                <a:latin typeface="Times New Roman" panose="02020603050405020304" pitchFamily="18" charset="0"/>
+                <a:cs typeface="Times New Roman" panose="02020603050405020304" pitchFamily="18" charset="0"/>
+              </a:rPr>
+              <a:t>Merge </a:t>
+            </a:r>
+            <a:r>
+              <a:rPr lang="pt-BR" sz="2000" b="1" dirty="0" err="1">
+                <a:solidFill>
+                  <a:srgbClr val="FF0000"/>
+                </a:solidFill>
+                <a:latin typeface="Times New Roman" panose="02020603050405020304" pitchFamily="18" charset="0"/>
+                <a:cs typeface="Times New Roman" panose="02020603050405020304" pitchFamily="18" charset="0"/>
+              </a:rPr>
+              <a:t>Sort</a:t>
+            </a:r>
+            <a:r>
+              <a:rPr lang="pt-BR" sz="2000" b="1" dirty="0">
+                <a:solidFill>
+                  <a:srgbClr val="FF0000"/>
+                </a:solidFill>
+                <a:latin typeface="Times New Roman" panose="02020603050405020304" pitchFamily="18" charset="0"/>
+                <a:cs typeface="Times New Roman" panose="02020603050405020304" pitchFamily="18" charset="0"/>
+              </a:rPr>
+              <a:t> </a:t>
+            </a:r>
+            <a:r>
+              <a:rPr lang="pt-BR" sz="2000" dirty="0">
+                <a:latin typeface="Times New Roman" panose="02020603050405020304" pitchFamily="18" charset="0"/>
+                <a:cs typeface="Times New Roman" panose="02020603050405020304" pitchFamily="18" charset="0"/>
+              </a:rPr>
+              <a:t>em </a:t>
+            </a:r>
+            <a:r>
+              <a:rPr lang="pt-BR" sz="2000" b="1" dirty="0">
+                <a:latin typeface="Times New Roman" panose="02020603050405020304" pitchFamily="18" charset="0"/>
+                <a:cs typeface="Times New Roman" panose="02020603050405020304" pitchFamily="18" charset="0"/>
+              </a:rPr>
+              <a:t>Java ou Python</a:t>
+            </a:r>
+            <a:r>
+              <a:rPr lang="pt-BR" sz="2000" dirty="0">
+                <a:latin typeface="Times New Roman" panose="02020603050405020304" pitchFamily="18" charset="0"/>
+                <a:cs typeface="Times New Roman" panose="02020603050405020304" pitchFamily="18" charset="0"/>
+              </a:rPr>
+              <a:t>.</a:t>
+            </a:r>
+          </a:p>
+          <a:p>
+            <a:pPr marL="0" indent="0" algn="just">
+              <a:buNone/>
+            </a:pPr>
+            <a:r>
+              <a:rPr lang="pt-BR" sz="2000" b="1" dirty="0">
+                <a:latin typeface="Times New Roman" panose="02020603050405020304" pitchFamily="18" charset="0"/>
+                <a:cs typeface="Times New Roman" panose="02020603050405020304" pitchFamily="18" charset="0"/>
+              </a:rPr>
+              <a:t>Desafio extra</a:t>
+            </a:r>
+            <a:r>
+              <a:rPr lang="pt-BR" sz="2000" dirty="0">
+                <a:latin typeface="Times New Roman" panose="02020603050405020304" pitchFamily="18" charset="0"/>
+                <a:cs typeface="Times New Roman" panose="02020603050405020304" pitchFamily="18" charset="0"/>
+              </a:rPr>
+              <a:t>: </a:t>
+            </a:r>
+            <a:r>
+              <a:rPr lang="pt-BR" sz="2000" b="1" dirty="0">
+                <a:solidFill>
+                  <a:srgbClr val="FF0000"/>
+                </a:solidFill>
+                <a:latin typeface="Times New Roman" panose="02020603050405020304" pitchFamily="18" charset="0"/>
+                <a:cs typeface="Times New Roman" panose="02020603050405020304" pitchFamily="18" charset="0"/>
+              </a:rPr>
+              <a:t>medir o tempo </a:t>
+            </a:r>
+            <a:r>
+              <a:rPr lang="pt-BR" sz="2000" dirty="0">
+                <a:latin typeface="Times New Roman" panose="02020603050405020304" pitchFamily="18" charset="0"/>
+                <a:cs typeface="Times New Roman" panose="02020603050405020304" pitchFamily="18" charset="0"/>
+              </a:rPr>
+              <a:t>de execução para </a:t>
+            </a:r>
+            <a:r>
+              <a:rPr lang="pt-BR" sz="2000" b="1" dirty="0">
+                <a:solidFill>
+                  <a:srgbClr val="FF0000"/>
+                </a:solidFill>
+                <a:latin typeface="Times New Roman" panose="02020603050405020304" pitchFamily="18" charset="0"/>
+                <a:cs typeface="Times New Roman" panose="02020603050405020304" pitchFamily="18" charset="0"/>
+              </a:rPr>
+              <a:t>diferentes tamanhos de entrada </a:t>
+            </a:r>
+            <a:r>
+              <a:rPr lang="pt-BR" sz="2000" dirty="0">
+                <a:latin typeface="Times New Roman" panose="02020603050405020304" pitchFamily="18" charset="0"/>
+                <a:cs typeface="Times New Roman" panose="02020603050405020304" pitchFamily="18" charset="0"/>
+              </a:rPr>
+              <a:t>e </a:t>
+            </a:r>
+            <a:r>
+              <a:rPr lang="pt-BR" sz="2000" b="1" dirty="0">
+                <a:solidFill>
+                  <a:srgbClr val="FF0000"/>
+                </a:solidFill>
+                <a:latin typeface="Times New Roman" panose="02020603050405020304" pitchFamily="18" charset="0"/>
+                <a:cs typeface="Times New Roman" panose="02020603050405020304" pitchFamily="18" charset="0"/>
+              </a:rPr>
+              <a:t>comparar com o </a:t>
+            </a:r>
+            <a:r>
+              <a:rPr lang="pt-BR" sz="2000" b="1" dirty="0">
+                <a:solidFill>
+                  <a:schemeClr val="tx1"/>
+                </a:solidFill>
+                <a:latin typeface="Times New Roman" panose="02020603050405020304" pitchFamily="18" charset="0"/>
+                <a:cs typeface="Times New Roman" panose="02020603050405020304" pitchFamily="18" charset="0"/>
+              </a:rPr>
+              <a:t>Bubble </a:t>
+            </a:r>
+            <a:r>
+              <a:rPr lang="pt-BR" sz="2000" b="1" dirty="0" err="1">
+                <a:solidFill>
+                  <a:schemeClr val="tx1"/>
+                </a:solidFill>
+                <a:latin typeface="Times New Roman" panose="02020603050405020304" pitchFamily="18" charset="0"/>
+                <a:cs typeface="Times New Roman" panose="02020603050405020304" pitchFamily="18" charset="0"/>
+              </a:rPr>
+              <a:t>Sort</a:t>
+            </a:r>
+            <a:r>
+              <a:rPr lang="pt-BR" sz="2000" dirty="0">
+                <a:latin typeface="Times New Roman" panose="02020603050405020304" pitchFamily="18" charset="0"/>
+                <a:cs typeface="Times New Roman" panose="02020603050405020304" pitchFamily="18" charset="0"/>
+              </a:rPr>
+              <a:t>.</a:t>
+            </a:r>
+          </a:p>
+          <a:p>
+            <a:pPr marL="0" indent="0" algn="just">
+              <a:buNone/>
+            </a:pPr>
+            <a:endParaRPr lang="pt-BR" sz="2000" dirty="0">
+              <a:latin typeface="Times New Roman" panose="02020603050405020304" pitchFamily="18" charset="0"/>
+              <a:cs typeface="Times New Roman" panose="02020603050405020304" pitchFamily="18" charset="0"/>
+            </a:endParaRPr>
+          </a:p>
+          <a:p>
+            <a:pPr marL="0" indent="0" algn="just">
+              <a:buNone/>
+            </a:pPr>
+            <a:r>
+              <a:rPr lang="pt-BR" sz="2000" b="1" dirty="0">
+                <a:latin typeface="Times New Roman" panose="02020603050405020304" pitchFamily="18" charset="0"/>
+                <a:cs typeface="Times New Roman" panose="02020603050405020304" pitchFamily="18" charset="0"/>
+              </a:rPr>
+              <a:t>Entrega</a:t>
+            </a:r>
+            <a:r>
+              <a:rPr lang="pt-BR" sz="2000" dirty="0">
+                <a:latin typeface="Times New Roman" panose="02020603050405020304" pitchFamily="18" charset="0"/>
+                <a:cs typeface="Times New Roman" panose="02020603050405020304" pitchFamily="18" charset="0"/>
+              </a:rPr>
+              <a:t>: relatório simples (</a:t>
+            </a:r>
+            <a:r>
+              <a:rPr lang="pt-BR" sz="2000" b="1" dirty="0">
+                <a:solidFill>
+                  <a:srgbClr val="FF0000"/>
+                </a:solidFill>
+                <a:latin typeface="Times New Roman" panose="02020603050405020304" pitchFamily="18" charset="0"/>
+                <a:cs typeface="Times New Roman" panose="02020603050405020304" pitchFamily="18" charset="0"/>
+              </a:rPr>
+              <a:t>1 página</a:t>
+            </a:r>
+            <a:r>
+              <a:rPr lang="pt-BR" sz="2000" dirty="0">
+                <a:latin typeface="Times New Roman" panose="02020603050405020304" pitchFamily="18" charset="0"/>
+                <a:cs typeface="Times New Roman" panose="02020603050405020304" pitchFamily="18" charset="0"/>
+              </a:rPr>
+              <a:t>) com:</a:t>
+            </a:r>
+          </a:p>
+          <a:p>
+            <a:pPr marL="0" indent="0" algn="just">
+              <a:buNone/>
+            </a:pPr>
+            <a:endParaRPr lang="pt-BR" sz="2000" dirty="0">
+              <a:latin typeface="Times New Roman" panose="02020603050405020304" pitchFamily="18" charset="0"/>
+              <a:cs typeface="Times New Roman" panose="02020603050405020304" pitchFamily="18" charset="0"/>
+            </a:endParaRPr>
+          </a:p>
+          <a:p>
+            <a:pPr algn="just">
+              <a:buFont typeface="Wingdings" panose="05000000000000000000" pitchFamily="2" charset="2"/>
+              <a:buChar char="§"/>
+            </a:pPr>
+            <a:r>
+              <a:rPr lang="pt-BR" sz="2000" dirty="0">
+                <a:latin typeface="Times New Roman" panose="02020603050405020304" pitchFamily="18" charset="0"/>
+                <a:cs typeface="Times New Roman" panose="02020603050405020304" pitchFamily="18" charset="0"/>
+              </a:rPr>
+              <a:t>Código-fonte;</a:t>
+            </a:r>
+          </a:p>
+          <a:p>
+            <a:pPr algn="just">
+              <a:buFont typeface="Wingdings" panose="05000000000000000000" pitchFamily="2" charset="2"/>
+              <a:buChar char="§"/>
+            </a:pPr>
+            <a:r>
+              <a:rPr lang="pt-BR" sz="2000" dirty="0">
+                <a:latin typeface="Times New Roman" panose="02020603050405020304" pitchFamily="18" charset="0"/>
+                <a:cs typeface="Times New Roman" panose="02020603050405020304" pitchFamily="18" charset="0"/>
+              </a:rPr>
+              <a:t>Tempo médio de execução;</a:t>
+            </a:r>
+          </a:p>
+          <a:p>
+            <a:pPr algn="just">
+              <a:buFont typeface="Wingdings" panose="05000000000000000000" pitchFamily="2" charset="2"/>
+              <a:buChar char="§"/>
+            </a:pPr>
+            <a:r>
+              <a:rPr lang="pt-BR" sz="2000" dirty="0">
+                <a:latin typeface="Times New Roman" panose="02020603050405020304" pitchFamily="18" charset="0"/>
+                <a:cs typeface="Times New Roman" panose="02020603050405020304" pitchFamily="18" charset="0"/>
+              </a:rPr>
+              <a:t>Gráfico comparativo;</a:t>
+            </a:r>
+          </a:p>
+          <a:p>
+            <a:pPr algn="just">
+              <a:buFont typeface="Wingdings" panose="05000000000000000000" pitchFamily="2" charset="2"/>
+              <a:buChar char="§"/>
+            </a:pPr>
+            <a:r>
+              <a:rPr lang="pt-BR" sz="2000" dirty="0">
+                <a:latin typeface="Times New Roman" panose="02020603050405020304" pitchFamily="18" charset="0"/>
+                <a:cs typeface="Times New Roman" panose="02020603050405020304" pitchFamily="18" charset="0"/>
+              </a:rPr>
+              <a:t>Conclusão sobre eficiência.</a:t>
+            </a:r>
+          </a:p>
+        </p:txBody>
+      </p:sp>
+    </p:spTree>
+    <p:extLst>
+      <p:ext uri="{BB962C8B-B14F-4D97-AF65-F5344CB8AC3E}">
+        <p14:creationId xmlns:p14="http://schemas.microsoft.com/office/powerpoint/2010/main" val="2470652989"/>
+      </p:ext>
+    </p:extLst>
+  </p:cSld>
+  <p:clrMapOvr>
+    <a:masterClrMapping/>
+  </p:clrMapOvr>
+  <p:transition spd="med"/>
+</p:sld>
+</file>
+
+<file path=ppt/slides/slide14.xml><?xml version="1.0" encoding="utf-8"?>
+<p:sld xmlns:a="http://schemas.openxmlformats.org/drawingml/2006/main" xmlns:r="http://schemas.openxmlformats.org/officeDocument/2006/relationships" xmlns:p="http://schemas.openxmlformats.org/presentationml/2006/main">
+  <p:cSld>
+    <p:spTree>
+      <p:nvGrpSpPr>
+        <p:cNvPr id="1" name=""/>
+        <p:cNvGrpSpPr/>
+        <p:nvPr/>
+      </p:nvGrpSpPr>
+      <p:grpSpPr>
+        <a:xfrm>
+          <a:off x="0" y="0"/>
+          <a:ext cx="0" cy="0"/>
+          <a:chOff x="0" y="0"/>
+          <a:chExt cx="0" cy="0"/>
+        </a:xfrm>
+      </p:grpSpPr>
+      <p:sp>
+        <p:nvSpPr>
+          <p:cNvPr id="6" name="Title 1"/>
+          <p:cNvSpPr>
+            <a:spLocks noGrp="1"/>
+          </p:cNvSpPr>
+          <p:nvPr>
+            <p:ph type="title"/>
+          </p:nvPr>
+        </p:nvSpPr>
+        <p:spPr>
+          <a:xfrm>
+            <a:off x="457200" y="205980"/>
+            <a:ext cx="8229600" cy="857251"/>
+          </a:xfrm>
+        </p:spPr>
+        <p:txBody>
+          <a:bodyPr>
+            <a:normAutofit/>
+          </a:bodyPr>
+          <a:lstStyle/>
+          <a:p>
+            <a:r>
+              <a:rPr lang="en-US" b="1" dirty="0" err="1">
+                <a:solidFill>
+                  <a:srgbClr val="0070C0"/>
+                </a:solidFill>
+              </a:rPr>
+              <a:t>Referências</a:t>
+            </a:r>
+            <a:r>
+              <a:rPr lang="en-US" b="1" dirty="0">
+                <a:solidFill>
+                  <a:srgbClr val="0070C0"/>
+                </a:solidFill>
+              </a:rPr>
+              <a:t> </a:t>
+            </a:r>
+            <a:r>
+              <a:rPr lang="en-US" b="1" dirty="0" err="1">
+                <a:solidFill>
+                  <a:srgbClr val="0070C0"/>
+                </a:solidFill>
+              </a:rPr>
+              <a:t>Bibliográficas</a:t>
+            </a:r>
+            <a:endParaRPr lang="en-US" b="1" dirty="0">
+              <a:solidFill>
+                <a:srgbClr val="0070C0"/>
+              </a:solidFill>
+            </a:endParaRPr>
+          </a:p>
+        </p:txBody>
+      </p:sp>
+      <p:sp>
+        <p:nvSpPr>
+          <p:cNvPr id="8" name="Text Placeholder 2"/>
+          <p:cNvSpPr>
+            <a:spLocks noGrp="1"/>
+          </p:cNvSpPr>
+          <p:nvPr>
+            <p:ph type="body" sz="half" idx="1"/>
+          </p:nvPr>
+        </p:nvSpPr>
+        <p:spPr>
+          <a:xfrm>
+            <a:off x="142865" y="1200151"/>
+            <a:ext cx="8865056" cy="3394472"/>
+          </a:xfrm>
+        </p:spPr>
+        <p:txBody>
+          <a:bodyPr>
+            <a:noAutofit/>
+          </a:bodyPr>
+          <a:lstStyle/>
+          <a:p>
+            <a:pPr marL="0" indent="0" algn="just">
+              <a:buNone/>
+            </a:pPr>
+            <a:r>
+              <a:rPr lang="pt-BR" sz="2200" dirty="0">
+                <a:latin typeface="Times New Roman" panose="02020603050405020304" pitchFamily="18" charset="0"/>
+                <a:cs typeface="Times New Roman" panose="02020603050405020304" pitchFamily="18" charset="0"/>
+              </a:rPr>
+              <a:t>[1] </a:t>
+            </a:r>
+            <a:r>
+              <a:rPr lang="en-US" sz="2200" b="1" dirty="0">
+                <a:solidFill>
+                  <a:srgbClr val="FF0000"/>
+                </a:solidFill>
+                <a:latin typeface="Times New Roman" panose="02020603050405020304" pitchFamily="18" charset="0"/>
+                <a:cs typeface="Times New Roman" panose="02020603050405020304" pitchFamily="18" charset="0"/>
+              </a:rPr>
+              <a:t>CORMEN, Thomas H.; LEISERSON, Charles E.; RIVEST, Ronald L.; STEIN, Clifford. </a:t>
+            </a:r>
+            <a:r>
+              <a:rPr lang="en-US" sz="2200" dirty="0" err="1">
+                <a:latin typeface="Times New Roman" panose="02020603050405020304" pitchFamily="18" charset="0"/>
+                <a:cs typeface="Times New Roman" panose="02020603050405020304" pitchFamily="18" charset="0"/>
+              </a:rPr>
+              <a:t>Algoritmos</a:t>
+            </a:r>
+            <a:r>
+              <a:rPr lang="en-US" sz="2200" dirty="0">
+                <a:latin typeface="Times New Roman" panose="02020603050405020304" pitchFamily="18" charset="0"/>
+                <a:cs typeface="Times New Roman" panose="02020603050405020304" pitchFamily="18" charset="0"/>
+              </a:rPr>
+              <a:t>: Teoria e </a:t>
+            </a:r>
+            <a:r>
+              <a:rPr lang="en-US" sz="2200" dirty="0" err="1">
+                <a:latin typeface="Times New Roman" panose="02020603050405020304" pitchFamily="18" charset="0"/>
+                <a:cs typeface="Times New Roman" panose="02020603050405020304" pitchFamily="18" charset="0"/>
+              </a:rPr>
+              <a:t>Prática</a:t>
+            </a:r>
+            <a:r>
+              <a:rPr lang="en-US" sz="2200" dirty="0">
+                <a:latin typeface="Times New Roman" panose="02020603050405020304" pitchFamily="18" charset="0"/>
+                <a:cs typeface="Times New Roman" panose="02020603050405020304" pitchFamily="18" charset="0"/>
+              </a:rPr>
+              <a:t>. 3. ed. Rio de Janeiro: Elsevier, 2012.</a:t>
+            </a:r>
+          </a:p>
+          <a:p>
+            <a:pPr marL="0" indent="0" algn="just">
+              <a:buNone/>
+            </a:pPr>
+            <a:endParaRPr lang="en-US" sz="2200" dirty="0">
+              <a:latin typeface="Times New Roman" panose="02020603050405020304" pitchFamily="18" charset="0"/>
+              <a:cs typeface="Times New Roman" panose="02020603050405020304" pitchFamily="18" charset="0"/>
+            </a:endParaRPr>
+          </a:p>
+          <a:p>
+            <a:pPr marL="0" indent="0" algn="just">
+              <a:buNone/>
+            </a:pPr>
+            <a:endParaRPr lang="en-US" sz="2200" dirty="0">
+              <a:latin typeface="Times New Roman" panose="02020603050405020304" pitchFamily="18" charset="0"/>
+              <a:cs typeface="Times New Roman" panose="02020603050405020304" pitchFamily="18" charset="0"/>
+            </a:endParaRPr>
+          </a:p>
+          <a:p>
+            <a:pPr marL="0" indent="0" algn="just">
+              <a:buNone/>
+            </a:pPr>
+            <a:r>
+              <a:rPr lang="pt-BR" sz="2200" dirty="0">
+                <a:latin typeface="Times New Roman" panose="02020603050405020304" pitchFamily="18" charset="0"/>
+                <a:cs typeface="Times New Roman" panose="02020603050405020304" pitchFamily="18" charset="0"/>
+              </a:rPr>
+              <a:t>[2] </a:t>
+            </a:r>
+            <a:r>
+              <a:rPr lang="en-US" sz="2200" b="1" dirty="0">
+                <a:solidFill>
+                  <a:srgbClr val="FF0000"/>
+                </a:solidFill>
+                <a:latin typeface="Times New Roman" panose="02020603050405020304" pitchFamily="18" charset="0"/>
+                <a:cs typeface="Times New Roman" panose="02020603050405020304" pitchFamily="18" charset="0"/>
+              </a:rPr>
+              <a:t>SEDGEWICK, Robert; WAYNE, Kevin. </a:t>
+            </a:r>
+            <a:r>
+              <a:rPr lang="en-US" sz="2200" dirty="0">
+                <a:latin typeface="Times New Roman" panose="02020603050405020304" pitchFamily="18" charset="0"/>
+                <a:cs typeface="Times New Roman" panose="02020603050405020304" pitchFamily="18" charset="0"/>
+              </a:rPr>
+              <a:t>Algorithms. 4th ed. Boston: Addison-Wesley, 2011.</a:t>
+            </a:r>
+            <a:endParaRPr lang="pt-BR" sz="2200" dirty="0">
+              <a:latin typeface="Times New Roman" panose="02020603050405020304" pitchFamily="18" charset="0"/>
+              <a:cs typeface="Times New Roman" panose="02020603050405020304" pitchFamily="18" charset="0"/>
+            </a:endParaRPr>
+          </a:p>
+        </p:txBody>
+      </p:sp>
+    </p:spTree>
+    <p:extLst>
+      <p:ext uri="{BB962C8B-B14F-4D97-AF65-F5344CB8AC3E}">
+        <p14:creationId xmlns:p14="http://schemas.microsoft.com/office/powerpoint/2010/main" val="1115311843"/>
+      </p:ext>
+    </p:extLst>
+  </p:cSld>
+  <p:clrMapOvr>
+    <a:masterClrMapping/>
+  </p:clrMapOvr>
+  <p:transition spd="med"/>
+</p:sld>
+</file>
+
+<file path=ppt/slides/slide15.xml><?xml version="1.0" encoding="utf-8"?>
+<p:sld xmlns:a="http://schemas.openxmlformats.org/drawingml/2006/main" xmlns:r="http://schemas.openxmlformats.org/officeDocument/2006/relationships" xmlns:p="http://schemas.openxmlformats.org/presentationml/2006/main">
+  <p:cSld>
+    <p:spTree>
+      <p:nvGrpSpPr>
+        <p:cNvPr id="1" name=""/>
+        <p:cNvGrpSpPr/>
+        <p:nvPr/>
+      </p:nvGrpSpPr>
+      <p:grpSpPr>
+        <a:xfrm>
+          <a:off x="0" y="0"/>
+          <a:ext cx="0" cy="0"/>
+          <a:chOff x="0" y="0"/>
+          <a:chExt cx="0" cy="0"/>
+        </a:xfrm>
+      </p:grpSpPr>
+      <p:pic>
+        <p:nvPicPr>
+          <p:cNvPr id="112" name="Picture 6" descr="Picture 6"/>
+          <p:cNvPicPr>
+            <a:picLocks noChangeAspect="1"/>
+          </p:cNvPicPr>
+          <p:nvPr/>
+        </p:nvPicPr>
+        <p:blipFill>
+          <a:blip r:embed="rId2"/>
+          <a:stretch>
+            <a:fillRect/>
+          </a:stretch>
+        </p:blipFill>
+        <p:spPr>
+          <a:xfrm>
+            <a:off x="0" y="0"/>
+            <a:ext cx="9144000" cy="5143500"/>
+          </a:xfrm>
+          <a:prstGeom prst="rect">
+            <a:avLst/>
+          </a:prstGeom>
+          <a:ln w="12700">
+            <a:miter lim="400000"/>
+            <a:headEnd/>
+            <a:tailEnd/>
+          </a:ln>
+        </p:spPr>
+      </p:pic>
+      <p:pic>
+        <p:nvPicPr>
+          <p:cNvPr id="114" name="Picture 5" descr="Picture 5"/>
+          <p:cNvPicPr>
+            <a:picLocks noChangeAspect="1"/>
+          </p:cNvPicPr>
+          <p:nvPr/>
+        </p:nvPicPr>
+        <p:blipFill>
+          <a:blip r:embed="rId3"/>
+          <a:stretch>
+            <a:fillRect/>
+          </a:stretch>
+        </p:blipFill>
+        <p:spPr>
+          <a:xfrm>
+            <a:off x="469900" y="0"/>
+            <a:ext cx="4391984" cy="171450"/>
+          </a:xfrm>
+          <a:prstGeom prst="rect">
+            <a:avLst/>
+          </a:prstGeom>
+          <a:ln w="12700">
+            <a:miter lim="400000"/>
+            <a:headEnd/>
+            <a:tailEnd/>
+          </a:ln>
+        </p:spPr>
+      </p:pic>
+      <p:sp>
+        <p:nvSpPr>
+          <p:cNvPr id="3" name="Título 2"/>
+          <p:cNvSpPr>
+            <a:spLocks noGrp="1"/>
+          </p:cNvSpPr>
+          <p:nvPr>
+            <p:ph type="title"/>
+          </p:nvPr>
+        </p:nvSpPr>
+        <p:spPr>
+          <a:xfrm>
+            <a:off x="285751" y="2386770"/>
+            <a:ext cx="8615364" cy="1102519"/>
+          </a:xfrm>
+        </p:spPr>
+        <p:txBody>
+          <a:bodyPr>
+            <a:noAutofit/>
+          </a:bodyPr>
+          <a:lstStyle/>
+          <a:p>
+            <a:r>
+              <a:rPr lang="pt-BR" sz="4800" b="1" dirty="0">
+                <a:solidFill>
+                  <a:schemeClr val="bg1"/>
+                </a:solidFill>
+              </a:rPr>
+              <a:t>Algoritmos e Complexidade</a:t>
+            </a:r>
+          </a:p>
+        </p:txBody>
+      </p:sp>
+      <p:sp>
+        <p:nvSpPr>
+          <p:cNvPr id="6" name="Título 2"/>
+          <p:cNvSpPr txBox="1"/>
+          <p:nvPr/>
+        </p:nvSpPr>
+        <p:spPr>
+          <a:xfrm>
+            <a:off x="975683" y="3866663"/>
+            <a:ext cx="7772400" cy="1102519"/>
+          </a:xfrm>
+          <a:prstGeom prst="rect">
+            <a:avLst/>
+          </a:prstGeom>
+          <a:ln w="12700">
+            <a:miter lim="400000"/>
+          </a:ln>
+        </p:spPr>
+        <p:txBody>
+          <a:bodyPr lIns="45718" tIns="45718" rIns="45718" bIns="45718" anchor="ctr">
+            <a:noAutofit/>
+          </a:bodyPr>
+          <a:lstStyle>
+            <a:lvl1pPr marL="0" marR="0" indent="0" algn="ctr" defTabSz="457200" rtl="0" latinLnBrk="0">
+              <a:lnSpc>
+                <a:spcPct val="100000"/>
+              </a:lnSpc>
+              <a:spcBef>
+                <a:spcPts val="0"/>
+              </a:spcBef>
+              <a:spcAft>
+                <a:spcPts val="0"/>
+              </a:spcAft>
+              <a:buClrTx/>
+              <a:buSzTx/>
+              <a:buFontTx/>
+              <a:buNone/>
+              <a:defRPr sz="4400" b="0" i="0" u="none" strike="noStrike" cap="none" spc="0" baseline="0">
+                <a:ln>
+                  <a:noFill/>
+                </a:ln>
+                <a:solidFill>
+                  <a:srgbClr val="000000"/>
+                </a:solidFill>
+                <a:uFillTx/>
+                <a:latin typeface="+mj-lt"/>
+                <a:ea typeface="+mj-ea"/>
+                <a:cs typeface="+mj-cs"/>
+                <a:sym typeface="Calibri"/>
+              </a:defRPr>
+            </a:lvl1pPr>
+            <a:lvl2pPr marL="0" marR="0" indent="0" algn="ctr" defTabSz="457200" rtl="0" latinLnBrk="0">
+              <a:lnSpc>
+                <a:spcPct val="100000"/>
+              </a:lnSpc>
+              <a:spcBef>
+                <a:spcPts val="0"/>
+              </a:spcBef>
+              <a:spcAft>
+                <a:spcPts val="0"/>
+              </a:spcAft>
+              <a:buClrTx/>
+              <a:buSzTx/>
+              <a:buFontTx/>
+              <a:buNone/>
+              <a:defRPr sz="4400" b="0" i="0" u="none" strike="noStrike" cap="none" spc="0" baseline="0">
+                <a:ln>
+                  <a:noFill/>
+                </a:ln>
+                <a:solidFill>
+                  <a:srgbClr val="000000"/>
+                </a:solidFill>
+                <a:uFillTx/>
+                <a:latin typeface="+mj-lt"/>
+                <a:ea typeface="+mj-ea"/>
+                <a:cs typeface="+mj-cs"/>
+                <a:sym typeface="Calibri"/>
+              </a:defRPr>
+            </a:lvl2pPr>
+            <a:lvl3pPr marL="0" marR="0" indent="0" algn="ctr" defTabSz="457200" rtl="0" latinLnBrk="0">
+              <a:lnSpc>
+                <a:spcPct val="100000"/>
+              </a:lnSpc>
+              <a:spcBef>
+                <a:spcPts val="0"/>
+              </a:spcBef>
+              <a:spcAft>
+                <a:spcPts val="0"/>
+              </a:spcAft>
+              <a:buClrTx/>
+              <a:buSzTx/>
+              <a:buFontTx/>
+              <a:buNone/>
+              <a:defRPr sz="4400" b="0" i="0" u="none" strike="noStrike" cap="none" spc="0" baseline="0">
+                <a:ln>
+                  <a:noFill/>
+                </a:ln>
+                <a:solidFill>
+                  <a:srgbClr val="000000"/>
+                </a:solidFill>
+                <a:uFillTx/>
+                <a:latin typeface="+mj-lt"/>
+                <a:ea typeface="+mj-ea"/>
+                <a:cs typeface="+mj-cs"/>
+                <a:sym typeface="Calibri"/>
+              </a:defRPr>
+            </a:lvl3pPr>
+            <a:lvl4pPr marL="0" marR="0" indent="0" algn="ctr" defTabSz="457200" rtl="0" latinLnBrk="0">
+              <a:lnSpc>
+                <a:spcPct val="100000"/>
+              </a:lnSpc>
+              <a:spcBef>
+                <a:spcPts val="0"/>
+              </a:spcBef>
+              <a:spcAft>
+                <a:spcPts val="0"/>
+              </a:spcAft>
+              <a:buClrTx/>
+              <a:buSzTx/>
+              <a:buFontTx/>
+              <a:buNone/>
+              <a:defRPr sz="4400" b="0" i="0" u="none" strike="noStrike" cap="none" spc="0" baseline="0">
+                <a:ln>
+                  <a:noFill/>
+                </a:ln>
+                <a:solidFill>
+                  <a:srgbClr val="000000"/>
+                </a:solidFill>
+                <a:uFillTx/>
+                <a:latin typeface="+mj-lt"/>
+                <a:ea typeface="+mj-ea"/>
+                <a:cs typeface="+mj-cs"/>
+                <a:sym typeface="Calibri"/>
+              </a:defRPr>
+            </a:lvl4pPr>
+            <a:lvl5pPr marL="0" marR="0" indent="0" algn="ctr" defTabSz="457200" rtl="0" latinLnBrk="0">
+              <a:lnSpc>
+                <a:spcPct val="100000"/>
+              </a:lnSpc>
+              <a:spcBef>
+                <a:spcPts val="0"/>
+              </a:spcBef>
+              <a:spcAft>
+                <a:spcPts val="0"/>
+              </a:spcAft>
+              <a:buClrTx/>
+              <a:buSzTx/>
+              <a:buFontTx/>
+              <a:buNone/>
+              <a:defRPr sz="4400" b="0" i="0" u="none" strike="noStrike" cap="none" spc="0" baseline="0">
+                <a:ln>
+                  <a:noFill/>
+                </a:ln>
+                <a:solidFill>
+                  <a:srgbClr val="000000"/>
+                </a:solidFill>
+                <a:uFillTx/>
+                <a:latin typeface="+mj-lt"/>
+                <a:ea typeface="+mj-ea"/>
+                <a:cs typeface="+mj-cs"/>
+                <a:sym typeface="Calibri"/>
+              </a:defRPr>
+            </a:lvl5pPr>
+            <a:lvl6pPr marL="0" marR="0" indent="0" algn="ctr" defTabSz="457200" rtl="0" latinLnBrk="0">
+              <a:lnSpc>
+                <a:spcPct val="100000"/>
+              </a:lnSpc>
+              <a:spcBef>
+                <a:spcPts val="0"/>
+              </a:spcBef>
+              <a:spcAft>
+                <a:spcPts val="0"/>
+              </a:spcAft>
+              <a:buClrTx/>
+              <a:buSzTx/>
+              <a:buFontTx/>
+              <a:buNone/>
+              <a:defRPr sz="4400" b="0" i="0" u="none" strike="noStrike" cap="none" spc="0" baseline="0">
+                <a:ln>
+                  <a:noFill/>
+                </a:ln>
+                <a:solidFill>
+                  <a:srgbClr val="000000"/>
+                </a:solidFill>
+                <a:uFillTx/>
+                <a:latin typeface="+mj-lt"/>
+                <a:ea typeface="+mj-ea"/>
+                <a:cs typeface="+mj-cs"/>
+                <a:sym typeface="Calibri"/>
+              </a:defRPr>
+            </a:lvl6pPr>
+            <a:lvl7pPr marL="0" marR="0" indent="0" algn="ctr" defTabSz="457200" rtl="0" latinLnBrk="0">
+              <a:lnSpc>
+                <a:spcPct val="100000"/>
+              </a:lnSpc>
+              <a:spcBef>
+                <a:spcPts val="0"/>
+              </a:spcBef>
+              <a:spcAft>
+                <a:spcPts val="0"/>
+              </a:spcAft>
+              <a:buClrTx/>
+              <a:buSzTx/>
+              <a:buFontTx/>
+              <a:buNone/>
+              <a:defRPr sz="4400" b="0" i="0" u="none" strike="noStrike" cap="none" spc="0" baseline="0">
+                <a:ln>
+                  <a:noFill/>
+                </a:ln>
+                <a:solidFill>
+                  <a:srgbClr val="000000"/>
+                </a:solidFill>
+                <a:uFillTx/>
+                <a:latin typeface="+mj-lt"/>
+                <a:ea typeface="+mj-ea"/>
+                <a:cs typeface="+mj-cs"/>
+                <a:sym typeface="Calibri"/>
+              </a:defRPr>
+            </a:lvl7pPr>
+            <a:lvl8pPr marL="0" marR="0" indent="0" algn="ctr" defTabSz="457200" rtl="0" latinLnBrk="0">
+              <a:lnSpc>
+                <a:spcPct val="100000"/>
+              </a:lnSpc>
+              <a:spcBef>
+                <a:spcPts val="0"/>
+              </a:spcBef>
+              <a:spcAft>
+                <a:spcPts val="0"/>
+              </a:spcAft>
+              <a:buClrTx/>
+              <a:buSzTx/>
+              <a:buFontTx/>
+              <a:buNone/>
+              <a:defRPr sz="4400" b="0" i="0" u="none" strike="noStrike" cap="none" spc="0" baseline="0">
+                <a:ln>
+                  <a:noFill/>
+                </a:ln>
+                <a:solidFill>
+                  <a:srgbClr val="000000"/>
+                </a:solidFill>
+                <a:uFillTx/>
+                <a:latin typeface="+mj-lt"/>
+                <a:ea typeface="+mj-ea"/>
+                <a:cs typeface="+mj-cs"/>
+                <a:sym typeface="Calibri"/>
+              </a:defRPr>
+            </a:lvl8pPr>
+            <a:lvl9pPr marL="0" marR="0" indent="0" algn="ctr" defTabSz="457200" rtl="0" latinLnBrk="0">
+              <a:lnSpc>
+                <a:spcPct val="100000"/>
+              </a:lnSpc>
+              <a:spcBef>
+                <a:spcPts val="0"/>
+              </a:spcBef>
+              <a:spcAft>
+                <a:spcPts val="0"/>
+              </a:spcAft>
+              <a:buClrTx/>
+              <a:buSzTx/>
+              <a:buFontTx/>
+              <a:buNone/>
+              <a:defRPr sz="4400" b="0" i="0" u="none" strike="noStrike" cap="none" spc="0" baseline="0">
+                <a:ln>
+                  <a:noFill/>
+                </a:ln>
+                <a:solidFill>
+                  <a:srgbClr val="000000"/>
+                </a:solidFill>
+                <a:uFillTx/>
+                <a:latin typeface="+mj-lt"/>
+                <a:ea typeface="+mj-ea"/>
+                <a:cs typeface="+mj-cs"/>
+                <a:sym typeface="Calibri"/>
+              </a:defRPr>
+            </a:lvl9pPr>
+          </a:lstStyle>
+          <a:p>
+            <a:pPr algn="r" hangingPunct="1"/>
+            <a:r>
+              <a:rPr lang="pt-BR" sz="2000" b="1" dirty="0">
+                <a:solidFill>
+                  <a:schemeClr val="bg1"/>
+                </a:solidFill>
+              </a:rPr>
+              <a:t>Professor </a:t>
+            </a:r>
+            <a:r>
+              <a:rPr lang="pt-BR" sz="2000" b="1">
+                <a:solidFill>
+                  <a:schemeClr val="bg1"/>
+                </a:solidFill>
+              </a:rPr>
+              <a:t>M.Sc</a:t>
+            </a:r>
+            <a:r>
+              <a:rPr lang="pt-BR" sz="2000" b="1" dirty="0">
+                <a:solidFill>
+                  <a:schemeClr val="bg1"/>
+                </a:solidFill>
+              </a:rPr>
+              <a:t>. Heleno Cardoso</a:t>
+            </a:r>
+          </a:p>
+        </p:txBody>
+      </p:sp>
+      <p:pic>
+        <p:nvPicPr>
+          <p:cNvPr id="2" name="Google Shape;62;p1" descr="Imagem">
+            <a:extLst>
+              <a:ext uri="{FF2B5EF4-FFF2-40B4-BE49-F238E27FC236}">
+                <a16:creationId xmlns:a16="http://schemas.microsoft.com/office/drawing/2014/main" id="{9C895622-2963-024D-634E-EA58F5381D06}"/>
+              </a:ext>
+            </a:extLst>
+          </p:cNvPr>
+          <p:cNvPicPr preferRelativeResize="0"/>
+          <p:nvPr/>
+        </p:nvPicPr>
+        <p:blipFill rotWithShape="1">
+          <a:blip r:embed="rId4">
+            <a:alphaModFix/>
+          </a:blip>
+          <a:srcRect/>
+          <a:stretch/>
+        </p:blipFill>
+        <p:spPr>
+          <a:xfrm>
+            <a:off x="469898" y="343798"/>
+            <a:ext cx="2858518" cy="1338697"/>
+          </a:xfrm>
+          <a:prstGeom prst="rect">
+            <a:avLst/>
+          </a:prstGeom>
+          <a:noFill/>
+          <a:ln>
+            <a:noFill/>
+          </a:ln>
+        </p:spPr>
+      </p:pic>
+    </p:spTree>
+  </p:cSld>
+  <p:clrMapOvr>
+    <a:masterClrMapping/>
+  </p:clrMapOvr>
+  <p:transition spd="med"/>
+</p:sld>
+</file>
+
 <file path=ppt/slides/slide2.xml><?xml version="1.0" encoding="utf-8"?>
 <p:sld xmlns:a="http://schemas.openxmlformats.org/drawingml/2006/main" xmlns:r="http://schemas.openxmlformats.org/officeDocument/2006/relationships" xmlns:p="http://schemas.openxmlformats.org/presentationml/2006/main">
   <p:cSld>
@@ -4368,15 +6923,15 @@
                   <a:srgbClr val="0070C0"/>
                 </a:solidFill>
               </a:rPr>
-              <a:t> </a:t>
-            </a:r>
-            <a:r>
-              <a:rPr lang="en-US" b="1">
+              <a:t> e Conquista - </a:t>
+            </a:r>
+            <a:r>
+              <a:rPr lang="en-US" b="1" dirty="0" err="1">
                 <a:solidFill>
                   <a:srgbClr val="0070C0"/>
                 </a:solidFill>
               </a:rPr>
-              <a:t>e Conquista</a:t>
+              <a:t>Definição</a:t>
             </a:r>
             <a:endParaRPr lang="en-US" b="1" dirty="0">
               <a:solidFill>
@@ -4411,23 +6966,152 @@
             <a:pPr marL="0" indent="0" algn="just">
               <a:buNone/>
             </a:pPr>
-            <a:r>
-              <a:rPr lang="pt-BR" sz="2000" dirty="0">
-                <a:latin typeface="Times New Roman" panose="02020603050405020304" pitchFamily="18" charset="0"/>
-                <a:cs typeface="Times New Roman" panose="02020603050405020304" pitchFamily="18" charset="0"/>
-              </a:rPr>
-              <a:t>Algoritmos e Complexidade</a:t>
-            </a:r>
-            <a:r>
-              <a:rPr lang="pt-BR" sz="2000" dirty="0">
-                <a:solidFill>
-                  <a:schemeClr val="tx1"/>
-                </a:solidFill>
-                <a:latin typeface="Times New Roman" panose="02020603050405020304" pitchFamily="18" charset="0"/>
-                <a:cs typeface="Times New Roman" panose="02020603050405020304" pitchFamily="18" charset="0"/>
-              </a:rPr>
-              <a:t> ...</a:t>
-            </a:r>
+            <a:endParaRPr lang="pt-BR" sz="2200" dirty="0">
+              <a:latin typeface="Times New Roman" panose="02020603050405020304" pitchFamily="18" charset="0"/>
+              <a:cs typeface="Times New Roman" panose="02020603050405020304" pitchFamily="18" charset="0"/>
+            </a:endParaRPr>
+          </a:p>
+          <a:p>
+            <a:pPr marL="0" indent="0" algn="just">
+              <a:buNone/>
+            </a:pPr>
+            <a:r>
+              <a:rPr lang="pt-BR" sz="2200" dirty="0">
+                <a:latin typeface="Times New Roman" panose="02020603050405020304" pitchFamily="18" charset="0"/>
+                <a:cs typeface="Times New Roman" panose="02020603050405020304" pitchFamily="18" charset="0"/>
+              </a:rPr>
+              <a:t>A estratégia de </a:t>
+            </a:r>
+            <a:r>
+              <a:rPr lang="pt-BR" sz="2200" b="1" dirty="0">
+                <a:latin typeface="Times New Roman" panose="02020603050405020304" pitchFamily="18" charset="0"/>
+                <a:cs typeface="Times New Roman" panose="02020603050405020304" pitchFamily="18" charset="0"/>
+              </a:rPr>
+              <a:t>Divisão e Conquista </a:t>
+            </a:r>
+            <a:r>
+              <a:rPr lang="pt-BR" sz="2200" dirty="0">
+                <a:latin typeface="Times New Roman" panose="02020603050405020304" pitchFamily="18" charset="0"/>
+                <a:cs typeface="Times New Roman" panose="02020603050405020304" pitchFamily="18" charset="0"/>
+              </a:rPr>
+              <a:t>(</a:t>
+            </a:r>
+            <a:r>
+              <a:rPr lang="pt-BR" sz="2200" b="1" dirty="0">
+                <a:solidFill>
+                  <a:srgbClr val="FF0000"/>
+                </a:solidFill>
+                <a:latin typeface="Times New Roman" panose="02020603050405020304" pitchFamily="18" charset="0"/>
+                <a:cs typeface="Times New Roman" panose="02020603050405020304" pitchFamily="18" charset="0"/>
+              </a:rPr>
+              <a:t>Divide </a:t>
+            </a:r>
+            <a:r>
+              <a:rPr lang="pt-BR" sz="2200" b="1" dirty="0" err="1">
+                <a:solidFill>
+                  <a:srgbClr val="FF0000"/>
+                </a:solidFill>
+                <a:latin typeface="Times New Roman" panose="02020603050405020304" pitchFamily="18" charset="0"/>
+                <a:cs typeface="Times New Roman" panose="02020603050405020304" pitchFamily="18" charset="0"/>
+              </a:rPr>
+              <a:t>and</a:t>
+            </a:r>
+            <a:r>
+              <a:rPr lang="pt-BR" sz="2200" b="1" dirty="0">
+                <a:solidFill>
+                  <a:srgbClr val="FF0000"/>
+                </a:solidFill>
+                <a:latin typeface="Times New Roman" panose="02020603050405020304" pitchFamily="18" charset="0"/>
+                <a:cs typeface="Times New Roman" panose="02020603050405020304" pitchFamily="18" charset="0"/>
+              </a:rPr>
+              <a:t> </a:t>
+            </a:r>
+            <a:r>
+              <a:rPr lang="pt-BR" sz="2200" b="1" dirty="0" err="1">
+                <a:solidFill>
+                  <a:srgbClr val="FF0000"/>
+                </a:solidFill>
+                <a:latin typeface="Times New Roman" panose="02020603050405020304" pitchFamily="18" charset="0"/>
+                <a:cs typeface="Times New Roman" panose="02020603050405020304" pitchFamily="18" charset="0"/>
+              </a:rPr>
+              <a:t>Conquer</a:t>
+            </a:r>
+            <a:r>
+              <a:rPr lang="pt-BR" sz="2200" dirty="0">
+                <a:latin typeface="Times New Roman" panose="02020603050405020304" pitchFamily="18" charset="0"/>
+                <a:cs typeface="Times New Roman" panose="02020603050405020304" pitchFamily="18" charset="0"/>
+              </a:rPr>
+              <a:t>) é um paradigma de projeto de algoritmos que consiste em </a:t>
+            </a:r>
+            <a:r>
+              <a:rPr lang="pt-BR" sz="2200" b="1" dirty="0">
+                <a:solidFill>
+                  <a:srgbClr val="FF0000"/>
+                </a:solidFill>
+                <a:latin typeface="Times New Roman" panose="02020603050405020304" pitchFamily="18" charset="0"/>
+                <a:cs typeface="Times New Roman" panose="02020603050405020304" pitchFamily="18" charset="0"/>
+              </a:rPr>
+              <a:t>dividir um problema complexo</a:t>
+            </a:r>
+            <a:r>
+              <a:rPr lang="pt-BR" sz="2200" dirty="0">
+                <a:latin typeface="Times New Roman" panose="02020603050405020304" pitchFamily="18" charset="0"/>
+                <a:cs typeface="Times New Roman" panose="02020603050405020304" pitchFamily="18" charset="0"/>
+              </a:rPr>
+              <a:t> em </a:t>
+            </a:r>
+            <a:r>
+              <a:rPr lang="pt-BR" sz="2200" b="1" dirty="0">
+                <a:latin typeface="Times New Roman" panose="02020603050405020304" pitchFamily="18" charset="0"/>
+                <a:cs typeface="Times New Roman" panose="02020603050405020304" pitchFamily="18" charset="0"/>
+              </a:rPr>
+              <a:t>subproblemas menores e independentes</a:t>
+            </a:r>
+            <a:r>
+              <a:rPr lang="pt-BR" sz="2200" dirty="0">
+                <a:latin typeface="Times New Roman" panose="02020603050405020304" pitchFamily="18" charset="0"/>
+                <a:cs typeface="Times New Roman" panose="02020603050405020304" pitchFamily="18" charset="0"/>
+              </a:rPr>
+              <a:t>, </a:t>
+            </a:r>
+            <a:r>
+              <a:rPr lang="pt-BR" sz="2200" b="1" dirty="0">
+                <a:solidFill>
+                  <a:srgbClr val="FF0000"/>
+                </a:solidFill>
+                <a:latin typeface="Times New Roman" panose="02020603050405020304" pitchFamily="18" charset="0"/>
+                <a:cs typeface="Times New Roman" panose="02020603050405020304" pitchFamily="18" charset="0"/>
+              </a:rPr>
+              <a:t>resolver cada subproblema recursivamente </a:t>
+            </a:r>
+            <a:r>
+              <a:rPr lang="pt-BR" sz="2200" dirty="0">
+                <a:latin typeface="Times New Roman" panose="02020603050405020304" pitchFamily="18" charset="0"/>
+                <a:cs typeface="Times New Roman" panose="02020603050405020304" pitchFamily="18" charset="0"/>
+              </a:rPr>
+              <a:t>e, em seguida, </a:t>
+            </a:r>
+            <a:r>
+              <a:rPr lang="pt-BR" sz="2200" b="1" dirty="0">
+                <a:latin typeface="Times New Roman" panose="02020603050405020304" pitchFamily="18" charset="0"/>
+                <a:cs typeface="Times New Roman" panose="02020603050405020304" pitchFamily="18" charset="0"/>
+              </a:rPr>
+              <a:t>combinar as soluções para obter a solução final</a:t>
+            </a:r>
+            <a:r>
+              <a:rPr lang="pt-BR" sz="2200" dirty="0">
+                <a:latin typeface="Times New Roman" panose="02020603050405020304" pitchFamily="18" charset="0"/>
+                <a:cs typeface="Times New Roman" panose="02020603050405020304" pitchFamily="18" charset="0"/>
+              </a:rPr>
+              <a:t>.</a:t>
+            </a:r>
+            <a:endParaRPr lang="pt-BR" sz="2200" dirty="0">
+              <a:solidFill>
+                <a:schemeClr val="tx1"/>
+              </a:solidFill>
+              <a:latin typeface="Times New Roman" panose="02020603050405020304" pitchFamily="18" charset="0"/>
+              <a:cs typeface="Times New Roman" panose="02020603050405020304" pitchFamily="18" charset="0"/>
+            </a:endParaRPr>
           </a:p>
         </p:txBody>
       </p:sp>
@@ -4450,7 +7134,13 @@
   <p:cSld>
     <p:spTree>
       <p:nvGrpSpPr>
-        <p:cNvPr id="1" name=""/>
+        <p:cNvPr id="1" name="">
+          <a:extLst>
+            <a:ext uri="{FF2B5EF4-FFF2-40B4-BE49-F238E27FC236}">
+              <a16:creationId xmlns:a16="http://schemas.microsoft.com/office/drawing/2014/main" id="{1885C6EF-1039-8A10-0581-E464C22145B7}"/>
+            </a:ext>
+          </a:extLst>
+        </p:cNvPr>
         <p:cNvGrpSpPr/>
         <p:nvPr/>
       </p:nvGrpSpPr>
@@ -4464,7 +7154,13 @@
       </p:grpSpPr>
       <p:sp>
         <p:nvSpPr>
-          <p:cNvPr id="6" name="Title 1"/>
+          <p:cNvPr id="6" name="Title 1">
+            <a:extLst>
+              <a:ext uri="{FF2B5EF4-FFF2-40B4-BE49-F238E27FC236}">
+                <a16:creationId xmlns:a16="http://schemas.microsoft.com/office/drawing/2014/main" id="{1A89C3DF-6F70-60F9-CB62-0A33E79BA8F9}"/>
+              </a:ext>
+            </a:extLst>
+          </p:cNvPr>
           <p:cNvSpPr>
             <a:spLocks noGrp="1"/>
           </p:cNvSpPr>
@@ -4490,7 +7186,7 @@
                   <a:srgbClr val="0070C0"/>
                 </a:solidFill>
               </a:rPr>
-              <a:t>Leitura</a:t>
+              <a:t>Divisão</a:t>
             </a:r>
             <a:r>
               <a:rPr lang="en-US" b="1" dirty="0">
@@ -4498,7 +7194,7 @@
                   <a:srgbClr val="0070C0"/>
                 </a:solidFill>
               </a:rPr>
-              <a:t> </a:t>
+              <a:t> e Conquista - </a:t>
             </a:r>
             <a:r>
               <a:rPr lang="en-US" b="1" dirty="0" err="1">
@@ -4506,7 +7202,7 @@
                   <a:srgbClr val="0070C0"/>
                 </a:solidFill>
               </a:rPr>
-              <a:t>Específica</a:t>
+              <a:t>Etapas</a:t>
             </a:r>
             <a:endParaRPr lang="en-US" b="1" dirty="0">
               <a:solidFill>
@@ -4518,7 +7214,13 @@
       </p:sp>
       <p:sp>
         <p:nvSpPr>
-          <p:cNvPr id="8" name="Text Placeholder 2"/>
+          <p:cNvPr id="8" name="Text Placeholder 2">
+            <a:extLst>
+              <a:ext uri="{FF2B5EF4-FFF2-40B4-BE49-F238E27FC236}">
+                <a16:creationId xmlns:a16="http://schemas.microsoft.com/office/drawing/2014/main" id="{F8D4C166-4D7E-5291-6706-A58F88D71C59}"/>
+              </a:ext>
+            </a:extLst>
+          </p:cNvPr>
           <p:cNvSpPr>
             <a:spLocks noGrp="1"/>
           </p:cNvSpPr>
@@ -4529,7 +7231,7 @@
         <p:spPr>
           <a:xfrm>
             <a:off x="142865" y="1200150"/>
-            <a:ext cx="8865056" cy="3737369"/>
+            <a:ext cx="8865056" cy="3737370"/>
           </a:xfrm>
         </p:spPr>
         <p:txBody>
@@ -4538,69 +7240,196 @@
           </a:bodyPr>
           <a:lstStyle/>
           <a:p>
-            <a:pPr marL="0" indent="0" algn="just">
-              <a:buNone/>
+            <a:pPr algn="just">
+              <a:buFont typeface="Wingdings" panose="05000000000000000000" pitchFamily="2" charset="2"/>
+              <a:buChar char="§"/>
             </a:pPr>
-            <a:r>
-              <a:rPr lang="pt-BR" sz="2000" dirty="0">
-                <a:latin typeface="Times New Roman" panose="02020603050405020304" pitchFamily="18" charset="0"/>
-                <a:cs typeface="Times New Roman" panose="02020603050405020304" pitchFamily="18" charset="0"/>
-              </a:rPr>
-              <a:t>[1] Algoritmos e Complexidade – Parte 1.</a:t>
-            </a:r>
-          </a:p>
-          <a:p>
-            <a:pPr marL="0" indent="0" algn="just">
-              <a:buNone/>
-            </a:pPr>
-            <a:r>
-              <a:rPr lang="pt-BR" sz="2000" b="1" dirty="0">
-                <a:solidFill>
-                  <a:srgbClr val="FF0000"/>
-                </a:solidFill>
-                <a:latin typeface="Times New Roman" panose="02020603050405020304" pitchFamily="18" charset="0"/>
-                <a:cs typeface="Times New Roman" panose="02020603050405020304" pitchFamily="18" charset="0"/>
-              </a:rPr>
-              <a:t>Disponível em:</a:t>
-            </a:r>
-          </a:p>
-          <a:p>
-            <a:pPr marL="0" indent="0" algn="just">
-              <a:buNone/>
-            </a:pPr>
-            <a:endParaRPr lang="pt-BR" sz="2000" dirty="0">
+            <a:endParaRPr lang="pt-BR" sz="2200" dirty="0">
               <a:latin typeface="Times New Roman" panose="02020603050405020304" pitchFamily="18" charset="0"/>
               <a:cs typeface="Times New Roman" panose="02020603050405020304" pitchFamily="18" charset="0"/>
             </a:endParaRPr>
           </a:p>
           <a:p>
-            <a:pPr marL="0" indent="0" algn="just">
-              <a:buNone/>
+            <a:pPr algn="just">
+              <a:buFont typeface="Wingdings" panose="05000000000000000000" pitchFamily="2" charset="2"/>
+              <a:buChar char="§"/>
             </a:pPr>
             <a:r>
-              <a:rPr lang="pt-BR" sz="2000" dirty="0">
-                <a:latin typeface="Times New Roman" panose="02020603050405020304" pitchFamily="18" charset="0"/>
-                <a:cs typeface="Times New Roman" panose="02020603050405020304" pitchFamily="18" charset="0"/>
-              </a:rPr>
-              <a:t>[2] Algoritmos e Complexidade – Parte 2. </a:t>
-            </a:r>
-          </a:p>
-          <a:p>
-            <a:pPr marL="0" indent="0" algn="just">
-              <a:buNone/>
+              <a:rPr lang="pt-BR" sz="2200" b="1" dirty="0">
+                <a:latin typeface="Times New Roman" panose="02020603050405020304" pitchFamily="18" charset="0"/>
+                <a:cs typeface="Times New Roman" panose="02020603050405020304" pitchFamily="18" charset="0"/>
+              </a:rPr>
+              <a:t>Dividir</a:t>
+            </a:r>
+            <a:r>
+              <a:rPr lang="pt-BR" sz="2200" dirty="0">
+                <a:latin typeface="Times New Roman" panose="02020603050405020304" pitchFamily="18" charset="0"/>
+                <a:cs typeface="Times New Roman" panose="02020603050405020304" pitchFamily="18" charset="0"/>
+              </a:rPr>
+              <a:t>: particionar o </a:t>
+            </a:r>
+            <a:r>
+              <a:rPr lang="pt-BR" sz="2200" b="1" dirty="0">
+                <a:solidFill>
+                  <a:srgbClr val="FF0000"/>
+                </a:solidFill>
+                <a:latin typeface="Times New Roman" panose="02020603050405020304" pitchFamily="18" charset="0"/>
+                <a:cs typeface="Times New Roman" panose="02020603050405020304" pitchFamily="18" charset="0"/>
+              </a:rPr>
+              <a:t>problema</a:t>
+            </a:r>
+            <a:r>
+              <a:rPr lang="pt-BR" sz="2200" dirty="0">
+                <a:latin typeface="Times New Roman" panose="02020603050405020304" pitchFamily="18" charset="0"/>
+                <a:cs typeface="Times New Roman" panose="02020603050405020304" pitchFamily="18" charset="0"/>
+              </a:rPr>
+              <a:t> em </a:t>
+            </a:r>
+            <a:r>
+              <a:rPr lang="pt-BR" sz="2200" b="1" dirty="0">
+                <a:latin typeface="Times New Roman" panose="02020603050405020304" pitchFamily="18" charset="0"/>
+                <a:cs typeface="Times New Roman" panose="02020603050405020304" pitchFamily="18" charset="0"/>
+              </a:rPr>
+              <a:t>subproblemas</a:t>
+            </a:r>
+            <a:r>
+              <a:rPr lang="pt-BR" sz="2200" dirty="0">
+                <a:latin typeface="Times New Roman" panose="02020603050405020304" pitchFamily="18" charset="0"/>
+                <a:cs typeface="Times New Roman" panose="02020603050405020304" pitchFamily="18" charset="0"/>
+              </a:rPr>
+              <a:t> de tamanho reduzido.</a:t>
+            </a:r>
+          </a:p>
+          <a:p>
+            <a:pPr algn="just">
+              <a:buFont typeface="Wingdings" panose="05000000000000000000" pitchFamily="2" charset="2"/>
+              <a:buChar char="§"/>
             </a:pPr>
-            <a:r>
-              <a:rPr lang="pt-BR" sz="2000" b="1" dirty="0">
+            <a:endParaRPr lang="pt-BR" sz="2200" dirty="0">
+              <a:latin typeface="Times New Roman" panose="02020603050405020304" pitchFamily="18" charset="0"/>
+              <a:cs typeface="Times New Roman" panose="02020603050405020304" pitchFamily="18" charset="0"/>
+            </a:endParaRPr>
+          </a:p>
+          <a:p>
+            <a:pPr algn="just">
+              <a:buFont typeface="Wingdings" panose="05000000000000000000" pitchFamily="2" charset="2"/>
+              <a:buChar char="§"/>
+            </a:pPr>
+            <a:r>
+              <a:rPr lang="pt-BR" sz="2200" b="1" dirty="0">
                 <a:solidFill>
                   <a:srgbClr val="FF0000"/>
                 </a:solidFill>
                 <a:latin typeface="Times New Roman" panose="02020603050405020304" pitchFamily="18" charset="0"/>
                 <a:cs typeface="Times New Roman" panose="02020603050405020304" pitchFamily="18" charset="0"/>
               </a:rPr>
-              <a:t>Disponível em:</a:t>
-            </a:r>
-            <a:endParaRPr lang="pt-BR" sz="2000" dirty="0">
-              <a:latin typeface="Calibri" panose="020F0502020204030204" pitchFamily="34" charset="0"/>
+              <a:t>Conquistar</a:t>
+            </a:r>
+            <a:r>
+              <a:rPr lang="pt-BR" sz="2200" dirty="0">
+                <a:latin typeface="Times New Roman" panose="02020603050405020304" pitchFamily="18" charset="0"/>
+                <a:cs typeface="Times New Roman" panose="02020603050405020304" pitchFamily="18" charset="0"/>
+              </a:rPr>
+              <a:t>: </a:t>
+            </a:r>
+            <a:r>
+              <a:rPr lang="pt-BR" sz="2200" b="1" dirty="0">
+                <a:latin typeface="Times New Roman" panose="02020603050405020304" pitchFamily="18" charset="0"/>
+                <a:cs typeface="Times New Roman" panose="02020603050405020304" pitchFamily="18" charset="0"/>
+              </a:rPr>
+              <a:t>resolver os subproblemas </a:t>
+            </a:r>
+            <a:r>
+              <a:rPr lang="pt-BR" sz="2200" dirty="0">
+                <a:latin typeface="Times New Roman" panose="02020603050405020304" pitchFamily="18" charset="0"/>
+                <a:cs typeface="Times New Roman" panose="02020603050405020304" pitchFamily="18" charset="0"/>
+              </a:rPr>
+              <a:t>(geralmente de forma </a:t>
+            </a:r>
+            <a:r>
+              <a:rPr lang="pt-BR" sz="2200" b="1" dirty="0">
+                <a:solidFill>
+                  <a:srgbClr val="FF0000"/>
+                </a:solidFill>
+                <a:latin typeface="Times New Roman" panose="02020603050405020304" pitchFamily="18" charset="0"/>
+                <a:cs typeface="Times New Roman" panose="02020603050405020304" pitchFamily="18" charset="0"/>
+              </a:rPr>
+              <a:t>recursiva</a:t>
+            </a:r>
+            <a:r>
+              <a:rPr lang="pt-BR" sz="2200" dirty="0">
+                <a:latin typeface="Times New Roman" panose="02020603050405020304" pitchFamily="18" charset="0"/>
+                <a:cs typeface="Times New Roman" panose="02020603050405020304" pitchFamily="18" charset="0"/>
+              </a:rPr>
+              <a:t>).</a:t>
+            </a:r>
+          </a:p>
+          <a:p>
+            <a:pPr algn="just">
+              <a:buFont typeface="Wingdings" panose="05000000000000000000" pitchFamily="2" charset="2"/>
+              <a:buChar char="§"/>
+            </a:pPr>
+            <a:endParaRPr lang="pt-BR" sz="2200" dirty="0">
+              <a:latin typeface="Times New Roman" panose="02020603050405020304" pitchFamily="18" charset="0"/>
+              <a:cs typeface="Times New Roman" panose="02020603050405020304" pitchFamily="18" charset="0"/>
+            </a:endParaRPr>
+          </a:p>
+          <a:p>
+            <a:pPr algn="just">
+              <a:buFont typeface="Wingdings" panose="05000000000000000000" pitchFamily="2" charset="2"/>
+              <a:buChar char="§"/>
+            </a:pPr>
+            <a:r>
+              <a:rPr lang="pt-BR" sz="2200" b="1" dirty="0">
+                <a:latin typeface="Times New Roman" panose="02020603050405020304" pitchFamily="18" charset="0"/>
+                <a:cs typeface="Times New Roman" panose="02020603050405020304" pitchFamily="18" charset="0"/>
+              </a:rPr>
+              <a:t>Combinar</a:t>
+            </a:r>
+            <a:r>
+              <a:rPr lang="pt-BR" sz="2200" dirty="0">
+                <a:latin typeface="Times New Roman" panose="02020603050405020304" pitchFamily="18" charset="0"/>
+                <a:cs typeface="Times New Roman" panose="02020603050405020304" pitchFamily="18" charset="0"/>
+              </a:rPr>
+              <a:t>: </a:t>
+            </a:r>
+            <a:r>
+              <a:rPr lang="pt-BR" sz="2200" b="1" dirty="0">
+                <a:solidFill>
+                  <a:srgbClr val="FF0000"/>
+                </a:solidFill>
+                <a:latin typeface="Times New Roman" panose="02020603050405020304" pitchFamily="18" charset="0"/>
+                <a:cs typeface="Times New Roman" panose="02020603050405020304" pitchFamily="18" charset="0"/>
+              </a:rPr>
+              <a:t>unir as soluções dos subproblemas </a:t>
+            </a:r>
+            <a:r>
+              <a:rPr lang="pt-BR" sz="2200" dirty="0">
+                <a:latin typeface="Times New Roman" panose="02020603050405020304" pitchFamily="18" charset="0"/>
+                <a:cs typeface="Times New Roman" panose="02020603050405020304" pitchFamily="18" charset="0"/>
+              </a:rPr>
+              <a:t>para </a:t>
+            </a:r>
+            <a:r>
+              <a:rPr lang="pt-BR" sz="2200" b="1" dirty="0">
+                <a:latin typeface="Times New Roman" panose="02020603050405020304" pitchFamily="18" charset="0"/>
+                <a:cs typeface="Times New Roman" panose="02020603050405020304" pitchFamily="18" charset="0"/>
+              </a:rPr>
+              <a:t>formar a solução do problema original</a:t>
+            </a:r>
+            <a:r>
+              <a:rPr lang="pt-BR" sz="2200" dirty="0">
+                <a:latin typeface="Times New Roman" panose="02020603050405020304" pitchFamily="18" charset="0"/>
+                <a:cs typeface="Times New Roman" panose="02020603050405020304" pitchFamily="18" charset="0"/>
+              </a:rPr>
+              <a:t>.</a:t>
+            </a:r>
+            <a:endParaRPr lang="pt-BR" sz="2200" dirty="0">
+              <a:solidFill>
+                <a:schemeClr val="tx1"/>
+              </a:solidFill>
+              <a:latin typeface="Times New Roman" panose="02020603050405020304" pitchFamily="18" charset="0"/>
+              <a:cs typeface="Times New Roman" panose="02020603050405020304" pitchFamily="18" charset="0"/>
             </a:endParaRPr>
           </a:p>
         </p:txBody>
@@ -4608,7 +7437,7 @@
     </p:spTree>
     <p:extLst>
       <p:ext uri="{BB962C8B-B14F-4D97-AF65-F5344CB8AC3E}">
-        <p14:creationId xmlns:p14="http://schemas.microsoft.com/office/powerpoint/2010/main" val="3680270425"/>
+        <p14:creationId xmlns:p14="http://schemas.microsoft.com/office/powerpoint/2010/main" val="3917822559"/>
       </p:ext>
     </p:extLst>
   </p:cSld>
@@ -4624,7 +7453,13 @@
   <p:cSld>
     <p:spTree>
       <p:nvGrpSpPr>
-        <p:cNvPr id="1" name=""/>
+        <p:cNvPr id="1" name="">
+          <a:extLst>
+            <a:ext uri="{FF2B5EF4-FFF2-40B4-BE49-F238E27FC236}">
+              <a16:creationId xmlns:a16="http://schemas.microsoft.com/office/drawing/2014/main" id="{D563AB15-0659-9123-5681-24D2995B88B9}"/>
+            </a:ext>
+          </a:extLst>
+        </p:cNvPr>
         <p:cNvGrpSpPr/>
         <p:nvPr/>
       </p:nvGrpSpPr>
@@ -4638,7 +7473,13 @@
       </p:grpSpPr>
       <p:sp>
         <p:nvSpPr>
-          <p:cNvPr id="6" name="Title 1"/>
+          <p:cNvPr id="6" name="Title 1">
+            <a:extLst>
+              <a:ext uri="{FF2B5EF4-FFF2-40B4-BE49-F238E27FC236}">
+                <a16:creationId xmlns:a16="http://schemas.microsoft.com/office/drawing/2014/main" id="{0B92931B-4E35-9AD9-C010-DDAF6F3F6A31}"/>
+              </a:ext>
+            </a:extLst>
+          </p:cNvPr>
           <p:cNvSpPr>
             <a:spLocks noGrp="1"/>
           </p:cNvSpPr>
@@ -4664,7 +7505,7 @@
                   <a:srgbClr val="0070C0"/>
                 </a:solidFill>
               </a:rPr>
-              <a:t>Aprenda</a:t>
+              <a:t>Divisão</a:t>
             </a:r>
             <a:r>
               <a:rPr lang="en-US" b="1" dirty="0">
@@ -4672,14 +7513,33 @@
                   <a:srgbClr val="0070C0"/>
                 </a:solidFill>
               </a:rPr>
-              <a:t>+</a:t>
-            </a:r>
+              <a:t> e Conquista - </a:t>
+            </a:r>
+            <a:r>
+              <a:rPr lang="en-US" b="1" dirty="0" err="1">
+                <a:solidFill>
+                  <a:srgbClr val="0070C0"/>
+                </a:solidFill>
+              </a:rPr>
+              <a:t>Etapas</a:t>
+            </a:r>
+            <a:endParaRPr lang="en-US" b="1" dirty="0">
+              <a:solidFill>
+                <a:srgbClr val="0070C0"/>
+              </a:solidFill>
+            </a:endParaRPr>
           </a:p>
         </p:txBody>
       </p:sp>
       <p:sp>
         <p:nvSpPr>
-          <p:cNvPr id="8" name="Text Placeholder 2"/>
+          <p:cNvPr id="8" name="Text Placeholder 2">
+            <a:extLst>
+              <a:ext uri="{FF2B5EF4-FFF2-40B4-BE49-F238E27FC236}">
+                <a16:creationId xmlns:a16="http://schemas.microsoft.com/office/drawing/2014/main" id="{C37E997F-EEFE-A477-C647-DB1DB6423627}"/>
+              </a:ext>
+            </a:extLst>
+          </p:cNvPr>
           <p:cNvSpPr>
             <a:spLocks noGrp="1"/>
           </p:cNvSpPr>
@@ -4699,97 +7559,192 @@
           </a:bodyPr>
           <a:lstStyle/>
           <a:p>
+            <a:pPr algn="just">
+              <a:buFont typeface="Wingdings" panose="05000000000000000000" pitchFamily="2" charset="2"/>
+              <a:buChar char="§"/>
+            </a:pPr>
+            <a:endParaRPr lang="pt-BR" sz="2200" dirty="0">
+              <a:latin typeface="Times New Roman" panose="02020603050405020304" pitchFamily="18" charset="0"/>
+              <a:cs typeface="Times New Roman" panose="02020603050405020304" pitchFamily="18" charset="0"/>
+            </a:endParaRPr>
+          </a:p>
+          <a:p>
+            <a:pPr algn="just">
+              <a:buFont typeface="Wingdings" panose="05000000000000000000" pitchFamily="2" charset="2"/>
+              <a:buChar char="§"/>
+            </a:pPr>
+            <a:r>
+              <a:rPr lang="pt-BR" sz="2200" b="1" dirty="0">
+                <a:latin typeface="Times New Roman" panose="02020603050405020304" pitchFamily="18" charset="0"/>
+                <a:cs typeface="Times New Roman" panose="02020603050405020304" pitchFamily="18" charset="0"/>
+              </a:rPr>
+              <a:t>Dividir</a:t>
+            </a:r>
+            <a:r>
+              <a:rPr lang="pt-BR" sz="2200" dirty="0">
+                <a:latin typeface="Times New Roman" panose="02020603050405020304" pitchFamily="18" charset="0"/>
+                <a:cs typeface="Times New Roman" panose="02020603050405020304" pitchFamily="18" charset="0"/>
+              </a:rPr>
+              <a:t>: particionar o </a:t>
+            </a:r>
+            <a:r>
+              <a:rPr lang="pt-BR" sz="2200" b="1" dirty="0">
+                <a:solidFill>
+                  <a:srgbClr val="FF0000"/>
+                </a:solidFill>
+                <a:latin typeface="Times New Roman" panose="02020603050405020304" pitchFamily="18" charset="0"/>
+                <a:cs typeface="Times New Roman" panose="02020603050405020304" pitchFamily="18" charset="0"/>
+              </a:rPr>
+              <a:t>problema</a:t>
+            </a:r>
+            <a:r>
+              <a:rPr lang="pt-BR" sz="2200" dirty="0">
+                <a:latin typeface="Times New Roman" panose="02020603050405020304" pitchFamily="18" charset="0"/>
+                <a:cs typeface="Times New Roman" panose="02020603050405020304" pitchFamily="18" charset="0"/>
+              </a:rPr>
+              <a:t> em </a:t>
+            </a:r>
+            <a:r>
+              <a:rPr lang="pt-BR" sz="2200" b="1" dirty="0">
+                <a:latin typeface="Times New Roman" panose="02020603050405020304" pitchFamily="18" charset="0"/>
+                <a:cs typeface="Times New Roman" panose="02020603050405020304" pitchFamily="18" charset="0"/>
+              </a:rPr>
+              <a:t>subproblemas</a:t>
+            </a:r>
+            <a:r>
+              <a:rPr lang="pt-BR" sz="2200" dirty="0">
+                <a:latin typeface="Times New Roman" panose="02020603050405020304" pitchFamily="18" charset="0"/>
+                <a:cs typeface="Times New Roman" panose="02020603050405020304" pitchFamily="18" charset="0"/>
+              </a:rPr>
+              <a:t> de tamanho reduzido.</a:t>
+            </a:r>
+          </a:p>
+          <a:p>
             <a:pPr marL="0" indent="0" algn="just">
               <a:buNone/>
             </a:pPr>
-            <a:r>
-              <a:rPr lang="pt-BR" sz="2400" dirty="0">
-                <a:latin typeface="Times New Roman" panose="02020603050405020304" pitchFamily="18" charset="0"/>
-                <a:cs typeface="Times New Roman" panose="02020603050405020304" pitchFamily="18" charset="0"/>
-              </a:rPr>
-              <a:t>[1] Algoritmos e Complexidade – Parte 1</a:t>
+            <a:endParaRPr lang="pt-BR" sz="2200" dirty="0">
+              <a:latin typeface="Times New Roman" panose="02020603050405020304" pitchFamily="18" charset="0"/>
+              <a:cs typeface="Times New Roman" panose="02020603050405020304" pitchFamily="18" charset="0"/>
+            </a:endParaRPr>
+          </a:p>
+          <a:p>
+            <a:pPr algn="just">
+              <a:buFont typeface="Wingdings" panose="05000000000000000000" pitchFamily="2" charset="2"/>
+              <a:buChar char="§"/>
+            </a:pPr>
+            <a:r>
+              <a:rPr lang="pt-BR" sz="2200" b="1" dirty="0">
+                <a:solidFill>
+                  <a:srgbClr val="FF0000"/>
+                </a:solidFill>
+                <a:latin typeface="Times New Roman" panose="02020603050405020304" pitchFamily="18" charset="0"/>
+                <a:cs typeface="Times New Roman" panose="02020603050405020304" pitchFamily="18" charset="0"/>
+              </a:rPr>
+              <a:t>Conquistar</a:t>
+            </a:r>
+            <a:r>
+              <a:rPr lang="pt-BR" sz="2200" dirty="0">
+                <a:latin typeface="Times New Roman" panose="02020603050405020304" pitchFamily="18" charset="0"/>
+                <a:cs typeface="Times New Roman" panose="02020603050405020304" pitchFamily="18" charset="0"/>
+              </a:rPr>
+              <a:t>: </a:t>
+            </a:r>
+            <a:r>
+              <a:rPr lang="pt-BR" sz="2200" b="1" dirty="0">
+                <a:latin typeface="Times New Roman" panose="02020603050405020304" pitchFamily="18" charset="0"/>
+                <a:cs typeface="Times New Roman" panose="02020603050405020304" pitchFamily="18" charset="0"/>
+              </a:rPr>
+              <a:t>resolver os subproblemas </a:t>
+            </a:r>
+            <a:r>
+              <a:rPr lang="pt-BR" sz="2200" dirty="0">
+                <a:latin typeface="Times New Roman" panose="02020603050405020304" pitchFamily="18" charset="0"/>
+                <a:cs typeface="Times New Roman" panose="02020603050405020304" pitchFamily="18" charset="0"/>
+              </a:rPr>
+              <a:t>(geralmente de forma </a:t>
+            </a:r>
+            <a:r>
+              <a:rPr lang="pt-BR" sz="2200" b="1" dirty="0">
+                <a:solidFill>
+                  <a:srgbClr val="FF0000"/>
+                </a:solidFill>
+                <a:latin typeface="Times New Roman" panose="02020603050405020304" pitchFamily="18" charset="0"/>
+                <a:cs typeface="Times New Roman" panose="02020603050405020304" pitchFamily="18" charset="0"/>
+              </a:rPr>
+              <a:t>recursiva</a:t>
+            </a:r>
+            <a:r>
+              <a:rPr lang="pt-BR" sz="2200" dirty="0">
+                <a:latin typeface="Times New Roman" panose="02020603050405020304" pitchFamily="18" charset="0"/>
+                <a:cs typeface="Times New Roman" panose="02020603050405020304" pitchFamily="18" charset="0"/>
+              </a:rPr>
+              <a:t>).</a:t>
             </a:r>
           </a:p>
           <a:p>
             <a:pPr marL="0" indent="0" algn="just">
               <a:buNone/>
             </a:pPr>
-            <a:r>
-              <a:rPr lang="pt-BR" sz="2400" b="1" dirty="0">
-                <a:solidFill>
-                  <a:srgbClr val="FF0000"/>
-                </a:solidFill>
-                <a:latin typeface="Times New Roman" panose="02020603050405020304" pitchFamily="18" charset="0"/>
-                <a:cs typeface="Times New Roman" panose="02020603050405020304" pitchFamily="18" charset="0"/>
-              </a:rPr>
-              <a:t>Disponível em: </a:t>
-            </a:r>
-            <a:r>
-              <a:rPr lang="pt-BR" sz="2400" dirty="0">
-                <a:latin typeface="Times New Roman" panose="02020603050405020304" pitchFamily="18" charset="0"/>
-                <a:cs typeface="Times New Roman" panose="02020603050405020304" pitchFamily="18" charset="0"/>
-                <a:hlinkClick r:id="rId3"/>
-              </a:rPr>
-              <a:t>https://</a:t>
-            </a:r>
-            <a:endParaRPr lang="pt-BR" sz="2400" dirty="0">
+            <a:endParaRPr lang="pt-BR" sz="2200" dirty="0">
               <a:latin typeface="Times New Roman" panose="02020603050405020304" pitchFamily="18" charset="0"/>
               <a:cs typeface="Times New Roman" panose="02020603050405020304" pitchFamily="18" charset="0"/>
             </a:endParaRPr>
           </a:p>
           <a:p>
-            <a:pPr marL="0" indent="0" algn="just">
-              <a:buNone/>
+            <a:pPr algn="just">
+              <a:buFont typeface="Wingdings" panose="05000000000000000000" pitchFamily="2" charset="2"/>
+              <a:buChar char="§"/>
             </a:pPr>
-            <a:endParaRPr lang="pt-BR" sz="2400" dirty="0">
-              <a:latin typeface="Times New Roman" panose="02020603050405020304" pitchFamily="18" charset="0"/>
-              <a:cs typeface="Times New Roman" panose="02020603050405020304" pitchFamily="18" charset="0"/>
-            </a:endParaRPr>
-          </a:p>
-          <a:p>
-            <a:pPr marL="0" indent="0" algn="just">
-              <a:buNone/>
-            </a:pPr>
-            <a:r>
-              <a:rPr lang="pt-BR" sz="2400" dirty="0">
-                <a:latin typeface="Times New Roman" panose="02020603050405020304" pitchFamily="18" charset="0"/>
-                <a:cs typeface="Times New Roman" panose="02020603050405020304" pitchFamily="18" charset="0"/>
-              </a:rPr>
-              <a:t>[2] Algoritmos e Complexidade – Parte 2</a:t>
-            </a:r>
-          </a:p>
-          <a:p>
-            <a:pPr marL="0" indent="0" algn="just">
-              <a:buNone/>
-            </a:pPr>
-            <a:r>
-              <a:rPr lang="pt-BR" sz="2400" b="1" dirty="0">
+            <a:r>
+              <a:rPr lang="pt-BR" sz="2200" b="1" dirty="0">
+                <a:latin typeface="Times New Roman" panose="02020603050405020304" pitchFamily="18" charset="0"/>
+                <a:cs typeface="Times New Roman" panose="02020603050405020304" pitchFamily="18" charset="0"/>
+              </a:rPr>
+              <a:t>Combinar</a:t>
+            </a:r>
+            <a:r>
+              <a:rPr lang="pt-BR" sz="2200" dirty="0">
+                <a:latin typeface="Times New Roman" panose="02020603050405020304" pitchFamily="18" charset="0"/>
+                <a:cs typeface="Times New Roman" panose="02020603050405020304" pitchFamily="18" charset="0"/>
+              </a:rPr>
+              <a:t>: </a:t>
+            </a:r>
+            <a:r>
+              <a:rPr lang="pt-BR" sz="2200" b="1" dirty="0">
                 <a:solidFill>
                   <a:srgbClr val="FF0000"/>
                 </a:solidFill>
                 <a:latin typeface="Times New Roman" panose="02020603050405020304" pitchFamily="18" charset="0"/>
                 <a:cs typeface="Times New Roman" panose="02020603050405020304" pitchFamily="18" charset="0"/>
               </a:rPr>
-              <a:t>Disponível em: </a:t>
-            </a:r>
-            <a:r>
-              <a:rPr lang="pt-BR" sz="2400" dirty="0">
-                <a:latin typeface="Times New Roman" panose="02020603050405020304" pitchFamily="18" charset="0"/>
-                <a:cs typeface="Times New Roman" panose="02020603050405020304" pitchFamily="18" charset="0"/>
-                <a:hlinkClick r:id="rId4"/>
-              </a:rPr>
-              <a:t>https://</a:t>
-            </a:r>
-            <a:endParaRPr lang="pt-BR" sz="2400" dirty="0">
-              <a:latin typeface="Times New Roman" panose="02020603050405020304" pitchFamily="18" charset="0"/>
-              <a:cs typeface="Times New Roman" panose="02020603050405020304" pitchFamily="18" charset="0"/>
-            </a:endParaRPr>
-          </a:p>
-          <a:p>
-            <a:pPr marL="0" indent="0" algn="just">
-              <a:buNone/>
-            </a:pPr>
-            <a:endParaRPr lang="pt-BR" sz="2400" dirty="0">
+              <a:t>unir as soluções dos subproblemas </a:t>
+            </a:r>
+            <a:r>
+              <a:rPr lang="pt-BR" sz="2200" dirty="0">
+                <a:latin typeface="Times New Roman" panose="02020603050405020304" pitchFamily="18" charset="0"/>
+                <a:cs typeface="Times New Roman" panose="02020603050405020304" pitchFamily="18" charset="0"/>
+              </a:rPr>
+              <a:t>para </a:t>
+            </a:r>
+            <a:r>
+              <a:rPr lang="pt-BR" sz="2200" b="1" dirty="0">
+                <a:latin typeface="Times New Roman" panose="02020603050405020304" pitchFamily="18" charset="0"/>
+                <a:cs typeface="Times New Roman" panose="02020603050405020304" pitchFamily="18" charset="0"/>
+              </a:rPr>
+              <a:t>formar a solução do problema original</a:t>
+            </a:r>
+            <a:r>
+              <a:rPr lang="pt-BR" sz="2200" dirty="0">
+                <a:latin typeface="Times New Roman" panose="02020603050405020304" pitchFamily="18" charset="0"/>
+                <a:cs typeface="Times New Roman" panose="02020603050405020304" pitchFamily="18" charset="0"/>
+              </a:rPr>
+              <a:t>.</a:t>
+            </a:r>
+            <a:endParaRPr lang="pt-BR" sz="2200" dirty="0">
+              <a:solidFill>
+                <a:schemeClr val="tx1"/>
+              </a:solidFill>
               <a:latin typeface="Times New Roman" panose="02020603050405020304" pitchFamily="18" charset="0"/>
               <a:cs typeface="Times New Roman" panose="02020603050405020304" pitchFamily="18" charset="0"/>
             </a:endParaRPr>
@@ -4799,7 +7754,7 @@
     </p:spTree>
     <p:extLst>
       <p:ext uri="{BB962C8B-B14F-4D97-AF65-F5344CB8AC3E}">
-        <p14:creationId xmlns:p14="http://schemas.microsoft.com/office/powerpoint/2010/main" val="2747596967"/>
+        <p14:creationId xmlns:p14="http://schemas.microsoft.com/office/powerpoint/2010/main" val="2534992316"/>
       </p:ext>
     </p:extLst>
   </p:cSld>
@@ -4815,7 +7770,13 @@
   <p:cSld>
     <p:spTree>
       <p:nvGrpSpPr>
-        <p:cNvPr id="1" name=""/>
+        <p:cNvPr id="1" name="">
+          <a:extLst>
+            <a:ext uri="{FF2B5EF4-FFF2-40B4-BE49-F238E27FC236}">
+              <a16:creationId xmlns:a16="http://schemas.microsoft.com/office/drawing/2014/main" id="{664793FF-A3BA-BB67-BE77-13A995E97FF7}"/>
+            </a:ext>
+          </a:extLst>
+        </p:cNvPr>
         <p:cNvGrpSpPr/>
         <p:nvPr/>
       </p:nvGrpSpPr>
@@ -4829,7 +7790,13 @@
       </p:grpSpPr>
       <p:sp>
         <p:nvSpPr>
-          <p:cNvPr id="6" name="Title 1"/>
+          <p:cNvPr id="6" name="Title 1">
+            <a:extLst>
+              <a:ext uri="{FF2B5EF4-FFF2-40B4-BE49-F238E27FC236}">
+                <a16:creationId xmlns:a16="http://schemas.microsoft.com/office/drawing/2014/main" id="{27AA4FF8-E6FF-ADE3-2B8A-5AC0D65FD0EB}"/>
+              </a:ext>
+            </a:extLst>
+          </p:cNvPr>
           <p:cNvSpPr>
             <a:spLocks noGrp="1"/>
           </p:cNvSpPr>
@@ -4855,7 +7822,7 @@
                   <a:srgbClr val="0070C0"/>
                 </a:solidFill>
               </a:rPr>
-              <a:t>Dinâmica</a:t>
+              <a:t>Divisão</a:t>
             </a:r>
             <a:r>
               <a:rPr lang="en-US" b="1" dirty="0">
@@ -4863,7 +7830,7 @@
                   <a:srgbClr val="0070C0"/>
                 </a:solidFill>
               </a:rPr>
-              <a:t>/</a:t>
+              <a:t> e Conquista – </a:t>
             </a:r>
             <a:r>
               <a:rPr lang="en-US" b="1" dirty="0" err="1">
@@ -4871,19 +7838,28 @@
                   <a:srgbClr val="0070C0"/>
                 </a:solidFill>
               </a:rPr>
-              <a:t>Atividades</a:t>
-            </a:r>
-            <a:endParaRPr lang="en-US" b="1" dirty="0">
-              <a:solidFill>
-                <a:srgbClr val="0070C0"/>
-              </a:solidFill>
-            </a:endParaRPr>
+              <a:t>Exemplo</a:t>
+            </a:r>
+            <a:r>
+              <a:rPr lang="en-US" b="1" dirty="0">
+                <a:solidFill>
+                  <a:srgbClr val="0070C0"/>
+                </a:solidFill>
+              </a:rPr>
+              <a:t> 1</a:t>
+            </a:r>
           </a:p>
         </p:txBody>
       </p:sp>
       <p:sp>
         <p:nvSpPr>
-          <p:cNvPr id="8" name="Text Placeholder 2"/>
+          <p:cNvPr id="8" name="Text Placeholder 2">
+            <a:extLst>
+              <a:ext uri="{FF2B5EF4-FFF2-40B4-BE49-F238E27FC236}">
+                <a16:creationId xmlns:a16="http://schemas.microsoft.com/office/drawing/2014/main" id="{8AC30469-97BA-4827-54CE-0870804C6E6F}"/>
+              </a:ext>
+            </a:extLst>
+          </p:cNvPr>
           <p:cNvSpPr>
             <a:spLocks noGrp="1"/>
           </p:cNvSpPr>
@@ -4893,8 +7869,8 @@
         </p:nvSpPr>
         <p:spPr>
           <a:xfrm>
-            <a:off x="139472" y="1063230"/>
-            <a:ext cx="8865056" cy="3606305"/>
+            <a:off x="142865" y="1200150"/>
+            <a:ext cx="8865056" cy="3737370"/>
           </a:xfrm>
         </p:spPr>
         <p:txBody>
@@ -4903,51 +7879,245 @@
           </a:bodyPr>
           <a:lstStyle/>
           <a:p>
+            <a:pPr marL="0" indent="0" algn="just">
+              <a:buNone/>
+            </a:pPr>
+            <a:r>
+              <a:rPr lang="pt-BR" sz="2200" dirty="0">
+                <a:latin typeface="Times New Roman" panose="02020603050405020304" pitchFamily="18" charset="0"/>
+                <a:cs typeface="Times New Roman" panose="02020603050405020304" pitchFamily="18" charset="0"/>
+              </a:rPr>
+              <a:t>O </a:t>
+            </a:r>
+            <a:r>
+              <a:rPr lang="pt-BR" sz="2200" b="1" dirty="0">
+                <a:solidFill>
+                  <a:srgbClr val="FF0000"/>
+                </a:solidFill>
+                <a:latin typeface="Times New Roman" panose="02020603050405020304" pitchFamily="18" charset="0"/>
+                <a:cs typeface="Times New Roman" panose="02020603050405020304" pitchFamily="18" charset="0"/>
+              </a:rPr>
+              <a:t>algoritmo Merge </a:t>
+            </a:r>
+            <a:r>
+              <a:rPr lang="pt-BR" sz="2200" b="1" dirty="0" err="1">
+                <a:solidFill>
+                  <a:srgbClr val="FF0000"/>
+                </a:solidFill>
+                <a:latin typeface="Times New Roman" panose="02020603050405020304" pitchFamily="18" charset="0"/>
+                <a:cs typeface="Times New Roman" panose="02020603050405020304" pitchFamily="18" charset="0"/>
+              </a:rPr>
+              <a:t>Sort</a:t>
+            </a:r>
+            <a:r>
+              <a:rPr lang="pt-BR" sz="2200" b="1" dirty="0">
+                <a:solidFill>
+                  <a:srgbClr val="FF0000"/>
+                </a:solidFill>
+                <a:latin typeface="Times New Roman" panose="02020603050405020304" pitchFamily="18" charset="0"/>
+                <a:cs typeface="Times New Roman" panose="02020603050405020304" pitchFamily="18" charset="0"/>
+              </a:rPr>
+              <a:t> </a:t>
+            </a:r>
+            <a:r>
+              <a:rPr lang="pt-BR" sz="2200" dirty="0">
+                <a:latin typeface="Times New Roman" panose="02020603050405020304" pitchFamily="18" charset="0"/>
+                <a:cs typeface="Times New Roman" panose="02020603050405020304" pitchFamily="18" charset="0"/>
+              </a:rPr>
+              <a:t>utiliza </a:t>
+            </a:r>
+            <a:r>
+              <a:rPr lang="pt-BR" sz="2200" b="1" dirty="0">
+                <a:latin typeface="Times New Roman" panose="02020603050405020304" pitchFamily="18" charset="0"/>
+                <a:cs typeface="Times New Roman" panose="02020603050405020304" pitchFamily="18" charset="0"/>
+              </a:rPr>
+              <a:t>divisão e conquista </a:t>
+            </a:r>
+            <a:r>
+              <a:rPr lang="pt-BR" sz="2200" dirty="0">
+                <a:latin typeface="Times New Roman" panose="02020603050405020304" pitchFamily="18" charset="0"/>
+                <a:cs typeface="Times New Roman" panose="02020603050405020304" pitchFamily="18" charset="0"/>
+              </a:rPr>
+              <a:t>ao:</a:t>
+            </a:r>
+          </a:p>
+          <a:p>
             <a:pPr algn="just">
               <a:buFont typeface="Wingdings" panose="05000000000000000000" pitchFamily="2" charset="2"/>
               <a:buChar char="§"/>
             </a:pPr>
-            <a:r>
-              <a:rPr lang="pt-BR" dirty="0">
-                <a:latin typeface="Times New Roman" panose="02020603050405020304" pitchFamily="18" charset="0"/>
-                <a:cs typeface="Times New Roman" panose="02020603050405020304" pitchFamily="18" charset="0"/>
-              </a:rPr>
-              <a:t>	Exercícios (Atividade Verificadora de Aprendizagem)</a:t>
-            </a:r>
+            <a:endParaRPr lang="pt-BR" sz="2200" dirty="0">
+              <a:latin typeface="Times New Roman" panose="02020603050405020304" pitchFamily="18" charset="0"/>
+              <a:cs typeface="Times New Roman" panose="02020603050405020304" pitchFamily="18" charset="0"/>
+            </a:endParaRPr>
+          </a:p>
+          <a:p>
+            <a:pPr algn="just">
+              <a:buFont typeface="Wingdings" panose="05000000000000000000" pitchFamily="2" charset="2"/>
+              <a:buChar char="§"/>
+            </a:pPr>
+            <a:r>
+              <a:rPr lang="pt-BR" sz="2200" b="1" dirty="0">
+                <a:latin typeface="Times New Roman" panose="02020603050405020304" pitchFamily="18" charset="0"/>
+                <a:cs typeface="Times New Roman" panose="02020603050405020304" pitchFamily="18" charset="0"/>
+              </a:rPr>
+              <a:t>Dividir o vetor em duas metades</a:t>
+            </a:r>
+            <a:r>
+              <a:rPr lang="pt-BR" sz="2200" dirty="0">
+                <a:latin typeface="Times New Roman" panose="02020603050405020304" pitchFamily="18" charset="0"/>
+                <a:cs typeface="Times New Roman" panose="02020603050405020304" pitchFamily="18" charset="0"/>
+              </a:rPr>
+              <a:t>;</a:t>
+            </a:r>
+          </a:p>
+          <a:p>
+            <a:pPr algn="just">
+              <a:buFont typeface="Wingdings" panose="05000000000000000000" pitchFamily="2" charset="2"/>
+              <a:buChar char="§"/>
+            </a:pPr>
+            <a:endParaRPr lang="pt-BR" sz="2200" dirty="0">
+              <a:latin typeface="Times New Roman" panose="02020603050405020304" pitchFamily="18" charset="0"/>
+              <a:cs typeface="Times New Roman" panose="02020603050405020304" pitchFamily="18" charset="0"/>
+            </a:endParaRPr>
+          </a:p>
+          <a:p>
+            <a:pPr algn="just">
+              <a:buFont typeface="Wingdings" panose="05000000000000000000" pitchFamily="2" charset="2"/>
+              <a:buChar char="§"/>
+            </a:pPr>
+            <a:r>
+              <a:rPr lang="pt-BR" sz="2200" b="1" dirty="0">
+                <a:solidFill>
+                  <a:srgbClr val="FF0000"/>
+                </a:solidFill>
+                <a:latin typeface="Times New Roman" panose="02020603050405020304" pitchFamily="18" charset="0"/>
+                <a:cs typeface="Times New Roman" panose="02020603050405020304" pitchFamily="18" charset="0"/>
+              </a:rPr>
+              <a:t>Ordenar recursivamente cada metade</a:t>
+            </a:r>
+            <a:r>
+              <a:rPr lang="pt-BR" sz="2200" dirty="0">
+                <a:latin typeface="Times New Roman" panose="02020603050405020304" pitchFamily="18" charset="0"/>
+                <a:cs typeface="Times New Roman" panose="02020603050405020304" pitchFamily="18" charset="0"/>
+              </a:rPr>
+              <a:t>;</a:t>
+            </a:r>
+          </a:p>
+          <a:p>
+            <a:pPr algn="just">
+              <a:buFont typeface="Wingdings" panose="05000000000000000000" pitchFamily="2" charset="2"/>
+              <a:buChar char="§"/>
+            </a:pPr>
+            <a:endParaRPr lang="pt-BR" sz="2200" dirty="0">
+              <a:latin typeface="Times New Roman" panose="02020603050405020304" pitchFamily="18" charset="0"/>
+              <a:cs typeface="Times New Roman" panose="02020603050405020304" pitchFamily="18" charset="0"/>
+            </a:endParaRPr>
+          </a:p>
+          <a:p>
+            <a:pPr algn="just">
+              <a:buFont typeface="Wingdings" panose="05000000000000000000" pitchFamily="2" charset="2"/>
+              <a:buChar char="§"/>
+            </a:pPr>
+            <a:r>
+              <a:rPr lang="pt-BR" sz="2200" b="1" dirty="0">
+                <a:latin typeface="Times New Roman" panose="02020603050405020304" pitchFamily="18" charset="0"/>
+                <a:cs typeface="Times New Roman" panose="02020603050405020304" pitchFamily="18" charset="0"/>
+              </a:rPr>
+              <a:t>Combinar (intercalar) as duas metades ordenadas</a:t>
+            </a:r>
+            <a:r>
+              <a:rPr lang="pt-BR" sz="2200" dirty="0">
+                <a:latin typeface="Times New Roman" panose="02020603050405020304" pitchFamily="18" charset="0"/>
+                <a:cs typeface="Times New Roman" panose="02020603050405020304" pitchFamily="18" charset="0"/>
+              </a:rPr>
+              <a:t>.</a:t>
+            </a:r>
+          </a:p>
+          <a:p>
+            <a:pPr algn="just">
+              <a:buFont typeface="Wingdings" panose="05000000000000000000" pitchFamily="2" charset="2"/>
+              <a:buChar char="§"/>
+            </a:pPr>
+            <a:endParaRPr lang="pt-BR" sz="2200" dirty="0">
+              <a:solidFill>
+                <a:schemeClr val="tx1"/>
+              </a:solidFill>
+              <a:latin typeface="Times New Roman" panose="02020603050405020304" pitchFamily="18" charset="0"/>
+              <a:cs typeface="Times New Roman" panose="02020603050405020304" pitchFamily="18" charset="0"/>
+            </a:endParaRPr>
           </a:p>
           <a:p>
             <a:pPr marL="0" indent="0" algn="just">
               <a:buNone/>
             </a:pPr>
             <a:r>
-              <a:rPr lang="pt-BR" dirty="0">
-                <a:latin typeface="Times New Roman" panose="02020603050405020304" pitchFamily="18" charset="0"/>
-                <a:cs typeface="Times New Roman" panose="02020603050405020304" pitchFamily="18" charset="0"/>
-              </a:rPr>
-              <a:t> </a:t>
-            </a:r>
-            <a:r>
-              <a:rPr lang="pt-BR" sz="2400" dirty="0">
-                <a:latin typeface="Times New Roman" panose="02020603050405020304" pitchFamily="18" charset="0"/>
-                <a:cs typeface="Times New Roman" panose="02020603050405020304" pitchFamily="18" charset="0"/>
-              </a:rPr>
-              <a:t>	</a:t>
-            </a:r>
-          </a:p>
-          <a:p>
-            <a:pPr marL="0" indent="0" algn="just">
-              <a:buNone/>
-            </a:pPr>
-            <a:endParaRPr lang="pt-BR" sz="2000" dirty="0">
-              <a:latin typeface="Calibri" panose="020F0502020204030204" pitchFamily="34" charset="0"/>
-            </a:endParaRPr>
+              <a:rPr lang="pt-BR" sz="2200" b="1" dirty="0">
+                <a:solidFill>
+                  <a:srgbClr val="FF0000"/>
+                </a:solidFill>
+                <a:latin typeface="Times New Roman" panose="02020603050405020304" pitchFamily="18" charset="0"/>
+                <a:cs typeface="Times New Roman" panose="02020603050405020304" pitchFamily="18" charset="0"/>
+              </a:rPr>
+              <a:t>Complexidade</a:t>
+            </a:r>
+            <a:r>
+              <a:rPr lang="pt-BR" sz="2200" dirty="0">
+                <a:solidFill>
+                  <a:schemeClr val="tx1"/>
+                </a:solidFill>
+                <a:latin typeface="Times New Roman" panose="02020603050405020304" pitchFamily="18" charset="0"/>
+                <a:cs typeface="Times New Roman" panose="02020603050405020304" pitchFamily="18" charset="0"/>
+              </a:rPr>
+              <a:t>: T(n) = </a:t>
+            </a:r>
+            <a:r>
+              <a:rPr lang="pt-BR" sz="2200" b="1" dirty="0">
+                <a:solidFill>
+                  <a:schemeClr val="tx1"/>
+                </a:solidFill>
+                <a:latin typeface="Times New Roman" panose="02020603050405020304" pitchFamily="18" charset="0"/>
+                <a:cs typeface="Times New Roman" panose="02020603050405020304" pitchFamily="18" charset="0"/>
+              </a:rPr>
+              <a:t>2T(n/2) + O(n) =&gt; </a:t>
+            </a:r>
+            <a:r>
+              <a:rPr lang="pt-BR" sz="2200" dirty="0">
+                <a:solidFill>
+                  <a:schemeClr val="tx1"/>
+                </a:solidFill>
+                <a:latin typeface="Times New Roman" panose="02020603050405020304" pitchFamily="18" charset="0"/>
+                <a:cs typeface="Times New Roman" panose="02020603050405020304" pitchFamily="18" charset="0"/>
+              </a:rPr>
+              <a:t>O(</a:t>
+            </a:r>
+            <a:r>
+              <a:rPr lang="pt-BR" sz="2200" b="1" dirty="0">
+                <a:solidFill>
+                  <a:srgbClr val="FF0000"/>
+                </a:solidFill>
+                <a:latin typeface="Times New Roman" panose="02020603050405020304" pitchFamily="18" charset="0"/>
+                <a:cs typeface="Times New Roman" panose="02020603050405020304" pitchFamily="18" charset="0"/>
+              </a:rPr>
+              <a:t>n log n</a:t>
+            </a:r>
+            <a:r>
+              <a:rPr lang="pt-BR" sz="2200" dirty="0">
+                <a:solidFill>
+                  <a:schemeClr val="tx1"/>
+                </a:solidFill>
+                <a:latin typeface="Times New Roman" panose="02020603050405020304" pitchFamily="18" charset="0"/>
+                <a:cs typeface="Times New Roman" panose="02020603050405020304" pitchFamily="18" charset="0"/>
+              </a:rPr>
+              <a:t>)</a:t>
+            </a:r>
           </a:p>
         </p:txBody>
       </p:sp>
     </p:spTree>
     <p:extLst>
       <p:ext uri="{BB962C8B-B14F-4D97-AF65-F5344CB8AC3E}">
-        <p14:creationId xmlns:p14="http://schemas.microsoft.com/office/powerpoint/2010/main" val="2470652989"/>
+        <p14:creationId xmlns:p14="http://schemas.microsoft.com/office/powerpoint/2010/main" val="3451544071"/>
       </p:ext>
     </p:extLst>
   </p:cSld>
@@ -4963,7 +8133,13 @@
   <p:cSld>
     <p:spTree>
       <p:nvGrpSpPr>
-        <p:cNvPr id="1" name=""/>
+        <p:cNvPr id="1" name="">
+          <a:extLst>
+            <a:ext uri="{FF2B5EF4-FFF2-40B4-BE49-F238E27FC236}">
+              <a16:creationId xmlns:a16="http://schemas.microsoft.com/office/drawing/2014/main" id="{82DD35A4-0B9D-FD00-4100-ADCA30631D97}"/>
+            </a:ext>
+          </a:extLst>
+        </p:cNvPr>
         <p:cNvGrpSpPr/>
         <p:nvPr/>
       </p:nvGrpSpPr>
@@ -4977,7 +8153,13 @@
       </p:grpSpPr>
       <p:sp>
         <p:nvSpPr>
-          <p:cNvPr id="6" name="Title 1"/>
+          <p:cNvPr id="6" name="Title 1">
+            <a:extLst>
+              <a:ext uri="{FF2B5EF4-FFF2-40B4-BE49-F238E27FC236}">
+                <a16:creationId xmlns:a16="http://schemas.microsoft.com/office/drawing/2014/main" id="{45A09352-DFBA-1A05-66FA-AEF1FB38E6AE}"/>
+              </a:ext>
+            </a:extLst>
+          </p:cNvPr>
           <p:cNvSpPr>
             <a:spLocks noGrp="1"/>
           </p:cNvSpPr>
@@ -5003,7 +8185,7 @@
                   <a:srgbClr val="0070C0"/>
                 </a:solidFill>
               </a:rPr>
-              <a:t>Referências</a:t>
+              <a:t>Divisão</a:t>
             </a:r>
             <a:r>
               <a:rPr lang="en-US" b="1" dirty="0">
@@ -5011,7 +8193,7 @@
                   <a:srgbClr val="0070C0"/>
                 </a:solidFill>
               </a:rPr>
-              <a:t> </a:t>
+              <a:t> e Conquista – </a:t>
             </a:r>
             <a:r>
               <a:rPr lang="en-US" b="1" dirty="0" err="1">
@@ -5019,19 +8201,28 @@
                   <a:srgbClr val="0070C0"/>
                 </a:solidFill>
               </a:rPr>
-              <a:t>Bibliográficas</a:t>
-            </a:r>
-            <a:endParaRPr lang="en-US" b="1" dirty="0">
-              <a:solidFill>
-                <a:srgbClr val="0070C0"/>
-              </a:solidFill>
-            </a:endParaRPr>
+              <a:t>Exemplo</a:t>
+            </a:r>
+            <a:r>
+              <a:rPr lang="en-US" b="1" dirty="0">
+                <a:solidFill>
+                  <a:srgbClr val="0070C0"/>
+                </a:solidFill>
+              </a:rPr>
+              <a:t> 2</a:t>
+            </a:r>
           </a:p>
         </p:txBody>
       </p:sp>
       <p:sp>
         <p:nvSpPr>
-          <p:cNvPr id="8" name="Text Placeholder 2"/>
+          <p:cNvPr id="8" name="Text Placeholder 2">
+            <a:extLst>
+              <a:ext uri="{FF2B5EF4-FFF2-40B4-BE49-F238E27FC236}">
+                <a16:creationId xmlns:a16="http://schemas.microsoft.com/office/drawing/2014/main" id="{C201DE79-861F-9602-E4C0-F850BBE73F80}"/>
+              </a:ext>
+            </a:extLst>
+          </p:cNvPr>
           <p:cNvSpPr>
             <a:spLocks noGrp="1"/>
           </p:cNvSpPr>
@@ -5041,8 +8232,8 @@
         </p:nvSpPr>
         <p:spPr>
           <a:xfrm>
-            <a:off x="142865" y="1200151"/>
-            <a:ext cx="8865056" cy="3394472"/>
+            <a:off x="142865" y="1200150"/>
+            <a:ext cx="8865056" cy="3737370"/>
           </a:xfrm>
         </p:spPr>
         <p:txBody>
@@ -5051,22 +8242,96 @@
           </a:bodyPr>
           <a:lstStyle/>
           <a:p>
+            <a:pPr marL="0" indent="0">
+              <a:buNone/>
+            </a:pPr>
+            <a:r>
+              <a:rPr lang="pt-BR" sz="2200" dirty="0">
+                <a:latin typeface="Times New Roman" panose="02020603050405020304" pitchFamily="18" charset="0"/>
+                <a:cs typeface="Times New Roman" panose="02020603050405020304" pitchFamily="18" charset="0"/>
+              </a:rPr>
+              <a:t>O </a:t>
+            </a:r>
+            <a:r>
+              <a:rPr lang="pt-BR" sz="2200" b="1" dirty="0">
+                <a:solidFill>
+                  <a:srgbClr val="FF0000"/>
+                </a:solidFill>
+                <a:latin typeface="Times New Roman" panose="02020603050405020304" pitchFamily="18" charset="0"/>
+                <a:cs typeface="Times New Roman" panose="02020603050405020304" pitchFamily="18" charset="0"/>
+              </a:rPr>
+              <a:t>algoritmo Busca Binária </a:t>
+            </a:r>
+            <a:r>
+              <a:rPr lang="pt-BR" sz="2200" dirty="0">
+                <a:latin typeface="Times New Roman" panose="02020603050405020304" pitchFamily="18" charset="0"/>
+                <a:cs typeface="Times New Roman" panose="02020603050405020304" pitchFamily="18" charset="0"/>
+              </a:rPr>
+              <a:t>utiliza </a:t>
+            </a:r>
+            <a:r>
+              <a:rPr lang="pt-BR" sz="2200" b="1" dirty="0">
+                <a:latin typeface="Times New Roman" panose="02020603050405020304" pitchFamily="18" charset="0"/>
+                <a:cs typeface="Times New Roman" panose="02020603050405020304" pitchFamily="18" charset="0"/>
+              </a:rPr>
+              <a:t>divisão e conquista </a:t>
+            </a:r>
+            <a:r>
+              <a:rPr lang="pt-BR" sz="2200" dirty="0">
+                <a:latin typeface="Times New Roman" panose="02020603050405020304" pitchFamily="18" charset="0"/>
+                <a:cs typeface="Times New Roman" panose="02020603050405020304" pitchFamily="18" charset="0"/>
+              </a:rPr>
+              <a:t>ao reduzir pela metade o espaço de busca a cada passo:</a:t>
+            </a:r>
+          </a:p>
+          <a:p>
+            <a:pPr lvl="1">
+              <a:buFont typeface="Wingdings" panose="05000000000000000000" pitchFamily="2" charset="2"/>
+              <a:buChar char="§"/>
+            </a:pPr>
+            <a:r>
+              <a:rPr lang="pt-BR" sz="2200" dirty="0">
+                <a:latin typeface="Times New Roman" panose="02020603050405020304" pitchFamily="18" charset="0"/>
+                <a:cs typeface="Times New Roman" panose="02020603050405020304" pitchFamily="18" charset="0"/>
+              </a:rPr>
+              <a:t>Verifica o elemento central;</a:t>
+            </a:r>
+          </a:p>
+          <a:p>
+            <a:pPr lvl="1">
+              <a:buFont typeface="Wingdings" panose="05000000000000000000" pitchFamily="2" charset="2"/>
+              <a:buChar char="§"/>
+            </a:pPr>
+            <a:r>
+              <a:rPr lang="pt-BR" sz="2200" dirty="0">
+                <a:latin typeface="Times New Roman" panose="02020603050405020304" pitchFamily="18" charset="0"/>
+                <a:cs typeface="Times New Roman" panose="02020603050405020304" pitchFamily="18" charset="0"/>
+              </a:rPr>
+              <a:t>Se for menor, busca à esquerda; se for maior, à direita.</a:t>
+            </a:r>
+          </a:p>
+          <a:p>
             <a:pPr marL="0" indent="0" algn="just">
               <a:buNone/>
             </a:pPr>
-            <a:r>
-              <a:rPr lang="pt-BR" sz="1800" dirty="0">
-                <a:latin typeface="Calibri" panose="020F0502020204030204" pitchFamily="34" charset="0"/>
-              </a:rPr>
-              <a:t>[1] ...</a:t>
-            </a:r>
+            <a:endParaRPr lang="pt-BR" sz="2200" dirty="0">
+              <a:solidFill>
+                <a:schemeClr val="tx1"/>
+              </a:solidFill>
+              <a:latin typeface="Times New Roman" panose="02020603050405020304" pitchFamily="18" charset="0"/>
+              <a:cs typeface="Times New Roman" panose="02020603050405020304" pitchFamily="18" charset="0"/>
+            </a:endParaRPr>
           </a:p>
           <a:p>
             <a:pPr marL="0" indent="0" algn="just">
               <a:buNone/>
             </a:pPr>
-            <a:endParaRPr lang="pt-BR" sz="1800" dirty="0">
-              <a:latin typeface="Calibri" panose="020F0502020204030204" pitchFamily="34" charset="0"/>
+            <a:endParaRPr lang="pt-BR" sz="2200" dirty="0">
+              <a:solidFill>
+                <a:schemeClr val="tx1"/>
+              </a:solidFill>
+              <a:latin typeface="Times New Roman" panose="02020603050405020304" pitchFamily="18" charset="0"/>
+              <a:cs typeface="Times New Roman" panose="02020603050405020304" pitchFamily="18" charset="0"/>
             </a:endParaRPr>
           </a:p>
           <a:p>
@@ -5074,26 +8339,72 @@
               <a:buNone/>
             </a:pPr>
             <a:r>
-              <a:rPr lang="pt-BR" sz="1800" dirty="0">
-                <a:latin typeface="Calibri" panose="020F0502020204030204" pitchFamily="34" charset="0"/>
-              </a:rPr>
-              <a:t>[2] ...</a:t>
-            </a:r>
-          </a:p>
-          <a:p>
-            <a:pPr marL="0" indent="0" algn="just">
-              <a:buNone/>
-            </a:pPr>
-            <a:endParaRPr lang="pt-BR" sz="1800" dirty="0">
-              <a:latin typeface="Calibri" panose="020F0502020204030204" pitchFamily="34" charset="0"/>
-            </a:endParaRPr>
+              <a:rPr lang="pt-BR" sz="2200" b="1" dirty="0">
+                <a:solidFill>
+                  <a:srgbClr val="FF0000"/>
+                </a:solidFill>
+                <a:latin typeface="Times New Roman" panose="02020603050405020304" pitchFamily="18" charset="0"/>
+                <a:cs typeface="Times New Roman" panose="02020603050405020304" pitchFamily="18" charset="0"/>
+              </a:rPr>
+              <a:t>Complexidade</a:t>
+            </a:r>
+            <a:r>
+              <a:rPr lang="pt-BR" sz="2200" dirty="0">
+                <a:solidFill>
+                  <a:schemeClr val="tx1"/>
+                </a:solidFill>
+                <a:latin typeface="Times New Roman" panose="02020603050405020304" pitchFamily="18" charset="0"/>
+                <a:cs typeface="Times New Roman" panose="02020603050405020304" pitchFamily="18" charset="0"/>
+              </a:rPr>
+              <a:t>: T(n) = </a:t>
+            </a:r>
+            <a:r>
+              <a:rPr lang="pt-BR" sz="2200" b="1" dirty="0">
+                <a:solidFill>
+                  <a:schemeClr val="tx1"/>
+                </a:solidFill>
+                <a:latin typeface="Times New Roman" panose="02020603050405020304" pitchFamily="18" charset="0"/>
+                <a:cs typeface="Times New Roman" panose="02020603050405020304" pitchFamily="18" charset="0"/>
+              </a:rPr>
+              <a:t>T(n/2) + O(1) =&gt; </a:t>
+            </a:r>
+            <a:r>
+              <a:rPr lang="pt-BR" sz="2200" dirty="0">
+                <a:solidFill>
+                  <a:schemeClr val="tx1"/>
+                </a:solidFill>
+                <a:latin typeface="Times New Roman" panose="02020603050405020304" pitchFamily="18" charset="0"/>
+                <a:cs typeface="Times New Roman" panose="02020603050405020304" pitchFamily="18" charset="0"/>
+              </a:rPr>
+              <a:t>O(</a:t>
+            </a:r>
+            <a:r>
+              <a:rPr lang="pt-BR" sz="2200" b="1" dirty="0">
+                <a:solidFill>
+                  <a:srgbClr val="FF0000"/>
+                </a:solidFill>
+                <a:latin typeface="Times New Roman" panose="02020603050405020304" pitchFamily="18" charset="0"/>
+                <a:cs typeface="Times New Roman" panose="02020603050405020304" pitchFamily="18" charset="0"/>
+              </a:rPr>
+              <a:t>log n</a:t>
+            </a:r>
+            <a:r>
+              <a:rPr lang="pt-BR" sz="2200" dirty="0">
+                <a:solidFill>
+                  <a:schemeClr val="tx1"/>
+                </a:solidFill>
+                <a:latin typeface="Times New Roman" panose="02020603050405020304" pitchFamily="18" charset="0"/>
+                <a:cs typeface="Times New Roman" panose="02020603050405020304" pitchFamily="18" charset="0"/>
+              </a:rPr>
+              <a:t>)</a:t>
+            </a:r>
           </a:p>
         </p:txBody>
       </p:sp>
     </p:spTree>
     <p:extLst>
       <p:ext uri="{BB962C8B-B14F-4D97-AF65-F5344CB8AC3E}">
-        <p14:creationId xmlns:p14="http://schemas.microsoft.com/office/powerpoint/2010/main" val="1115311843"/>
+        <p14:creationId xmlns:p14="http://schemas.microsoft.com/office/powerpoint/2010/main" val="533043826"/>
       </p:ext>
     </p:extLst>
   </p:cSld>
@@ -5109,7 +8420,13 @@
   <p:cSld>
     <p:spTree>
       <p:nvGrpSpPr>
-        <p:cNvPr id="1" name=""/>
+        <p:cNvPr id="1" name="">
+          <a:extLst>
+            <a:ext uri="{FF2B5EF4-FFF2-40B4-BE49-F238E27FC236}">
+              <a16:creationId xmlns:a16="http://schemas.microsoft.com/office/drawing/2014/main" id="{727897D0-3EC2-E797-A860-58BBA36E05BA}"/>
+            </a:ext>
+          </a:extLst>
+        </p:cNvPr>
         <p:cNvGrpSpPr/>
         <p:nvPr/>
       </p:nvGrpSpPr>
@@ -5121,67 +8438,15 @@
           <a:chExt cx="0" cy="0"/>
         </a:xfrm>
       </p:grpSpPr>
-      <p:pic>
-        <p:nvPicPr>
-          <p:cNvPr id="112" name="Picture 6" descr="Picture 6"/>
-          <p:cNvPicPr>
-            <a:picLocks noChangeAspect="1"/>
-          </p:cNvPicPr>
-          <p:nvPr/>
-        </p:nvPicPr>
-        <p:blipFill>
-          <a:blip r:embed="rId2"/>
-          <a:stretch>
-            <a:fillRect/>
-          </a:stretch>
-        </p:blipFill>
-        <p:spPr>
-          <a:xfrm>
-            <a:off x="0" y="0"/>
-            <a:ext cx="9144000" cy="5143500"/>
-          </a:xfrm>
-          <a:prstGeom prst="rect">
-            <a:avLst/>
-          </a:prstGeom>
-          <a:ln w="12700">
-            <a:miter lim="400000"/>
-            <a:headEnd/>
-            <a:tailEnd/>
-          </a:ln>
-        </p:spPr>
-      </p:pic>
-      <p:pic>
-        <p:nvPicPr>
-          <p:cNvPr id="114" name="Picture 5" descr="Picture 5"/>
-          <p:cNvPicPr>
-            <a:picLocks noChangeAspect="1"/>
-          </p:cNvPicPr>
-          <p:nvPr/>
-        </p:nvPicPr>
-        <p:blipFill>
-          <a:blip r:embed="rId3"/>
-          <a:stretch>
-            <a:fillRect/>
-          </a:stretch>
-        </p:blipFill>
-        <p:spPr>
-          <a:xfrm>
-            <a:off x="469900" y="0"/>
-            <a:ext cx="4391984" cy="171450"/>
-          </a:xfrm>
-          <a:prstGeom prst="rect">
-            <a:avLst/>
-          </a:prstGeom>
-          <a:ln w="12700">
-            <a:miter lim="400000"/>
-            <a:headEnd/>
-            <a:tailEnd/>
-          </a:ln>
-        </p:spPr>
-      </p:pic>
       <p:sp>
         <p:nvSpPr>
-          <p:cNvPr id="3" name="Título 2"/>
+          <p:cNvPr id="6" name="Title 1">
+            <a:extLst>
+              <a:ext uri="{FF2B5EF4-FFF2-40B4-BE49-F238E27FC236}">
+                <a16:creationId xmlns:a16="http://schemas.microsoft.com/office/drawing/2014/main" id="{06B28B8A-132A-94BC-367A-EAC99DD52749}"/>
+              </a:ext>
+            </a:extLst>
+          </p:cNvPr>
           <p:cNvSpPr>
             <a:spLocks noGrp="1"/>
           </p:cNvSpPr>
@@ -5191,8 +8456,71 @@
         </p:nvSpPr>
         <p:spPr>
           <a:xfrm>
-            <a:off x="285751" y="2386770"/>
-            <a:ext cx="8615364" cy="1102519"/>
+            <a:off x="457200" y="205980"/>
+            <a:ext cx="8229600" cy="857251"/>
+          </a:xfrm>
+        </p:spPr>
+        <p:txBody>
+          <a:bodyPr>
+            <a:normAutofit/>
+          </a:bodyPr>
+          <a:lstStyle/>
+          <a:p>
+            <a:r>
+              <a:rPr lang="en-US" b="1" dirty="0" err="1">
+                <a:solidFill>
+                  <a:srgbClr val="0070C0"/>
+                </a:solidFill>
+              </a:rPr>
+              <a:t>Divisão</a:t>
+            </a:r>
+            <a:r>
+              <a:rPr lang="en-US" b="1" dirty="0">
+                <a:solidFill>
+                  <a:srgbClr val="0070C0"/>
+                </a:solidFill>
+              </a:rPr>
+              <a:t> e Conquista – </a:t>
+            </a:r>
+            <a:r>
+              <a:rPr lang="en-US" b="1" dirty="0" err="1">
+                <a:solidFill>
+                  <a:srgbClr val="0070C0"/>
+                </a:solidFill>
+              </a:rPr>
+              <a:t>Exemplo</a:t>
+            </a:r>
+            <a:r>
+              <a:rPr lang="en-US" b="1" dirty="0">
+                <a:solidFill>
+                  <a:srgbClr val="0070C0"/>
+                </a:solidFill>
+              </a:rPr>
+              <a:t> 3</a:t>
+            </a:r>
+          </a:p>
+        </p:txBody>
+      </p:sp>
+      <p:sp>
+        <p:nvSpPr>
+          <p:cNvPr id="8" name="Text Placeholder 2">
+            <a:extLst>
+              <a:ext uri="{FF2B5EF4-FFF2-40B4-BE49-F238E27FC236}">
+                <a16:creationId xmlns:a16="http://schemas.microsoft.com/office/drawing/2014/main" id="{A096370B-C8A4-61B6-A751-46CF23909A4A}"/>
+              </a:ext>
+            </a:extLst>
+          </p:cNvPr>
+          <p:cNvSpPr>
+            <a:spLocks noGrp="1"/>
+          </p:cNvSpPr>
+          <p:nvPr>
+            <p:ph type="body" sz="half" idx="1"/>
+          </p:nvPr>
+        </p:nvSpPr>
+        <p:spPr>
+          <a:xfrm>
+            <a:off x="142865" y="1200150"/>
+            <a:ext cx="8865056" cy="3737370"/>
           </a:xfrm>
         </p:spPr>
         <p:txBody>
@@ -5201,356 +8529,666 @@
           </a:bodyPr>
           <a:lstStyle/>
           <a:p>
-            <a:r>
-              <a:rPr lang="pt-BR" sz="4800" b="1" dirty="0">
-                <a:solidFill>
-                  <a:schemeClr val="bg1"/>
-                </a:solidFill>
-              </a:rPr>
-              <a:t>Algoritmos e Complexidade</a:t>
-            </a:r>
+            <a:pPr marL="0" indent="0">
+              <a:buNone/>
+            </a:pPr>
+            <a:r>
+              <a:rPr lang="pt-BR" sz="2200" dirty="0">
+                <a:latin typeface="Times New Roman" panose="02020603050405020304" pitchFamily="18" charset="0"/>
+                <a:cs typeface="Times New Roman" panose="02020603050405020304" pitchFamily="18" charset="0"/>
+              </a:rPr>
+              <a:t>O </a:t>
+            </a:r>
+            <a:r>
+              <a:rPr lang="pt-BR" sz="2200" b="1" dirty="0">
+                <a:solidFill>
+                  <a:srgbClr val="FF0000"/>
+                </a:solidFill>
+                <a:latin typeface="Times New Roman" panose="02020603050405020304" pitchFamily="18" charset="0"/>
+                <a:cs typeface="Times New Roman" panose="02020603050405020304" pitchFamily="18" charset="0"/>
+              </a:rPr>
+              <a:t>algoritmo Multiplicação de Matrizes de </a:t>
+            </a:r>
+            <a:r>
+              <a:rPr lang="pt-BR" sz="2200" b="1" dirty="0" err="1">
+                <a:solidFill>
+                  <a:srgbClr val="FF0000"/>
+                </a:solidFill>
+                <a:latin typeface="Times New Roman" panose="02020603050405020304" pitchFamily="18" charset="0"/>
+                <a:cs typeface="Times New Roman" panose="02020603050405020304" pitchFamily="18" charset="0"/>
+              </a:rPr>
+              <a:t>Strassen</a:t>
+            </a:r>
+            <a:r>
+              <a:rPr lang="pt-BR" sz="2200" dirty="0">
+                <a:latin typeface="Times New Roman" panose="02020603050405020304" pitchFamily="18" charset="0"/>
+                <a:cs typeface="Times New Roman" panose="02020603050405020304" pitchFamily="18" charset="0"/>
+              </a:rPr>
+              <a:t>: </a:t>
+            </a:r>
+          </a:p>
+          <a:p>
+            <a:pPr marL="0" indent="0">
+              <a:buNone/>
+            </a:pPr>
+            <a:endParaRPr lang="pt-BR" sz="2200" dirty="0">
+              <a:latin typeface="Times New Roman" panose="02020603050405020304" pitchFamily="18" charset="0"/>
+              <a:cs typeface="Times New Roman" panose="02020603050405020304" pitchFamily="18" charset="0"/>
+            </a:endParaRPr>
+          </a:p>
+          <a:p>
+            <a:pPr marL="0" indent="0" algn="just">
+              <a:buNone/>
+            </a:pPr>
+            <a:r>
+              <a:rPr lang="pt-BR" sz="2200" dirty="0">
+                <a:latin typeface="Times New Roman" panose="02020603050405020304" pitchFamily="18" charset="0"/>
+                <a:cs typeface="Times New Roman" panose="02020603050405020304" pitchFamily="18" charset="0"/>
+              </a:rPr>
+              <a:t>	Reduz o número de multiplicações necessárias de 8 para 7 ao aplicar </a:t>
+            </a:r>
+            <a:r>
+              <a:rPr lang="pt-BR" sz="2200" b="1" dirty="0">
+                <a:latin typeface="Times New Roman" panose="02020603050405020304" pitchFamily="18" charset="0"/>
+                <a:cs typeface="Times New Roman" panose="02020603050405020304" pitchFamily="18" charset="0"/>
+              </a:rPr>
+              <a:t>recursivamente</a:t>
+            </a:r>
+            <a:r>
+              <a:rPr lang="pt-BR" sz="2200" dirty="0">
+                <a:latin typeface="Times New Roman" panose="02020603050405020304" pitchFamily="18" charset="0"/>
+                <a:cs typeface="Times New Roman" panose="02020603050405020304" pitchFamily="18" charset="0"/>
+              </a:rPr>
+              <a:t> a </a:t>
+            </a:r>
+            <a:r>
+              <a:rPr lang="pt-BR" sz="2200" b="1" dirty="0">
+                <a:solidFill>
+                  <a:srgbClr val="FF0000"/>
+                </a:solidFill>
+                <a:latin typeface="Times New Roman" panose="02020603050405020304" pitchFamily="18" charset="0"/>
+                <a:cs typeface="Times New Roman" panose="02020603050405020304" pitchFamily="18" charset="0"/>
+              </a:rPr>
+              <a:t>divisão</a:t>
+            </a:r>
+            <a:r>
+              <a:rPr lang="pt-BR" sz="2200" dirty="0">
+                <a:latin typeface="Times New Roman" panose="02020603050405020304" pitchFamily="18" charset="0"/>
+                <a:cs typeface="Times New Roman" panose="02020603050405020304" pitchFamily="18" charset="0"/>
+              </a:rPr>
+              <a:t> e </a:t>
+            </a:r>
+            <a:r>
+              <a:rPr lang="pt-BR" sz="2200" b="1" dirty="0">
+                <a:solidFill>
+                  <a:srgbClr val="FF0000"/>
+                </a:solidFill>
+                <a:latin typeface="Times New Roman" panose="02020603050405020304" pitchFamily="18" charset="0"/>
+                <a:cs typeface="Times New Roman" panose="02020603050405020304" pitchFamily="18" charset="0"/>
+              </a:rPr>
+              <a:t>conquista</a:t>
+            </a:r>
+            <a:r>
+              <a:rPr lang="pt-BR" sz="2200" dirty="0">
+                <a:latin typeface="Times New Roman" panose="02020603050405020304" pitchFamily="18" charset="0"/>
+                <a:cs typeface="Times New Roman" panose="02020603050405020304" pitchFamily="18" charset="0"/>
+              </a:rPr>
+              <a:t>.</a:t>
+            </a:r>
+          </a:p>
+          <a:p>
+            <a:pPr marL="0" indent="0">
+              <a:buNone/>
+            </a:pPr>
+            <a:endParaRPr lang="pt-BR" sz="2200" dirty="0">
+              <a:solidFill>
+                <a:schemeClr val="tx1"/>
+              </a:solidFill>
+              <a:latin typeface="Times New Roman" panose="02020603050405020304" pitchFamily="18" charset="0"/>
+              <a:cs typeface="Times New Roman" panose="02020603050405020304" pitchFamily="18" charset="0"/>
+            </a:endParaRPr>
+          </a:p>
+          <a:p>
+            <a:pPr marL="0" indent="0" algn="just">
+              <a:buNone/>
+            </a:pPr>
+            <a:endParaRPr lang="pt-BR" sz="2200" dirty="0">
+              <a:solidFill>
+                <a:schemeClr val="tx1"/>
+              </a:solidFill>
+              <a:latin typeface="Times New Roman" panose="02020603050405020304" pitchFamily="18" charset="0"/>
+              <a:cs typeface="Times New Roman" panose="02020603050405020304" pitchFamily="18" charset="0"/>
+            </a:endParaRPr>
+          </a:p>
+          <a:p>
+            <a:pPr marL="0" indent="0" algn="just">
+              <a:buNone/>
+            </a:pPr>
+            <a:r>
+              <a:rPr lang="pt-BR" sz="2200" b="1" dirty="0">
+                <a:solidFill>
+                  <a:srgbClr val="FF0000"/>
+                </a:solidFill>
+                <a:latin typeface="Times New Roman" panose="02020603050405020304" pitchFamily="18" charset="0"/>
+                <a:cs typeface="Times New Roman" panose="02020603050405020304" pitchFamily="18" charset="0"/>
+              </a:rPr>
+              <a:t>Complexidade</a:t>
+            </a:r>
+            <a:r>
+              <a:rPr lang="pt-BR" sz="2200" dirty="0">
+                <a:solidFill>
+                  <a:schemeClr val="tx1"/>
+                </a:solidFill>
+                <a:latin typeface="Times New Roman" panose="02020603050405020304" pitchFamily="18" charset="0"/>
+                <a:cs typeface="Times New Roman" panose="02020603050405020304" pitchFamily="18" charset="0"/>
+              </a:rPr>
+              <a:t>: O(</a:t>
+            </a:r>
+            <a:r>
+              <a:rPr lang="pt-BR" sz="2200" b="1" dirty="0">
+                <a:solidFill>
+                  <a:srgbClr val="FF0000"/>
+                </a:solidFill>
+                <a:latin typeface="Times New Roman" panose="02020603050405020304" pitchFamily="18" charset="0"/>
+                <a:cs typeface="Times New Roman" panose="02020603050405020304" pitchFamily="18" charset="0"/>
+              </a:rPr>
+              <a:t>n </a:t>
+            </a:r>
+            <a:r>
+              <a:rPr lang="pt-BR" sz="2200" b="1" baseline="30000" dirty="0">
+                <a:solidFill>
+                  <a:srgbClr val="FF0000"/>
+                </a:solidFill>
+                <a:latin typeface="Times New Roman" panose="02020603050405020304" pitchFamily="18" charset="0"/>
+                <a:cs typeface="Times New Roman" panose="02020603050405020304" pitchFamily="18" charset="0"/>
+              </a:rPr>
+              <a:t>log</a:t>
+            </a:r>
+            <a:r>
+              <a:rPr lang="pt-BR" sz="2200" b="1" baseline="-25000" dirty="0">
+                <a:solidFill>
+                  <a:srgbClr val="FF0000"/>
+                </a:solidFill>
+                <a:latin typeface="Times New Roman" panose="02020603050405020304" pitchFamily="18" charset="0"/>
+                <a:cs typeface="Times New Roman" panose="02020603050405020304" pitchFamily="18" charset="0"/>
+              </a:rPr>
+              <a:t>2</a:t>
+            </a:r>
+            <a:r>
+              <a:rPr lang="pt-BR" sz="2200" b="1" baseline="30000" dirty="0">
+                <a:solidFill>
+                  <a:srgbClr val="FF0000"/>
+                </a:solidFill>
+                <a:latin typeface="Times New Roman" panose="02020603050405020304" pitchFamily="18" charset="0"/>
+                <a:cs typeface="Times New Roman" panose="02020603050405020304" pitchFamily="18" charset="0"/>
+              </a:rPr>
+              <a:t>7</a:t>
+            </a:r>
+            <a:r>
+              <a:rPr lang="pt-BR" sz="2200" dirty="0">
+                <a:solidFill>
+                  <a:schemeClr val="tx1"/>
+                </a:solidFill>
+                <a:latin typeface="Times New Roman" panose="02020603050405020304" pitchFamily="18" charset="0"/>
+                <a:cs typeface="Times New Roman" panose="02020603050405020304" pitchFamily="18" charset="0"/>
+              </a:rPr>
+              <a:t>)</a:t>
+            </a:r>
+          </a:p>
+        </p:txBody>
+      </p:sp>
+    </p:spTree>
+    <p:extLst>
+      <p:ext uri="{BB962C8B-B14F-4D97-AF65-F5344CB8AC3E}">
+        <p14:creationId xmlns:p14="http://schemas.microsoft.com/office/powerpoint/2010/main" val="220567669"/>
+      </p:ext>
+    </p:extLst>
+  </p:cSld>
+  <p:clrMapOvr>
+    <a:masterClrMapping/>
+  </p:clrMapOvr>
+  <p:transition spd="med"/>
+</p:sld>
+</file>
+
+<file path=ppt/slides/slide9.xml><?xml version="1.0" encoding="utf-8"?>
+<p:sld xmlns:a="http://schemas.openxmlformats.org/drawingml/2006/main" xmlns:r="http://schemas.openxmlformats.org/officeDocument/2006/relationships" xmlns:p="http://schemas.openxmlformats.org/presentationml/2006/main">
+  <p:cSld>
+    <p:spTree>
+      <p:nvGrpSpPr>
+        <p:cNvPr id="1" name="">
+          <a:extLst>
+            <a:ext uri="{FF2B5EF4-FFF2-40B4-BE49-F238E27FC236}">
+              <a16:creationId xmlns:a16="http://schemas.microsoft.com/office/drawing/2014/main" id="{092F2953-DBF7-0A90-42FE-0B17B3E2E1F6}"/>
+            </a:ext>
+          </a:extLst>
+        </p:cNvPr>
+        <p:cNvGrpSpPr/>
+        <p:nvPr/>
+      </p:nvGrpSpPr>
+      <p:grpSpPr>
+        <a:xfrm>
+          <a:off x="0" y="0"/>
+          <a:ext cx="0" cy="0"/>
+          <a:chOff x="0" y="0"/>
+          <a:chExt cx="0" cy="0"/>
+        </a:xfrm>
+      </p:grpSpPr>
+      <p:sp>
+        <p:nvSpPr>
+          <p:cNvPr id="6" name="Title 1">
+            <a:extLst>
+              <a:ext uri="{FF2B5EF4-FFF2-40B4-BE49-F238E27FC236}">
+                <a16:creationId xmlns:a16="http://schemas.microsoft.com/office/drawing/2014/main" id="{FBDC7C25-2173-9E08-0FC6-DC880242433A}"/>
+              </a:ext>
+            </a:extLst>
+          </p:cNvPr>
+          <p:cNvSpPr>
+            <a:spLocks noGrp="1"/>
+          </p:cNvSpPr>
+          <p:nvPr>
+            <p:ph type="title"/>
+          </p:nvPr>
+        </p:nvSpPr>
+        <p:spPr>
+          <a:xfrm>
+            <a:off x="457200" y="205980"/>
+            <a:ext cx="8229600" cy="857251"/>
+          </a:xfrm>
+        </p:spPr>
+        <p:txBody>
+          <a:bodyPr>
+            <a:normAutofit fontScale="90000"/>
+          </a:bodyPr>
+          <a:lstStyle/>
+          <a:p>
+            <a:r>
+              <a:rPr lang="en-US" b="1" dirty="0" err="1">
+                <a:solidFill>
+                  <a:srgbClr val="0070C0"/>
+                </a:solidFill>
+              </a:rPr>
+              <a:t>Divisão</a:t>
+            </a:r>
+            <a:r>
+              <a:rPr lang="en-US" b="1" dirty="0">
+                <a:solidFill>
+                  <a:srgbClr val="0070C0"/>
+                </a:solidFill>
+              </a:rPr>
+              <a:t> e Conquista – </a:t>
+            </a:r>
+            <a:r>
+              <a:rPr lang="en-US" b="1" dirty="0" err="1">
+                <a:solidFill>
+                  <a:srgbClr val="0070C0"/>
+                </a:solidFill>
+              </a:rPr>
+              <a:t>Complexidade</a:t>
+            </a:r>
+            <a:endParaRPr lang="en-US" b="1" dirty="0">
+              <a:solidFill>
+                <a:srgbClr val="0070C0"/>
+              </a:solidFill>
+            </a:endParaRPr>
           </a:p>
         </p:txBody>
       </p:sp>
       <p:sp>
         <p:nvSpPr>
-          <p:cNvPr id="6" name="Título 2"/>
-          <p:cNvSpPr txBox="1"/>
-          <p:nvPr/>
+          <p:cNvPr id="8" name="Text Placeholder 2">
+            <a:extLst>
+              <a:ext uri="{FF2B5EF4-FFF2-40B4-BE49-F238E27FC236}">
+                <a16:creationId xmlns:a16="http://schemas.microsoft.com/office/drawing/2014/main" id="{345D6333-791F-B8D1-F800-9E5CEED6B4E0}"/>
+              </a:ext>
+            </a:extLst>
+          </p:cNvPr>
+          <p:cNvSpPr>
+            <a:spLocks noGrp="1"/>
+          </p:cNvSpPr>
+          <p:nvPr>
+            <p:ph type="body" sz="half" idx="1"/>
+          </p:nvPr>
         </p:nvSpPr>
         <p:spPr>
           <a:xfrm>
-            <a:off x="975683" y="3866663"/>
-            <a:ext cx="7772400" cy="1102519"/>
+            <a:off x="142865" y="1200150"/>
+            <a:ext cx="8865056" cy="3737370"/>
           </a:xfrm>
-          <a:prstGeom prst="rect">
-            <a:avLst/>
-          </a:prstGeom>
-          <a:ln w="12700">
-            <a:miter lim="400000"/>
-          </a:ln>
         </p:spPr>
         <p:txBody>
-          <a:bodyPr lIns="45718" tIns="45718" rIns="45718" bIns="45718" anchor="ctr">
+          <a:bodyPr>
             <a:noAutofit/>
           </a:bodyPr>
-          <a:lstStyle>
-            <a:lvl1pPr marL="0" marR="0" indent="0" algn="ctr" defTabSz="457200" rtl="0" latinLnBrk="0">
-              <a:lnSpc>
-                <a:spcPct val="100000"/>
-              </a:lnSpc>
-              <a:spcBef>
-                <a:spcPts val="0"/>
-              </a:spcBef>
-              <a:spcAft>
-                <a:spcPts val="0"/>
-              </a:spcAft>
-              <a:buClrTx/>
-              <a:buSzTx/>
-              <a:buFontTx/>
+          <a:lstStyle/>
+          <a:p>
+            <a:pPr marL="0" indent="0">
               <a:buNone/>
-              <a:defRPr sz="4400" b="0" i="0" u="none" strike="noStrike" cap="none" spc="0" baseline="0">
-                <a:ln>
-                  <a:noFill/>
-                </a:ln>
-                <a:solidFill>
-                  <a:srgbClr val="000000"/>
-                </a:solidFill>
-                <a:uFillTx/>
-                <a:latin typeface="+mj-lt"/>
-                <a:ea typeface="+mj-ea"/>
-                <a:cs typeface="+mj-cs"/>
-                <a:sym typeface="Calibri"/>
-              </a:defRPr>
-            </a:lvl1pPr>
-            <a:lvl2pPr marL="0" marR="0" indent="0" algn="ctr" defTabSz="457200" rtl="0" latinLnBrk="0">
-              <a:lnSpc>
-                <a:spcPct val="100000"/>
-              </a:lnSpc>
-              <a:spcBef>
-                <a:spcPts val="0"/>
-              </a:spcBef>
-              <a:spcAft>
-                <a:spcPts val="0"/>
-              </a:spcAft>
-              <a:buClrTx/>
-              <a:buSzTx/>
-              <a:buFontTx/>
+            </a:pPr>
+            <a:r>
+              <a:rPr lang="pt-BR" sz="2000" dirty="0">
+                <a:latin typeface="Times New Roman" panose="02020603050405020304" pitchFamily="18" charset="0"/>
+                <a:cs typeface="Times New Roman" panose="02020603050405020304" pitchFamily="18" charset="0"/>
+              </a:rPr>
+              <a:t>Em </a:t>
+            </a:r>
+            <a:r>
+              <a:rPr lang="pt-BR" sz="2000" b="1" dirty="0">
+                <a:latin typeface="Times New Roman" panose="02020603050405020304" pitchFamily="18" charset="0"/>
+                <a:cs typeface="Times New Roman" panose="02020603050405020304" pitchFamily="18" charset="0"/>
+              </a:rPr>
+              <a:t>muitos algoritmos </a:t>
+            </a:r>
+            <a:r>
+              <a:rPr lang="pt-BR" sz="2000" dirty="0">
+                <a:latin typeface="Times New Roman" panose="02020603050405020304" pitchFamily="18" charset="0"/>
+                <a:cs typeface="Times New Roman" panose="02020603050405020304" pitchFamily="18" charset="0"/>
+              </a:rPr>
+              <a:t>baseados em </a:t>
+            </a:r>
+            <a:r>
+              <a:rPr lang="pt-BR" sz="2000" b="1" dirty="0">
+                <a:solidFill>
+                  <a:srgbClr val="FF0000"/>
+                </a:solidFill>
+                <a:latin typeface="Times New Roman" panose="02020603050405020304" pitchFamily="18" charset="0"/>
+                <a:cs typeface="Times New Roman" panose="02020603050405020304" pitchFamily="18" charset="0"/>
+              </a:rPr>
+              <a:t>divisão e conquista</a:t>
+            </a:r>
+            <a:r>
+              <a:rPr lang="pt-BR" sz="2000" dirty="0">
+                <a:latin typeface="Times New Roman" panose="02020603050405020304" pitchFamily="18" charset="0"/>
+                <a:cs typeface="Times New Roman" panose="02020603050405020304" pitchFamily="18" charset="0"/>
+              </a:rPr>
+              <a:t>, a </a:t>
+            </a:r>
+            <a:r>
+              <a:rPr lang="pt-BR" sz="2000" b="1" dirty="0">
+                <a:latin typeface="Times New Roman" panose="02020603050405020304" pitchFamily="18" charset="0"/>
+                <a:cs typeface="Times New Roman" panose="02020603050405020304" pitchFamily="18" charset="0"/>
+              </a:rPr>
+              <a:t>complexidade</a:t>
+            </a:r>
+            <a:r>
+              <a:rPr lang="pt-BR" sz="2000" dirty="0">
+                <a:latin typeface="Times New Roman" panose="02020603050405020304" pitchFamily="18" charset="0"/>
+                <a:cs typeface="Times New Roman" panose="02020603050405020304" pitchFamily="18" charset="0"/>
+              </a:rPr>
+              <a:t> segue uma </a:t>
+            </a:r>
+            <a:r>
+              <a:rPr lang="pt-BR" sz="2000" b="1" dirty="0">
+                <a:solidFill>
+                  <a:srgbClr val="FF0000"/>
+                </a:solidFill>
+                <a:latin typeface="Times New Roman" panose="02020603050405020304" pitchFamily="18" charset="0"/>
+                <a:cs typeface="Times New Roman" panose="02020603050405020304" pitchFamily="18" charset="0"/>
+              </a:rPr>
+              <a:t>recorrência</a:t>
+            </a:r>
+            <a:r>
+              <a:rPr lang="pt-BR" sz="2000" dirty="0">
+                <a:latin typeface="Times New Roman" panose="02020603050405020304" pitchFamily="18" charset="0"/>
+                <a:cs typeface="Times New Roman" panose="02020603050405020304" pitchFamily="18" charset="0"/>
+              </a:rPr>
+              <a:t>:		</a:t>
+            </a:r>
+          </a:p>
+          <a:p>
+            <a:pPr marL="0" indent="0">
               <a:buNone/>
-              <a:defRPr sz="4400" b="0" i="0" u="none" strike="noStrike" cap="none" spc="0" baseline="0">
-                <a:ln>
-                  <a:noFill/>
-                </a:ln>
-                <a:solidFill>
-                  <a:srgbClr val="000000"/>
-                </a:solidFill>
-                <a:uFillTx/>
-                <a:latin typeface="+mj-lt"/>
-                <a:ea typeface="+mj-ea"/>
-                <a:cs typeface="+mj-cs"/>
-                <a:sym typeface="Calibri"/>
-              </a:defRPr>
-            </a:lvl2pPr>
-            <a:lvl3pPr marL="0" marR="0" indent="0" algn="ctr" defTabSz="457200" rtl="0" latinLnBrk="0">
-              <a:lnSpc>
-                <a:spcPct val="100000"/>
-              </a:lnSpc>
-              <a:spcBef>
-                <a:spcPts val="0"/>
-              </a:spcBef>
-              <a:spcAft>
-                <a:spcPts val="0"/>
-              </a:spcAft>
-              <a:buClrTx/>
-              <a:buSzTx/>
-              <a:buFontTx/>
+            </a:pPr>
+            <a:r>
+              <a:rPr lang="pt-BR" sz="2000" dirty="0">
+                <a:latin typeface="Times New Roman" panose="02020603050405020304" pitchFamily="18" charset="0"/>
+                <a:cs typeface="Times New Roman" panose="02020603050405020304" pitchFamily="18" charset="0"/>
+              </a:rPr>
+              <a:t>						T(n) = </a:t>
+            </a:r>
+            <a:r>
+              <a:rPr lang="pt-BR" sz="2000" b="1" dirty="0" err="1">
+                <a:latin typeface="Times New Roman" panose="02020603050405020304" pitchFamily="18" charset="0"/>
+                <a:cs typeface="Times New Roman" panose="02020603050405020304" pitchFamily="18" charset="0"/>
+              </a:rPr>
+              <a:t>aT</a:t>
+            </a:r>
+            <a:r>
+              <a:rPr lang="pt-BR" sz="2000" b="1" dirty="0">
+                <a:latin typeface="Times New Roman" panose="02020603050405020304" pitchFamily="18" charset="0"/>
+                <a:cs typeface="Times New Roman" panose="02020603050405020304" pitchFamily="18" charset="0"/>
+              </a:rPr>
+              <a:t>(n/b) </a:t>
+            </a:r>
+            <a:r>
+              <a:rPr lang="pt-BR" sz="2000" dirty="0">
+                <a:latin typeface="Times New Roman" panose="02020603050405020304" pitchFamily="18" charset="0"/>
+                <a:cs typeface="Times New Roman" panose="02020603050405020304" pitchFamily="18" charset="0"/>
+              </a:rPr>
+              <a:t>+ </a:t>
+            </a:r>
+            <a:r>
+              <a:rPr lang="pt-BR" sz="2000" b="1" dirty="0">
+                <a:solidFill>
+                  <a:srgbClr val="FF0000"/>
+                </a:solidFill>
+                <a:latin typeface="Times New Roman" panose="02020603050405020304" pitchFamily="18" charset="0"/>
+                <a:cs typeface="Times New Roman" panose="02020603050405020304" pitchFamily="18" charset="0"/>
+              </a:rPr>
+              <a:t>f(n)</a:t>
+            </a:r>
+          </a:p>
+          <a:p>
+            <a:pPr marL="0" indent="0">
               <a:buNone/>
-              <a:defRPr sz="4400" b="0" i="0" u="none" strike="noStrike" cap="none" spc="0" baseline="0">
-                <a:ln>
-                  <a:noFill/>
-                </a:ln>
-                <a:solidFill>
-                  <a:srgbClr val="000000"/>
-                </a:solidFill>
-                <a:uFillTx/>
-                <a:latin typeface="+mj-lt"/>
-                <a:ea typeface="+mj-ea"/>
-                <a:cs typeface="+mj-cs"/>
-                <a:sym typeface="Calibri"/>
-              </a:defRPr>
-            </a:lvl3pPr>
-            <a:lvl4pPr marL="0" marR="0" indent="0" algn="ctr" defTabSz="457200" rtl="0" latinLnBrk="0">
-              <a:lnSpc>
-                <a:spcPct val="100000"/>
-              </a:lnSpc>
-              <a:spcBef>
-                <a:spcPts val="0"/>
-              </a:spcBef>
-              <a:spcAft>
-                <a:spcPts val="0"/>
-              </a:spcAft>
-              <a:buClrTx/>
-              <a:buSzTx/>
-              <a:buFontTx/>
+            </a:pPr>
+            <a:r>
+              <a:rPr lang="pt-BR" sz="2000" b="1" dirty="0">
+                <a:latin typeface="Times New Roman" panose="02020603050405020304" pitchFamily="18" charset="0"/>
+                <a:cs typeface="Times New Roman" panose="02020603050405020304" pitchFamily="18" charset="0"/>
+              </a:rPr>
+              <a:t>Onde</a:t>
+            </a:r>
+            <a:r>
+              <a:rPr lang="pt-BR" sz="2000" dirty="0">
+                <a:latin typeface="Times New Roman" panose="02020603050405020304" pitchFamily="18" charset="0"/>
+                <a:cs typeface="Times New Roman" panose="02020603050405020304" pitchFamily="18" charset="0"/>
+              </a:rPr>
+              <a:t>:</a:t>
+            </a:r>
+          </a:p>
+          <a:p>
+            <a:pPr marL="0" indent="0">
               <a:buNone/>
-              <a:defRPr sz="4400" b="0" i="0" u="none" strike="noStrike" cap="none" spc="0" baseline="0">
-                <a:ln>
-                  <a:noFill/>
-                </a:ln>
-                <a:solidFill>
-                  <a:srgbClr val="000000"/>
-                </a:solidFill>
-                <a:uFillTx/>
-                <a:latin typeface="+mj-lt"/>
-                <a:ea typeface="+mj-ea"/>
-                <a:cs typeface="+mj-cs"/>
-                <a:sym typeface="Calibri"/>
-              </a:defRPr>
-            </a:lvl4pPr>
-            <a:lvl5pPr marL="0" marR="0" indent="0" algn="ctr" defTabSz="457200" rtl="0" latinLnBrk="0">
-              <a:lnSpc>
-                <a:spcPct val="100000"/>
-              </a:lnSpc>
-              <a:spcBef>
-                <a:spcPts val="0"/>
-              </a:spcBef>
-              <a:spcAft>
-                <a:spcPts val="0"/>
-              </a:spcAft>
-              <a:buClrTx/>
-              <a:buSzTx/>
-              <a:buFontTx/>
+            </a:pPr>
+            <a:r>
+              <a:rPr lang="pt-BR" sz="2000" b="1" dirty="0">
+                <a:solidFill>
+                  <a:srgbClr val="FF0000"/>
+                </a:solidFill>
+                <a:latin typeface="Times New Roman" panose="02020603050405020304" pitchFamily="18" charset="0"/>
+                <a:cs typeface="Times New Roman" panose="02020603050405020304" pitchFamily="18" charset="0"/>
+              </a:rPr>
+              <a:t>a</a:t>
+            </a:r>
+            <a:r>
+              <a:rPr lang="pt-BR" sz="2000" dirty="0">
+                <a:latin typeface="Times New Roman" panose="02020603050405020304" pitchFamily="18" charset="0"/>
+                <a:cs typeface="Times New Roman" panose="02020603050405020304" pitchFamily="18" charset="0"/>
+              </a:rPr>
+              <a:t> = </a:t>
+            </a:r>
+            <a:r>
+              <a:rPr lang="pt-BR" sz="2000" b="1" dirty="0">
+                <a:latin typeface="Times New Roman" panose="02020603050405020304" pitchFamily="18" charset="0"/>
+                <a:cs typeface="Times New Roman" panose="02020603050405020304" pitchFamily="18" charset="0"/>
+              </a:rPr>
+              <a:t>número de subproblemas </a:t>
+            </a:r>
+            <a:r>
+              <a:rPr lang="pt-BR" sz="2000" dirty="0">
+                <a:latin typeface="Times New Roman" panose="02020603050405020304" pitchFamily="18" charset="0"/>
+                <a:cs typeface="Times New Roman" panose="02020603050405020304" pitchFamily="18" charset="0"/>
+              </a:rPr>
+              <a:t>gerados;</a:t>
+            </a:r>
+          </a:p>
+          <a:p>
+            <a:pPr marL="0" indent="0">
               <a:buNone/>
-              <a:defRPr sz="4400" b="0" i="0" u="none" strike="noStrike" cap="none" spc="0" baseline="0">
-                <a:ln>
-                  <a:noFill/>
-                </a:ln>
-                <a:solidFill>
-                  <a:srgbClr val="000000"/>
-                </a:solidFill>
-                <a:uFillTx/>
-                <a:latin typeface="+mj-lt"/>
-                <a:ea typeface="+mj-ea"/>
-                <a:cs typeface="+mj-cs"/>
-                <a:sym typeface="Calibri"/>
-              </a:defRPr>
-            </a:lvl5pPr>
-            <a:lvl6pPr marL="0" marR="0" indent="0" algn="ctr" defTabSz="457200" rtl="0" latinLnBrk="0">
-              <a:lnSpc>
-                <a:spcPct val="100000"/>
-              </a:lnSpc>
-              <a:spcBef>
-                <a:spcPts val="0"/>
-              </a:spcBef>
-              <a:spcAft>
-                <a:spcPts val="0"/>
-              </a:spcAft>
-              <a:buClrTx/>
-              <a:buSzTx/>
-              <a:buFontTx/>
+            </a:pPr>
+            <a:r>
+              <a:rPr lang="pt-BR" sz="2000" b="1" dirty="0">
+                <a:solidFill>
+                  <a:srgbClr val="FF0000"/>
+                </a:solidFill>
+                <a:latin typeface="Times New Roman" panose="02020603050405020304" pitchFamily="18" charset="0"/>
+                <a:cs typeface="Times New Roman" panose="02020603050405020304" pitchFamily="18" charset="0"/>
+              </a:rPr>
+              <a:t>b</a:t>
+            </a:r>
+            <a:r>
+              <a:rPr lang="pt-BR" sz="2000" dirty="0">
+                <a:latin typeface="Times New Roman" panose="02020603050405020304" pitchFamily="18" charset="0"/>
+                <a:cs typeface="Times New Roman" panose="02020603050405020304" pitchFamily="18" charset="0"/>
+              </a:rPr>
+              <a:t> = </a:t>
+            </a:r>
+            <a:r>
+              <a:rPr lang="pt-BR" sz="2000" b="1" dirty="0">
+                <a:latin typeface="Times New Roman" panose="02020603050405020304" pitchFamily="18" charset="0"/>
+                <a:cs typeface="Times New Roman" panose="02020603050405020304" pitchFamily="18" charset="0"/>
+              </a:rPr>
+              <a:t>fator de divisão </a:t>
+            </a:r>
+            <a:r>
+              <a:rPr lang="pt-BR" sz="2000" dirty="0">
+                <a:latin typeface="Times New Roman" panose="02020603050405020304" pitchFamily="18" charset="0"/>
+                <a:cs typeface="Times New Roman" panose="02020603050405020304" pitchFamily="18" charset="0"/>
+              </a:rPr>
+              <a:t>do problema;</a:t>
+            </a:r>
+          </a:p>
+          <a:p>
+            <a:pPr marL="0" indent="0">
               <a:buNone/>
-              <a:defRPr sz="4400" b="0" i="0" u="none" strike="noStrike" cap="none" spc="0" baseline="0">
-                <a:ln>
-                  <a:noFill/>
-                </a:ln>
-                <a:solidFill>
-                  <a:srgbClr val="000000"/>
-                </a:solidFill>
-                <a:uFillTx/>
-                <a:latin typeface="+mj-lt"/>
-                <a:ea typeface="+mj-ea"/>
-                <a:cs typeface="+mj-cs"/>
-                <a:sym typeface="Calibri"/>
-              </a:defRPr>
-            </a:lvl6pPr>
-            <a:lvl7pPr marL="0" marR="0" indent="0" algn="ctr" defTabSz="457200" rtl="0" latinLnBrk="0">
-              <a:lnSpc>
-                <a:spcPct val="100000"/>
-              </a:lnSpc>
-              <a:spcBef>
-                <a:spcPts val="0"/>
-              </a:spcBef>
-              <a:spcAft>
-                <a:spcPts val="0"/>
-              </a:spcAft>
-              <a:buClrTx/>
-              <a:buSzTx/>
-              <a:buFontTx/>
+            </a:pPr>
+            <a:r>
+              <a:rPr lang="pt-BR" sz="2000" b="1" dirty="0">
+                <a:solidFill>
+                  <a:srgbClr val="FF0000"/>
+                </a:solidFill>
+                <a:latin typeface="Times New Roman" panose="02020603050405020304" pitchFamily="18" charset="0"/>
+                <a:cs typeface="Times New Roman" panose="02020603050405020304" pitchFamily="18" charset="0"/>
+              </a:rPr>
+              <a:t>f(n) </a:t>
+            </a:r>
+            <a:r>
+              <a:rPr lang="pt-BR" sz="2000" dirty="0">
+                <a:latin typeface="Times New Roman" panose="02020603050405020304" pitchFamily="18" charset="0"/>
+                <a:cs typeface="Times New Roman" panose="02020603050405020304" pitchFamily="18" charset="0"/>
+              </a:rPr>
+              <a:t>= </a:t>
+            </a:r>
+            <a:r>
+              <a:rPr lang="pt-BR" sz="2000" b="1" dirty="0">
+                <a:latin typeface="Times New Roman" panose="02020603050405020304" pitchFamily="18" charset="0"/>
+                <a:cs typeface="Times New Roman" panose="02020603050405020304" pitchFamily="18" charset="0"/>
+              </a:rPr>
+              <a:t>custo</a:t>
+            </a:r>
+            <a:r>
+              <a:rPr lang="pt-BR" sz="2000" dirty="0">
+                <a:latin typeface="Times New Roman" panose="02020603050405020304" pitchFamily="18" charset="0"/>
+                <a:cs typeface="Times New Roman" panose="02020603050405020304" pitchFamily="18" charset="0"/>
+              </a:rPr>
+              <a:t> para dividir e combinar.</a:t>
+            </a:r>
+          </a:p>
+          <a:p>
+            <a:pPr marL="0" indent="0">
               <a:buNone/>
-              <a:defRPr sz="4400" b="0" i="0" u="none" strike="noStrike" cap="none" spc="0" baseline="0">
-                <a:ln>
-                  <a:noFill/>
-                </a:ln>
-                <a:solidFill>
-                  <a:srgbClr val="000000"/>
-                </a:solidFill>
-                <a:uFillTx/>
-                <a:latin typeface="+mj-lt"/>
-                <a:ea typeface="+mj-ea"/>
-                <a:cs typeface="+mj-cs"/>
-                <a:sym typeface="Calibri"/>
-              </a:defRPr>
-            </a:lvl7pPr>
-            <a:lvl8pPr marL="0" marR="0" indent="0" algn="ctr" defTabSz="457200" rtl="0" latinLnBrk="0">
-              <a:lnSpc>
-                <a:spcPct val="100000"/>
-              </a:lnSpc>
-              <a:spcBef>
-                <a:spcPts val="0"/>
-              </a:spcBef>
-              <a:spcAft>
-                <a:spcPts val="0"/>
-              </a:spcAft>
-              <a:buClrTx/>
-              <a:buSzTx/>
-              <a:buFontTx/>
+            </a:pPr>
+            <a:endParaRPr lang="pt-BR" sz="2000" dirty="0">
+              <a:latin typeface="Times New Roman" panose="02020603050405020304" pitchFamily="18" charset="0"/>
+              <a:cs typeface="Times New Roman" panose="02020603050405020304" pitchFamily="18" charset="0"/>
+            </a:endParaRPr>
+          </a:p>
+          <a:p>
+            <a:pPr marL="0" indent="0" algn="just">
               <a:buNone/>
-              <a:defRPr sz="4400" b="0" i="0" u="none" strike="noStrike" cap="none" spc="0" baseline="0">
-                <a:ln>
-                  <a:noFill/>
-                </a:ln>
-                <a:solidFill>
-                  <a:srgbClr val="000000"/>
-                </a:solidFill>
-                <a:uFillTx/>
-                <a:latin typeface="+mj-lt"/>
-                <a:ea typeface="+mj-ea"/>
-                <a:cs typeface="+mj-cs"/>
-                <a:sym typeface="Calibri"/>
-              </a:defRPr>
-            </a:lvl8pPr>
-            <a:lvl9pPr marL="0" marR="0" indent="0" algn="ctr" defTabSz="457200" rtl="0" latinLnBrk="0">
-              <a:lnSpc>
-                <a:spcPct val="100000"/>
-              </a:lnSpc>
-              <a:spcBef>
-                <a:spcPts val="0"/>
-              </a:spcBef>
-              <a:spcAft>
-                <a:spcPts val="0"/>
-              </a:spcAft>
-              <a:buClrTx/>
-              <a:buSzTx/>
-              <a:buFontTx/>
-              <a:buNone/>
-              <a:defRPr sz="4400" b="0" i="0" u="none" strike="noStrike" cap="none" spc="0" baseline="0">
-                <a:ln>
-                  <a:noFill/>
-                </a:ln>
-                <a:solidFill>
-                  <a:srgbClr val="000000"/>
-                </a:solidFill>
-                <a:uFillTx/>
-                <a:latin typeface="+mj-lt"/>
-                <a:ea typeface="+mj-ea"/>
-                <a:cs typeface="+mj-cs"/>
-                <a:sym typeface="Calibri"/>
-              </a:defRPr>
-            </a:lvl9pPr>
-          </a:lstStyle>
-          <a:p>
-            <a:pPr algn="r" hangingPunct="1"/>
+            </a:pPr>
+            <a:r>
+              <a:rPr lang="pt-BR" sz="2000" dirty="0">
+                <a:latin typeface="Times New Roman" panose="02020603050405020304" pitchFamily="18" charset="0"/>
+                <a:cs typeface="Times New Roman" panose="02020603050405020304" pitchFamily="18" charset="0"/>
+              </a:rPr>
+              <a:t>O </a:t>
+            </a:r>
             <a:r>
               <a:rPr lang="pt-BR" sz="2000" b="1" dirty="0">
                 <a:solidFill>
-                  <a:schemeClr val="bg1"/>
-                </a:solidFill>
-              </a:rPr>
-              <a:t>Professor </a:t>
-            </a:r>
-            <a:r>
-              <a:rPr lang="pt-BR" sz="2000" b="1">
-                <a:solidFill>
-                  <a:schemeClr val="bg1"/>
-                </a:solidFill>
-              </a:rPr>
-              <a:t>M.Sc</a:t>
+                  <a:srgbClr val="FF0000"/>
+                </a:solidFill>
+                <a:latin typeface="Times New Roman" panose="02020603050405020304" pitchFamily="18" charset="0"/>
+                <a:cs typeface="Times New Roman" panose="02020603050405020304" pitchFamily="18" charset="0"/>
+              </a:rPr>
+              <a:t>Teorema Mestre </a:t>
+            </a:r>
+            <a:r>
+              <a:rPr lang="pt-BR" sz="2000" dirty="0">
+                <a:latin typeface="Times New Roman" panose="02020603050405020304" pitchFamily="18" charset="0"/>
+                <a:cs typeface="Times New Roman" panose="02020603050405020304" pitchFamily="18" charset="0"/>
+              </a:rPr>
+              <a:t>permite resolver essa </a:t>
             </a:r>
             <a:r>
               <a:rPr lang="pt-BR" sz="2000" b="1" dirty="0">
                 <a:solidFill>
-                  <a:schemeClr val="bg1"/>
-                </a:solidFill>
-              </a:rPr>
-              <a:t>. Heleno Cardoso</a:t>
-            </a:r>
+                  <a:srgbClr val="FF0000"/>
+                </a:solidFill>
+                <a:latin typeface="Times New Roman" panose="02020603050405020304" pitchFamily="18" charset="0"/>
+                <a:cs typeface="Times New Roman" panose="02020603050405020304" pitchFamily="18" charset="0"/>
+              </a:rPr>
+              <a:t>recorrência</a:t>
+            </a:r>
+            <a:r>
+              <a:rPr lang="pt-BR" sz="2000" dirty="0">
+                <a:latin typeface="Times New Roman" panose="02020603050405020304" pitchFamily="18" charset="0"/>
+                <a:cs typeface="Times New Roman" panose="02020603050405020304" pitchFamily="18" charset="0"/>
+              </a:rPr>
+              <a:t> e determinar a ordem de </a:t>
+            </a:r>
+            <a:r>
+              <a:rPr lang="pt-BR" sz="2000" b="1" dirty="0">
+                <a:latin typeface="Times New Roman" panose="02020603050405020304" pitchFamily="18" charset="0"/>
+                <a:cs typeface="Times New Roman" panose="02020603050405020304" pitchFamily="18" charset="0"/>
+              </a:rPr>
+              <a:t>complexidade</a:t>
+            </a:r>
+            <a:r>
+              <a:rPr lang="pt-BR" sz="2000" dirty="0">
+                <a:latin typeface="Times New Roman" panose="02020603050405020304" pitchFamily="18" charset="0"/>
+                <a:cs typeface="Times New Roman" panose="02020603050405020304" pitchFamily="18" charset="0"/>
+              </a:rPr>
+              <a:t>.</a:t>
+            </a:r>
+            <a:endParaRPr lang="pt-BR" sz="2000" dirty="0">
+              <a:solidFill>
+                <a:schemeClr val="tx1"/>
+              </a:solidFill>
+              <a:latin typeface="Times New Roman" panose="02020603050405020304" pitchFamily="18" charset="0"/>
+              <a:cs typeface="Times New Roman" panose="02020603050405020304" pitchFamily="18" charset="0"/>
+            </a:endParaRPr>
           </a:p>
         </p:txBody>
       </p:sp>
-      <p:pic>
-        <p:nvPicPr>
-          <p:cNvPr id="2" name="Google Shape;62;p1" descr="Imagem">
-            <a:extLst>
-              <a:ext uri="{FF2B5EF4-FFF2-40B4-BE49-F238E27FC236}">
-                <a16:creationId xmlns:a16="http://schemas.microsoft.com/office/drawing/2014/main" id="{9C895622-2963-024D-634E-EA58F5381D06}"/>
-              </a:ext>
-            </a:extLst>
-          </p:cNvPr>
-          <p:cNvPicPr preferRelativeResize="0"/>
-          <p:nvPr/>
-        </p:nvPicPr>
-        <p:blipFill rotWithShape="1">
-          <a:blip r:embed="rId4">
-            <a:alphaModFix/>
-          </a:blip>
-          <a:srcRect/>
-          <a:stretch/>
-        </p:blipFill>
-        <p:spPr>
-          <a:xfrm>
-            <a:off x="469898" y="343798"/>
-            <a:ext cx="2858518" cy="1338697"/>
-          </a:xfrm>
-          <a:prstGeom prst="rect">
-            <a:avLst/>
-          </a:prstGeom>
-          <a:noFill/>
-          <a:ln>
-            <a:noFill/>
-          </a:ln>
-        </p:spPr>
-      </p:pic>
     </p:spTree>
+    <p:extLst>
+      <p:ext uri="{BB962C8B-B14F-4D97-AF65-F5344CB8AC3E}">
+        <p14:creationId xmlns:p14="http://schemas.microsoft.com/office/powerpoint/2010/main" val="2478938850"/>
+      </p:ext>
+    </p:extLst>
   </p:cSld>
   <p:clrMapOvr>
     <a:masterClrMapping/>

--- a/01 Classes/Aula 11 - Algoritmos e Complexidade - Divisão e Conquista.pptx
+++ b/01 Classes/Aula 11 - Algoritmos e Complexidade - Divisão e Conquista.pptx
@@ -7096,14 +7096,21 @@
                 <a:latin typeface="Times New Roman" panose="02020603050405020304" pitchFamily="18" charset="0"/>
                 <a:cs typeface="Times New Roman" panose="02020603050405020304" pitchFamily="18" charset="0"/>
               </a:rPr>
-              <a:t>combinar as soluções para obter a solução final</a:t>
-            </a:r>
-            <a:r>
-              <a:rPr lang="pt-BR" sz="2200" dirty="0">
-                <a:latin typeface="Times New Roman" panose="02020603050405020304" pitchFamily="18" charset="0"/>
-                <a:cs typeface="Times New Roman" panose="02020603050405020304" pitchFamily="18" charset="0"/>
-              </a:rPr>
-              <a:t>.</a:t>
+              <a:t>combinar as soluções para obter a solução </a:t>
+            </a:r>
+            <a:r>
+              <a:rPr lang="pt-BR" sz="2200" b="1">
+                <a:latin typeface="Times New Roman" panose="02020603050405020304" pitchFamily="18" charset="0"/>
+                <a:cs typeface="Times New Roman" panose="02020603050405020304" pitchFamily="18" charset="0"/>
+              </a:rPr>
+              <a:t>final</a:t>
+            </a:r>
+            <a:r>
+              <a:rPr lang="pt-BR" sz="2200">
+                <a:latin typeface="Times New Roman" panose="02020603050405020304" pitchFamily="18" charset="0"/>
+                <a:cs typeface="Times New Roman" panose="02020603050405020304" pitchFamily="18" charset="0"/>
+              </a:rPr>
+              <a:t>. </a:t>
             </a:r>
             <a:endParaRPr lang="pt-BR" sz="2200" dirty="0">
               <a:solidFill>
